--- a/figures.pptx
+++ b/figures.pptx
@@ -7,6 +7,8 @@
   <p:sldIdLst>
     <p:sldId id="257" r:id="rId2"/>
     <p:sldId id="258" r:id="rId3"/>
+    <p:sldId id="259" r:id="rId4"/>
+    <p:sldId id="260" r:id="rId5"/>
   </p:sldIdLst>
   <p:sldSz cx="12192000" cy="6858000"/>
   <p:notesSz cx="6858000" cy="9144000"/>
@@ -260,7 +262,7 @@
           <a:p>
             <a:fld id="{1775F7CC-E92A-4E56-B24A-F2DEA468B7FB}" type="datetimeFigureOut">
               <a:rPr lang="en-US" smtClean="0"/>
-              <a:t>09-Jan-22</a:t>
+              <a:t>24-Jan-22</a:t>
             </a:fld>
             <a:endParaRPr lang="en-US"/>
           </a:p>
@@ -458,7 +460,7 @@
           <a:p>
             <a:fld id="{1775F7CC-E92A-4E56-B24A-F2DEA468B7FB}" type="datetimeFigureOut">
               <a:rPr lang="en-US" smtClean="0"/>
-              <a:t>09-Jan-22</a:t>
+              <a:t>24-Jan-22</a:t>
             </a:fld>
             <a:endParaRPr lang="en-US"/>
           </a:p>
@@ -666,7 +668,7 @@
           <a:p>
             <a:fld id="{1775F7CC-E92A-4E56-B24A-F2DEA468B7FB}" type="datetimeFigureOut">
               <a:rPr lang="en-US" smtClean="0"/>
-              <a:t>09-Jan-22</a:t>
+              <a:t>24-Jan-22</a:t>
             </a:fld>
             <a:endParaRPr lang="en-US"/>
           </a:p>
@@ -864,7 +866,7 @@
           <a:p>
             <a:fld id="{1775F7CC-E92A-4E56-B24A-F2DEA468B7FB}" type="datetimeFigureOut">
               <a:rPr lang="en-US" smtClean="0"/>
-              <a:t>09-Jan-22</a:t>
+              <a:t>24-Jan-22</a:t>
             </a:fld>
             <a:endParaRPr lang="en-US"/>
           </a:p>
@@ -1139,7 +1141,7 @@
           <a:p>
             <a:fld id="{1775F7CC-E92A-4E56-B24A-F2DEA468B7FB}" type="datetimeFigureOut">
               <a:rPr lang="en-US" smtClean="0"/>
-              <a:t>09-Jan-22</a:t>
+              <a:t>24-Jan-22</a:t>
             </a:fld>
             <a:endParaRPr lang="en-US"/>
           </a:p>
@@ -1404,7 +1406,7 @@
           <a:p>
             <a:fld id="{1775F7CC-E92A-4E56-B24A-F2DEA468B7FB}" type="datetimeFigureOut">
               <a:rPr lang="en-US" smtClean="0"/>
-              <a:t>09-Jan-22</a:t>
+              <a:t>24-Jan-22</a:t>
             </a:fld>
             <a:endParaRPr lang="en-US"/>
           </a:p>
@@ -1816,7 +1818,7 @@
           <a:p>
             <a:fld id="{1775F7CC-E92A-4E56-B24A-F2DEA468B7FB}" type="datetimeFigureOut">
               <a:rPr lang="en-US" smtClean="0"/>
-              <a:t>09-Jan-22</a:t>
+              <a:t>24-Jan-22</a:t>
             </a:fld>
             <a:endParaRPr lang="en-US"/>
           </a:p>
@@ -1957,7 +1959,7 @@
           <a:p>
             <a:fld id="{1775F7CC-E92A-4E56-B24A-F2DEA468B7FB}" type="datetimeFigureOut">
               <a:rPr lang="en-US" smtClean="0"/>
-              <a:t>09-Jan-22</a:t>
+              <a:t>24-Jan-22</a:t>
             </a:fld>
             <a:endParaRPr lang="en-US"/>
           </a:p>
@@ -2070,7 +2072,7 @@
           <a:p>
             <a:fld id="{1775F7CC-E92A-4E56-B24A-F2DEA468B7FB}" type="datetimeFigureOut">
               <a:rPr lang="en-US" smtClean="0"/>
-              <a:t>09-Jan-22</a:t>
+              <a:t>24-Jan-22</a:t>
             </a:fld>
             <a:endParaRPr lang="en-US"/>
           </a:p>
@@ -2381,7 +2383,7 @@
           <a:p>
             <a:fld id="{1775F7CC-E92A-4E56-B24A-F2DEA468B7FB}" type="datetimeFigureOut">
               <a:rPr lang="en-US" smtClean="0"/>
-              <a:t>09-Jan-22</a:t>
+              <a:t>24-Jan-22</a:t>
             </a:fld>
             <a:endParaRPr lang="en-US"/>
           </a:p>
@@ -2669,7 +2671,7 @@
           <a:p>
             <a:fld id="{1775F7CC-E92A-4E56-B24A-F2DEA468B7FB}" type="datetimeFigureOut">
               <a:rPr lang="en-US" smtClean="0"/>
-              <a:t>09-Jan-22</a:t>
+              <a:t>24-Jan-22</a:t>
             </a:fld>
             <a:endParaRPr lang="en-US"/>
           </a:p>
@@ -2910,7 +2912,7 @@
           <a:p>
             <a:fld id="{1775F7CC-E92A-4E56-B24A-F2DEA468B7FB}" type="datetimeFigureOut">
               <a:rPr lang="en-US" smtClean="0"/>
-              <a:t>09-Jan-22</a:t>
+              <a:t>24-Jan-22</a:t>
             </a:fld>
             <a:endParaRPr lang="en-US"/>
           </a:p>
@@ -4388,8 +4390,8 @@
           </a:p>
         </p:txBody>
       </p:sp>
-      <mc:AlternateContent xmlns:mc="http://schemas.openxmlformats.org/markup-compatibility/2006">
-        <mc:Choice xmlns:a14="http://schemas.microsoft.com/office/drawing/2010/main" Requires="a14">
+      <mc:AlternateContent xmlns:mc="http://schemas.openxmlformats.org/markup-compatibility/2006" xmlns:a14="http://schemas.microsoft.com/office/drawing/2010/main">
+        <mc:Choice Requires="a14">
           <p:sp>
             <p:nvSpPr>
               <p:cNvPr id="21" name="TextBox 20">
@@ -4418,6 +4420,7 @@
               </a:bodyPr>
               <a:lstStyle/>
               <a:p>
+                <a:pPr/>
                 <a14:m>
                   <m:oMathPara xmlns:m="http://schemas.openxmlformats.org/officeDocument/2006/math">
                     <m:oMathParaPr>
@@ -4438,7 +4441,7 @@
             </p:txBody>
           </p:sp>
         </mc:Choice>
-        <mc:Fallback>
+        <mc:Fallback xmlns="">
           <p:sp>
             <p:nvSpPr>
               <p:cNvPr id="21" name="TextBox 20">
@@ -4611,8 +4614,8 @@
           </a:p>
         </p:txBody>
       </p:sp>
-      <mc:AlternateContent xmlns:mc="http://schemas.openxmlformats.org/markup-compatibility/2006">
-        <mc:Choice xmlns:a14="http://schemas.microsoft.com/office/drawing/2010/main" Requires="a14">
+      <mc:AlternateContent xmlns:mc="http://schemas.openxmlformats.org/markup-compatibility/2006" xmlns:a14="http://schemas.microsoft.com/office/drawing/2010/main">
+        <mc:Choice Requires="a14">
           <p:sp>
             <p:nvSpPr>
               <p:cNvPr id="26" name="TextBox 25">
@@ -4641,6 +4644,7 @@
               </a:bodyPr>
               <a:lstStyle/>
               <a:p>
+                <a:pPr/>
                 <a14:m>
                   <m:oMathPara xmlns:m="http://schemas.openxmlformats.org/officeDocument/2006/math">
                     <m:oMathParaPr>
@@ -4688,7 +4692,7 @@
             </p:txBody>
           </p:sp>
         </mc:Choice>
-        <mc:Fallback>
+        <mc:Fallback xmlns="">
           <p:sp>
             <p:nvSpPr>
               <p:cNvPr id="26" name="TextBox 25">
@@ -4733,8 +4737,8 @@
           </p:sp>
         </mc:Fallback>
       </mc:AlternateContent>
-      <mc:AlternateContent xmlns:mc="http://schemas.openxmlformats.org/markup-compatibility/2006">
-        <mc:Choice xmlns:a14="http://schemas.microsoft.com/office/drawing/2010/main" Requires="a14">
+      <mc:AlternateContent xmlns:mc="http://schemas.openxmlformats.org/markup-compatibility/2006" xmlns:a14="http://schemas.microsoft.com/office/drawing/2010/main">
+        <mc:Choice Requires="a14">
           <p:sp>
             <p:nvSpPr>
               <p:cNvPr id="29" name="TextBox 28">
@@ -4763,6 +4767,7 @@
               </a:bodyPr>
               <a:lstStyle/>
               <a:p>
+                <a:pPr/>
                 <a14:m>
                   <m:oMathPara xmlns:m="http://schemas.openxmlformats.org/officeDocument/2006/math">
                     <m:oMathParaPr>
@@ -4783,7 +4788,7 @@
             </p:txBody>
           </p:sp>
         </mc:Choice>
-        <mc:Fallback>
+        <mc:Fallback xmlns="">
           <p:sp>
             <p:nvSpPr>
               <p:cNvPr id="29" name="TextBox 28">
@@ -5092,8 +5097,8 @@
           </a:p>
         </p:txBody>
       </p:sp>
-      <mc:AlternateContent xmlns:mc="http://schemas.openxmlformats.org/markup-compatibility/2006">
-        <mc:Choice xmlns:a14="http://schemas.microsoft.com/office/drawing/2010/main" Requires="a14">
+      <mc:AlternateContent xmlns:mc="http://schemas.openxmlformats.org/markup-compatibility/2006" xmlns:a14="http://schemas.microsoft.com/office/drawing/2010/main">
+        <mc:Choice Requires="a14">
           <p:sp>
             <p:nvSpPr>
               <p:cNvPr id="57" name="TextBox 56">
@@ -5122,6 +5127,7 @@
               </a:bodyPr>
               <a:lstStyle/>
               <a:p>
+                <a:pPr/>
                 <a14:m>
                   <m:oMathPara xmlns:m="http://schemas.openxmlformats.org/officeDocument/2006/math">
                     <m:oMathParaPr>
@@ -5142,7 +5148,7 @@
             </p:txBody>
           </p:sp>
         </mc:Choice>
-        <mc:Fallback>
+        <mc:Fallback xmlns="">
           <p:sp>
             <p:nvSpPr>
               <p:cNvPr id="57" name="TextBox 56">
@@ -5315,8 +5321,8 @@
           </a:p>
         </p:txBody>
       </p:sp>
-      <mc:AlternateContent xmlns:mc="http://schemas.openxmlformats.org/markup-compatibility/2006">
-        <mc:Choice xmlns:a14="http://schemas.microsoft.com/office/drawing/2010/main" Requires="a14">
+      <mc:AlternateContent xmlns:mc="http://schemas.openxmlformats.org/markup-compatibility/2006" xmlns:a14="http://schemas.microsoft.com/office/drawing/2010/main">
+        <mc:Choice Requires="a14">
           <p:sp>
             <p:nvSpPr>
               <p:cNvPr id="61" name="TextBox 60">
@@ -5345,6 +5351,7 @@
               </a:bodyPr>
               <a:lstStyle/>
               <a:p>
+                <a:pPr/>
                 <a14:m>
                   <m:oMathPara xmlns:m="http://schemas.openxmlformats.org/officeDocument/2006/math">
                     <m:oMathParaPr>
@@ -5392,7 +5399,7 @@
             </p:txBody>
           </p:sp>
         </mc:Choice>
-        <mc:Fallback>
+        <mc:Fallback xmlns="">
           <p:sp>
             <p:nvSpPr>
               <p:cNvPr id="61" name="TextBox 60">
@@ -5437,8 +5444,8 @@
           </p:sp>
         </mc:Fallback>
       </mc:AlternateContent>
-      <mc:AlternateContent xmlns:mc="http://schemas.openxmlformats.org/markup-compatibility/2006">
-        <mc:Choice xmlns:a14="http://schemas.microsoft.com/office/drawing/2010/main" Requires="a14">
+      <mc:AlternateContent xmlns:mc="http://schemas.openxmlformats.org/markup-compatibility/2006" xmlns:a14="http://schemas.microsoft.com/office/drawing/2010/main">
+        <mc:Choice Requires="a14">
           <p:sp>
             <p:nvSpPr>
               <p:cNvPr id="62" name="TextBox 61">
@@ -5467,6 +5474,7 @@
               </a:bodyPr>
               <a:lstStyle/>
               <a:p>
+                <a:pPr/>
                 <a14:m>
                   <m:oMathPara xmlns:m="http://schemas.openxmlformats.org/officeDocument/2006/math">
                     <m:oMathParaPr>
@@ -5487,7 +5495,7 @@
             </p:txBody>
           </p:sp>
         </mc:Choice>
-        <mc:Fallback>
+        <mc:Fallback xmlns="">
           <p:sp>
             <p:nvSpPr>
               <p:cNvPr id="62" name="TextBox 61">
@@ -5616,8 +5624,8 @@
           </a:fontRef>
         </p:style>
       </p:cxnSp>
-      <mc:AlternateContent xmlns:mc="http://schemas.openxmlformats.org/markup-compatibility/2006">
-        <mc:Choice xmlns:a14="http://schemas.microsoft.com/office/drawing/2010/main" Requires="a14">
+      <mc:AlternateContent xmlns:mc="http://schemas.openxmlformats.org/markup-compatibility/2006" xmlns:a14="http://schemas.microsoft.com/office/drawing/2010/main">
+        <mc:Choice Requires="a14">
           <p:sp>
             <p:nvSpPr>
               <p:cNvPr id="72" name="TextBox 71">
@@ -5646,6 +5654,7 @@
               </a:bodyPr>
               <a:lstStyle/>
               <a:p>
+                <a:pPr/>
                 <a14:m>
                   <m:oMathPara xmlns:m="http://schemas.openxmlformats.org/officeDocument/2006/math">
                     <m:oMathParaPr>
@@ -5666,7 +5675,7 @@
             </p:txBody>
           </p:sp>
         </mc:Choice>
-        <mc:Fallback>
+        <mc:Fallback xmlns="">
           <p:sp>
             <p:nvSpPr>
               <p:cNvPr id="72" name="TextBox 71">
@@ -5752,8 +5761,8 @@
           </a:fontRef>
         </p:style>
       </p:cxnSp>
-      <mc:AlternateContent xmlns:mc="http://schemas.openxmlformats.org/markup-compatibility/2006">
-        <mc:Choice xmlns:a14="http://schemas.microsoft.com/office/drawing/2010/main" Requires="a14">
+      <mc:AlternateContent xmlns:mc="http://schemas.openxmlformats.org/markup-compatibility/2006" xmlns:a14="http://schemas.microsoft.com/office/drawing/2010/main">
+        <mc:Choice Requires="a14">
           <p:sp>
             <p:nvSpPr>
               <p:cNvPr id="77" name="TextBox 76">
@@ -5782,6 +5791,7 @@
               </a:bodyPr>
               <a:lstStyle/>
               <a:p>
+                <a:pPr/>
                 <a14:m>
                   <m:oMathPara xmlns:m="http://schemas.openxmlformats.org/officeDocument/2006/math">
                     <m:oMathParaPr>
@@ -5808,7 +5818,7 @@
             </p:txBody>
           </p:sp>
         </mc:Choice>
-        <mc:Fallback>
+        <mc:Fallback xmlns="">
           <p:sp>
             <p:nvSpPr>
               <p:cNvPr id="77" name="TextBox 76">
@@ -5853,8 +5863,8 @@
           </p:sp>
         </mc:Fallback>
       </mc:AlternateContent>
-      <mc:AlternateContent xmlns:mc="http://schemas.openxmlformats.org/markup-compatibility/2006">
-        <mc:Choice xmlns:a14="http://schemas.microsoft.com/office/drawing/2010/main" Requires="a14">
+      <mc:AlternateContent xmlns:mc="http://schemas.openxmlformats.org/markup-compatibility/2006" xmlns:a14="http://schemas.microsoft.com/office/drawing/2010/main">
+        <mc:Choice Requires="a14">
           <p:sp>
             <p:nvSpPr>
               <p:cNvPr id="78" name="TextBox 77">
@@ -5883,6 +5893,7 @@
               </a:bodyPr>
               <a:lstStyle/>
               <a:p>
+                <a:pPr/>
                 <a14:m>
                   <m:oMathPara xmlns:m="http://schemas.openxmlformats.org/officeDocument/2006/math">
                     <m:oMathParaPr>
@@ -5909,7 +5920,7 @@
             </p:txBody>
           </p:sp>
         </mc:Choice>
-        <mc:Fallback>
+        <mc:Fallback xmlns="">
           <p:sp>
             <p:nvSpPr>
               <p:cNvPr id="78" name="TextBox 77">
@@ -5958,6 +5969,5387 @@
     <p:extLst>
       <p:ext uri="{BB962C8B-B14F-4D97-AF65-F5344CB8AC3E}">
         <p14:creationId xmlns:p14="http://schemas.microsoft.com/office/powerpoint/2010/main" val="2826892555"/>
+      </p:ext>
+    </p:extLst>
+  </p:cSld>
+  <p:clrMapOvr>
+    <a:masterClrMapping/>
+  </p:clrMapOvr>
+</p:sld>
+</file>
+
+<file path=ppt/slides/slide3.xml><?xml version="1.0" encoding="utf-8"?>
+<p:sld xmlns:a="http://schemas.openxmlformats.org/drawingml/2006/main" xmlns:r="http://schemas.openxmlformats.org/officeDocument/2006/relationships" xmlns:p="http://schemas.openxmlformats.org/presentationml/2006/main">
+  <p:cSld>
+    <p:spTree>
+      <p:nvGrpSpPr>
+        <p:cNvPr id="1" name=""/>
+        <p:cNvGrpSpPr/>
+        <p:nvPr/>
+      </p:nvGrpSpPr>
+      <p:grpSpPr>
+        <a:xfrm>
+          <a:off x="0" y="0"/>
+          <a:ext cx="0" cy="0"/>
+          <a:chOff x="0" y="0"/>
+          <a:chExt cx="0" cy="0"/>
+        </a:xfrm>
+      </p:grpSpPr>
+      <p:cxnSp>
+        <p:nvCxnSpPr>
+          <p:cNvPr id="37" name="Straight Connector 36">
+            <a:extLst>
+              <a:ext uri="{FF2B5EF4-FFF2-40B4-BE49-F238E27FC236}">
+                <a16:creationId xmlns:a16="http://schemas.microsoft.com/office/drawing/2014/main" id="{CC09AACE-E212-41FA-AAFF-76B3E2AE6184}"/>
+              </a:ext>
+            </a:extLst>
+          </p:cNvPr>
+          <p:cNvCxnSpPr>
+            <a:cxnSpLocks/>
+          </p:cNvCxnSpPr>
+          <p:nvPr/>
+        </p:nvCxnSpPr>
+        <p:spPr>
+          <a:xfrm>
+            <a:off x="1444046" y="3960421"/>
+            <a:ext cx="1655414" cy="884712"/>
+          </a:xfrm>
+          <a:prstGeom prst="line">
+            <a:avLst/>
+          </a:prstGeom>
+        </p:spPr>
+        <p:style>
+          <a:lnRef idx="1">
+            <a:schemeClr val="dk1"/>
+          </a:lnRef>
+          <a:fillRef idx="0">
+            <a:schemeClr val="dk1"/>
+          </a:fillRef>
+          <a:effectRef idx="0">
+            <a:schemeClr val="dk1"/>
+          </a:effectRef>
+          <a:fontRef idx="minor">
+            <a:schemeClr val="tx1"/>
+          </a:fontRef>
+        </p:style>
+      </p:cxnSp>
+      <p:cxnSp>
+        <p:nvCxnSpPr>
+          <p:cNvPr id="38" name="Straight Connector 37">
+            <a:extLst>
+              <a:ext uri="{FF2B5EF4-FFF2-40B4-BE49-F238E27FC236}">
+                <a16:creationId xmlns:a16="http://schemas.microsoft.com/office/drawing/2014/main" id="{E505B215-BD5B-4D57-A54E-ECBF08B33E27}"/>
+              </a:ext>
+            </a:extLst>
+          </p:cNvPr>
+          <p:cNvCxnSpPr>
+            <a:cxnSpLocks/>
+          </p:cNvCxnSpPr>
+          <p:nvPr/>
+        </p:nvCxnSpPr>
+        <p:spPr>
+          <a:xfrm flipV="1">
+            <a:off x="1793174" y="2369127"/>
+            <a:ext cx="1917865" cy="362197"/>
+          </a:xfrm>
+          <a:prstGeom prst="line">
+            <a:avLst/>
+          </a:prstGeom>
+        </p:spPr>
+        <p:style>
+          <a:lnRef idx="1">
+            <a:schemeClr val="dk1"/>
+          </a:lnRef>
+          <a:fillRef idx="0">
+            <a:schemeClr val="dk1"/>
+          </a:fillRef>
+          <a:effectRef idx="0">
+            <a:schemeClr val="dk1"/>
+          </a:effectRef>
+          <a:fontRef idx="minor">
+            <a:schemeClr val="tx1"/>
+          </a:fontRef>
+        </p:style>
+      </p:cxnSp>
+      <p:cxnSp>
+        <p:nvCxnSpPr>
+          <p:cNvPr id="41" name="Straight Connector 40">
+            <a:extLst>
+              <a:ext uri="{FF2B5EF4-FFF2-40B4-BE49-F238E27FC236}">
+                <a16:creationId xmlns:a16="http://schemas.microsoft.com/office/drawing/2014/main" id="{F99CCD33-9394-4F8C-965A-E5BFDF438DD4}"/>
+              </a:ext>
+            </a:extLst>
+          </p:cNvPr>
+          <p:cNvCxnSpPr>
+            <a:cxnSpLocks/>
+          </p:cNvCxnSpPr>
+          <p:nvPr/>
+        </p:nvCxnSpPr>
+        <p:spPr>
+          <a:xfrm>
+            <a:off x="8375276" y="3960421"/>
+            <a:ext cx="1655414" cy="884712"/>
+          </a:xfrm>
+          <a:prstGeom prst="line">
+            <a:avLst/>
+          </a:prstGeom>
+        </p:spPr>
+        <p:style>
+          <a:lnRef idx="1">
+            <a:schemeClr val="dk1"/>
+          </a:lnRef>
+          <a:fillRef idx="0">
+            <a:schemeClr val="dk1"/>
+          </a:fillRef>
+          <a:effectRef idx="0">
+            <a:schemeClr val="dk1"/>
+          </a:effectRef>
+          <a:fontRef idx="minor">
+            <a:schemeClr val="tx1"/>
+          </a:fontRef>
+        </p:style>
+      </p:cxnSp>
+      <p:cxnSp>
+        <p:nvCxnSpPr>
+          <p:cNvPr id="42" name="Straight Connector 41">
+            <a:extLst>
+              <a:ext uri="{FF2B5EF4-FFF2-40B4-BE49-F238E27FC236}">
+                <a16:creationId xmlns:a16="http://schemas.microsoft.com/office/drawing/2014/main" id="{A7D960CE-3FD9-453B-A325-9482E826474F}"/>
+              </a:ext>
+            </a:extLst>
+          </p:cNvPr>
+          <p:cNvCxnSpPr>
+            <a:cxnSpLocks/>
+          </p:cNvCxnSpPr>
+          <p:nvPr/>
+        </p:nvCxnSpPr>
+        <p:spPr>
+          <a:xfrm flipV="1">
+            <a:off x="8724404" y="2369127"/>
+            <a:ext cx="1917865" cy="362197"/>
+          </a:xfrm>
+          <a:prstGeom prst="line">
+            <a:avLst/>
+          </a:prstGeom>
+        </p:spPr>
+        <p:style>
+          <a:lnRef idx="1">
+            <a:schemeClr val="dk1"/>
+          </a:lnRef>
+          <a:fillRef idx="0">
+            <a:schemeClr val="dk1"/>
+          </a:fillRef>
+          <a:effectRef idx="0">
+            <a:schemeClr val="dk1"/>
+          </a:effectRef>
+          <a:fontRef idx="minor">
+            <a:schemeClr val="tx1"/>
+          </a:fontRef>
+        </p:style>
+      </p:cxnSp>
+      <p:cxnSp>
+        <p:nvCxnSpPr>
+          <p:cNvPr id="44" name="Straight Connector 43">
+            <a:extLst>
+              <a:ext uri="{FF2B5EF4-FFF2-40B4-BE49-F238E27FC236}">
+                <a16:creationId xmlns:a16="http://schemas.microsoft.com/office/drawing/2014/main" id="{63B04A15-8EBE-44B8-9A2F-1AA58F9B6A73}"/>
+              </a:ext>
+            </a:extLst>
+          </p:cNvPr>
+          <p:cNvCxnSpPr>
+            <a:cxnSpLocks/>
+          </p:cNvCxnSpPr>
+          <p:nvPr/>
+        </p:nvCxnSpPr>
+        <p:spPr>
+          <a:xfrm flipV="1">
+            <a:off x="9561617" y="3164773"/>
+            <a:ext cx="1316183" cy="264228"/>
+          </a:xfrm>
+          <a:prstGeom prst="line">
+            <a:avLst/>
+          </a:prstGeom>
+        </p:spPr>
+        <p:style>
+          <a:lnRef idx="1">
+            <a:schemeClr val="dk1"/>
+          </a:lnRef>
+          <a:fillRef idx="0">
+            <a:schemeClr val="dk1"/>
+          </a:fillRef>
+          <a:effectRef idx="0">
+            <a:schemeClr val="dk1"/>
+          </a:effectRef>
+          <a:fontRef idx="minor">
+            <a:schemeClr val="tx1"/>
+          </a:fontRef>
+        </p:style>
+      </p:cxnSp>
+      <p:cxnSp>
+        <p:nvCxnSpPr>
+          <p:cNvPr id="46" name="Straight Connector 45">
+            <a:extLst>
+              <a:ext uri="{FF2B5EF4-FFF2-40B4-BE49-F238E27FC236}">
+                <a16:creationId xmlns:a16="http://schemas.microsoft.com/office/drawing/2014/main" id="{19B97292-1B1E-4FA8-8C48-5BBA30312E81}"/>
+              </a:ext>
+            </a:extLst>
+          </p:cNvPr>
+          <p:cNvCxnSpPr>
+            <a:cxnSpLocks/>
+          </p:cNvCxnSpPr>
+          <p:nvPr/>
+        </p:nvCxnSpPr>
+        <p:spPr>
+          <a:xfrm>
+            <a:off x="9561617" y="3429000"/>
+            <a:ext cx="1316183" cy="433450"/>
+          </a:xfrm>
+          <a:prstGeom prst="line">
+            <a:avLst/>
+          </a:prstGeom>
+        </p:spPr>
+        <p:style>
+          <a:lnRef idx="1">
+            <a:schemeClr val="dk1"/>
+          </a:lnRef>
+          <a:fillRef idx="0">
+            <a:schemeClr val="dk1"/>
+          </a:fillRef>
+          <a:effectRef idx="0">
+            <a:schemeClr val="dk1"/>
+          </a:effectRef>
+          <a:fontRef idx="minor">
+            <a:schemeClr val="tx1"/>
+          </a:fontRef>
+        </p:style>
+      </p:cxnSp>
+      <p:cxnSp>
+        <p:nvCxnSpPr>
+          <p:cNvPr id="15" name="Straight Connector 14">
+            <a:extLst>
+              <a:ext uri="{FF2B5EF4-FFF2-40B4-BE49-F238E27FC236}">
+                <a16:creationId xmlns:a16="http://schemas.microsoft.com/office/drawing/2014/main" id="{02F29D89-5BD3-4204-A858-C3B68FDEE7D5}"/>
+              </a:ext>
+            </a:extLst>
+          </p:cNvPr>
+          <p:cNvCxnSpPr/>
+          <p:nvPr/>
+        </p:nvCxnSpPr>
+        <p:spPr>
+          <a:xfrm>
+            <a:off x="1793174" y="2731324"/>
+            <a:ext cx="0" cy="1425040"/>
+          </a:xfrm>
+          <a:prstGeom prst="line">
+            <a:avLst/>
+          </a:prstGeom>
+          <a:ln>
+            <a:prstDash val="dash"/>
+          </a:ln>
+        </p:spPr>
+        <p:style>
+          <a:lnRef idx="1">
+            <a:schemeClr val="dk1"/>
+          </a:lnRef>
+          <a:fillRef idx="0">
+            <a:schemeClr val="dk1"/>
+          </a:fillRef>
+          <a:effectRef idx="0">
+            <a:schemeClr val="dk1"/>
+          </a:effectRef>
+          <a:fontRef idx="minor">
+            <a:schemeClr val="tx1"/>
+          </a:fontRef>
+        </p:style>
+      </p:cxnSp>
+      <p:cxnSp>
+        <p:nvCxnSpPr>
+          <p:cNvPr id="64" name="Straight Connector 63">
+            <a:extLst>
+              <a:ext uri="{FF2B5EF4-FFF2-40B4-BE49-F238E27FC236}">
+                <a16:creationId xmlns:a16="http://schemas.microsoft.com/office/drawing/2014/main" id="{CF246440-BAC3-4A4A-9AB3-F7A675173392}"/>
+              </a:ext>
+            </a:extLst>
+          </p:cNvPr>
+          <p:cNvCxnSpPr>
+            <a:cxnSpLocks/>
+          </p:cNvCxnSpPr>
+          <p:nvPr/>
+        </p:nvCxnSpPr>
+        <p:spPr>
+          <a:xfrm>
+            <a:off x="3099460" y="2493818"/>
+            <a:ext cx="0" cy="2351315"/>
+          </a:xfrm>
+          <a:prstGeom prst="line">
+            <a:avLst/>
+          </a:prstGeom>
+          <a:ln>
+            <a:prstDash val="dash"/>
+          </a:ln>
+        </p:spPr>
+        <p:style>
+          <a:lnRef idx="1">
+            <a:schemeClr val="dk1"/>
+          </a:lnRef>
+          <a:fillRef idx="0">
+            <a:schemeClr val="dk1"/>
+          </a:fillRef>
+          <a:effectRef idx="0">
+            <a:schemeClr val="dk1"/>
+          </a:effectRef>
+          <a:fontRef idx="minor">
+            <a:schemeClr val="tx1"/>
+          </a:fontRef>
+        </p:style>
+      </p:cxnSp>
+      <p:cxnSp>
+        <p:nvCxnSpPr>
+          <p:cNvPr id="67" name="Straight Connector 66">
+            <a:extLst>
+              <a:ext uri="{FF2B5EF4-FFF2-40B4-BE49-F238E27FC236}">
+                <a16:creationId xmlns:a16="http://schemas.microsoft.com/office/drawing/2014/main" id="{B0A0D132-44C5-4466-A072-EB019C7C9CF4}"/>
+              </a:ext>
+            </a:extLst>
+          </p:cNvPr>
+          <p:cNvCxnSpPr>
+            <a:cxnSpLocks/>
+          </p:cNvCxnSpPr>
+          <p:nvPr/>
+        </p:nvCxnSpPr>
+        <p:spPr>
+          <a:xfrm>
+            <a:off x="8724404" y="2731324"/>
+            <a:ext cx="0" cy="1425040"/>
+          </a:xfrm>
+          <a:prstGeom prst="line">
+            <a:avLst/>
+          </a:prstGeom>
+          <a:ln>
+            <a:prstDash val="dash"/>
+          </a:ln>
+        </p:spPr>
+        <p:style>
+          <a:lnRef idx="1">
+            <a:schemeClr val="dk1"/>
+          </a:lnRef>
+          <a:fillRef idx="0">
+            <a:schemeClr val="dk1"/>
+          </a:fillRef>
+          <a:effectRef idx="0">
+            <a:schemeClr val="dk1"/>
+          </a:effectRef>
+          <a:fontRef idx="minor">
+            <a:schemeClr val="tx1"/>
+          </a:fontRef>
+        </p:style>
+      </p:cxnSp>
+      <p:cxnSp>
+        <p:nvCxnSpPr>
+          <p:cNvPr id="69" name="Straight Connector 68">
+            <a:extLst>
+              <a:ext uri="{FF2B5EF4-FFF2-40B4-BE49-F238E27FC236}">
+                <a16:creationId xmlns:a16="http://schemas.microsoft.com/office/drawing/2014/main" id="{85D7D2B7-ADBC-40B2-85D4-1727EA1D4B2A}"/>
+              </a:ext>
+            </a:extLst>
+          </p:cNvPr>
+          <p:cNvCxnSpPr>
+            <a:cxnSpLocks/>
+          </p:cNvCxnSpPr>
+          <p:nvPr/>
+        </p:nvCxnSpPr>
+        <p:spPr>
+          <a:xfrm>
+            <a:off x="9561617" y="2568039"/>
+            <a:ext cx="0" cy="2021776"/>
+          </a:xfrm>
+          <a:prstGeom prst="line">
+            <a:avLst/>
+          </a:prstGeom>
+          <a:ln>
+            <a:prstDash val="dash"/>
+          </a:ln>
+        </p:spPr>
+        <p:style>
+          <a:lnRef idx="1">
+            <a:schemeClr val="dk1"/>
+          </a:lnRef>
+          <a:fillRef idx="0">
+            <a:schemeClr val="dk1"/>
+          </a:fillRef>
+          <a:effectRef idx="0">
+            <a:schemeClr val="dk1"/>
+          </a:effectRef>
+          <a:fontRef idx="minor">
+            <a:schemeClr val="tx1"/>
+          </a:fontRef>
+        </p:style>
+      </p:cxnSp>
+      <p:cxnSp>
+        <p:nvCxnSpPr>
+          <p:cNvPr id="70" name="Straight Connector 69">
+            <a:extLst>
+              <a:ext uri="{FF2B5EF4-FFF2-40B4-BE49-F238E27FC236}">
+                <a16:creationId xmlns:a16="http://schemas.microsoft.com/office/drawing/2014/main" id="{B69F23EC-66FA-474F-B3A9-03526CF1A2DB}"/>
+              </a:ext>
+            </a:extLst>
+          </p:cNvPr>
+          <p:cNvCxnSpPr>
+            <a:cxnSpLocks/>
+          </p:cNvCxnSpPr>
+          <p:nvPr/>
+        </p:nvCxnSpPr>
+        <p:spPr>
+          <a:xfrm>
+            <a:off x="4873933" y="3893727"/>
+            <a:ext cx="1780206" cy="951405"/>
+          </a:xfrm>
+          <a:prstGeom prst="line">
+            <a:avLst/>
+          </a:prstGeom>
+        </p:spPr>
+        <p:style>
+          <a:lnRef idx="1">
+            <a:schemeClr val="dk1"/>
+          </a:lnRef>
+          <a:fillRef idx="0">
+            <a:schemeClr val="dk1"/>
+          </a:fillRef>
+          <a:effectRef idx="0">
+            <a:schemeClr val="dk1"/>
+          </a:effectRef>
+          <a:fontRef idx="minor">
+            <a:schemeClr val="tx1"/>
+          </a:fontRef>
+        </p:style>
+      </p:cxnSp>
+      <p:cxnSp>
+        <p:nvCxnSpPr>
+          <p:cNvPr id="71" name="Straight Connector 70">
+            <a:extLst>
+              <a:ext uri="{FF2B5EF4-FFF2-40B4-BE49-F238E27FC236}">
+                <a16:creationId xmlns:a16="http://schemas.microsoft.com/office/drawing/2014/main" id="{9EBB8790-E83E-43A8-9B11-FD1B359ECBD1}"/>
+              </a:ext>
+            </a:extLst>
+          </p:cNvPr>
+          <p:cNvCxnSpPr>
+            <a:cxnSpLocks/>
+          </p:cNvCxnSpPr>
+          <p:nvPr/>
+        </p:nvCxnSpPr>
+        <p:spPr>
+          <a:xfrm flipV="1">
+            <a:off x="5347853" y="2568039"/>
+            <a:ext cx="864603" cy="163285"/>
+          </a:xfrm>
+          <a:prstGeom prst="line">
+            <a:avLst/>
+          </a:prstGeom>
+        </p:spPr>
+        <p:style>
+          <a:lnRef idx="1">
+            <a:schemeClr val="dk1"/>
+          </a:lnRef>
+          <a:fillRef idx="0">
+            <a:schemeClr val="dk1"/>
+          </a:fillRef>
+          <a:effectRef idx="0">
+            <a:schemeClr val="dk1"/>
+          </a:effectRef>
+          <a:fontRef idx="minor">
+            <a:schemeClr val="tx1"/>
+          </a:fontRef>
+        </p:style>
+      </p:cxnSp>
+      <p:cxnSp>
+        <p:nvCxnSpPr>
+          <p:cNvPr id="74" name="Straight Connector 73">
+            <a:extLst>
+              <a:ext uri="{FF2B5EF4-FFF2-40B4-BE49-F238E27FC236}">
+                <a16:creationId xmlns:a16="http://schemas.microsoft.com/office/drawing/2014/main" id="{9779689E-8F66-4150-8EC6-A91D84708384}"/>
+              </a:ext>
+            </a:extLst>
+          </p:cNvPr>
+          <p:cNvCxnSpPr>
+            <a:cxnSpLocks/>
+          </p:cNvCxnSpPr>
+          <p:nvPr/>
+        </p:nvCxnSpPr>
+        <p:spPr>
+          <a:xfrm>
+            <a:off x="5347853" y="2731323"/>
+            <a:ext cx="0" cy="1425040"/>
+          </a:xfrm>
+          <a:prstGeom prst="line">
+            <a:avLst/>
+          </a:prstGeom>
+          <a:ln>
+            <a:prstDash val="dash"/>
+          </a:ln>
+        </p:spPr>
+        <p:style>
+          <a:lnRef idx="1">
+            <a:schemeClr val="dk1"/>
+          </a:lnRef>
+          <a:fillRef idx="0">
+            <a:schemeClr val="dk1"/>
+          </a:fillRef>
+          <a:effectRef idx="0">
+            <a:schemeClr val="dk1"/>
+          </a:effectRef>
+          <a:fontRef idx="minor">
+            <a:schemeClr val="tx1"/>
+          </a:fontRef>
+        </p:style>
+      </p:cxnSp>
+      <p:cxnSp>
+        <p:nvCxnSpPr>
+          <p:cNvPr id="75" name="Straight Connector 74">
+            <a:extLst>
+              <a:ext uri="{FF2B5EF4-FFF2-40B4-BE49-F238E27FC236}">
+                <a16:creationId xmlns:a16="http://schemas.microsoft.com/office/drawing/2014/main" id="{B3A9BC09-432F-4F6D-91BE-EF43A1C59312}"/>
+              </a:ext>
+            </a:extLst>
+          </p:cNvPr>
+          <p:cNvCxnSpPr>
+            <a:cxnSpLocks/>
+          </p:cNvCxnSpPr>
+          <p:nvPr/>
+        </p:nvCxnSpPr>
+        <p:spPr>
+          <a:xfrm>
+            <a:off x="6212456" y="2568039"/>
+            <a:ext cx="0" cy="2036618"/>
+          </a:xfrm>
+          <a:prstGeom prst="line">
+            <a:avLst/>
+          </a:prstGeom>
+          <a:ln>
+            <a:prstDash val="dash"/>
+          </a:ln>
+        </p:spPr>
+        <p:style>
+          <a:lnRef idx="1">
+            <a:schemeClr val="dk1"/>
+          </a:lnRef>
+          <a:fillRef idx="0">
+            <a:schemeClr val="dk1"/>
+          </a:fillRef>
+          <a:effectRef idx="0">
+            <a:schemeClr val="dk1"/>
+          </a:effectRef>
+          <a:fontRef idx="minor">
+            <a:schemeClr val="tx1"/>
+          </a:fontRef>
+        </p:style>
+      </p:cxnSp>
+      <mc:AlternateContent xmlns:mc="http://schemas.openxmlformats.org/markup-compatibility/2006" xmlns:a14="http://schemas.microsoft.com/office/drawing/2010/main">
+        <mc:Choice Requires="a14">
+          <p:sp>
+            <p:nvSpPr>
+              <p:cNvPr id="79" name="TextBox 78">
+                <a:extLst>
+                  <a:ext uri="{FF2B5EF4-FFF2-40B4-BE49-F238E27FC236}">
+                    <a16:creationId xmlns:a16="http://schemas.microsoft.com/office/drawing/2014/main" id="{DF0B52E0-C631-4515-AA4D-F9BB1B8F6E71}"/>
+                  </a:ext>
+                </a:extLst>
+              </p:cNvPr>
+              <p:cNvSpPr txBox="1"/>
+              <p:nvPr/>
+            </p:nvSpPr>
+            <p:spPr>
+              <a:xfrm>
+                <a:off x="2352304" y="3305342"/>
+                <a:ext cx="200889" cy="276999"/>
+              </a:xfrm>
+              <a:prstGeom prst="rect">
+                <a:avLst/>
+              </a:prstGeom>
+              <a:noFill/>
+            </p:spPr>
+            <p:txBody>
+              <a:bodyPr wrap="none" lIns="0" tIns="0" rIns="0" bIns="0" rtlCol="0">
+                <a:spAutoFit/>
+              </a:bodyPr>
+              <a:lstStyle/>
+              <a:p>
+                <a:pPr/>
+                <a14:m>
+                  <m:oMathPara xmlns:m="http://schemas.openxmlformats.org/officeDocument/2006/math">
+                    <m:oMathParaPr>
+                      <m:jc m:val="centerGroup"/>
+                    </m:oMathParaPr>
+                    <m:oMath xmlns:m="http://schemas.openxmlformats.org/officeDocument/2006/math">
+                      <m:r>
+                        <a:rPr lang="en-US" b="0" i="1" smtClean="0">
+                          <a:latin typeface="Cambria Math" panose="02040503050406030204" pitchFamily="18" charset="0"/>
+                        </a:rPr>
+                        <m:t>𝐶</m:t>
+                      </m:r>
+                    </m:oMath>
+                  </m:oMathPara>
+                </a14:m>
+                <a:endParaRPr lang="en-US" dirty="0"/>
+              </a:p>
+            </p:txBody>
+          </p:sp>
+        </mc:Choice>
+        <mc:Fallback xmlns="">
+          <p:sp>
+            <p:nvSpPr>
+              <p:cNvPr id="79" name="TextBox 78">
+                <a:extLst>
+                  <a:ext uri="{FF2B5EF4-FFF2-40B4-BE49-F238E27FC236}">
+                    <a16:creationId xmlns:a16="http://schemas.microsoft.com/office/drawing/2014/main" id="{DF0B52E0-C631-4515-AA4D-F9BB1B8F6E71}"/>
+                  </a:ext>
+                </a:extLst>
+              </p:cNvPr>
+              <p:cNvSpPr txBox="1">
+                <a:spLocks noRot="1" noChangeAspect="1" noMove="1" noResize="1" noEditPoints="1" noAdjustHandles="1" noChangeArrowheads="1" noChangeShapeType="1" noTextEdit="1"/>
+              </p:cNvSpPr>
+              <p:nvPr/>
+            </p:nvSpPr>
+            <p:spPr>
+              <a:xfrm>
+                <a:off x="2352304" y="3305342"/>
+                <a:ext cx="200889" cy="276999"/>
+              </a:xfrm>
+              <a:prstGeom prst="rect">
+                <a:avLst/>
+              </a:prstGeom>
+              <a:blipFill>
+                <a:blip r:embed="rId3"/>
+                <a:stretch>
+                  <a:fillRect l="-30303" r="-21212" b="-6522"/>
+                </a:stretch>
+              </a:blipFill>
+            </p:spPr>
+            <p:txBody>
+              <a:bodyPr/>
+              <a:lstStyle/>
+              <a:p>
+                <a:r>
+                  <a:rPr lang="en-US">
+                    <a:noFill/>
+                  </a:rPr>
+                  <a:t> </a:t>
+                </a:r>
+              </a:p>
+            </p:txBody>
+          </p:sp>
+        </mc:Fallback>
+      </mc:AlternateContent>
+      <mc:AlternateContent xmlns:mc="http://schemas.openxmlformats.org/markup-compatibility/2006">
+        <mc:Choice xmlns:a14="http://schemas.microsoft.com/office/drawing/2010/main" Requires="a14">
+          <p:sp>
+            <p:nvSpPr>
+              <p:cNvPr id="80" name="TextBox 79">
+                <a:extLst>
+                  <a:ext uri="{FF2B5EF4-FFF2-40B4-BE49-F238E27FC236}">
+                    <a16:creationId xmlns:a16="http://schemas.microsoft.com/office/drawing/2014/main" id="{C095273D-5235-4A2D-8D0C-4FFEA4DD5AFE}"/>
+                  </a:ext>
+                </a:extLst>
+              </p:cNvPr>
+              <p:cNvSpPr txBox="1"/>
+              <p:nvPr/>
+            </p:nvSpPr>
+            <p:spPr>
+              <a:xfrm>
+                <a:off x="9247940" y="3401089"/>
+                <a:ext cx="488532" cy="254365"/>
+              </a:xfrm>
+              <a:prstGeom prst="rect">
+                <a:avLst/>
+              </a:prstGeom>
+              <a:noFill/>
+            </p:spPr>
+            <p:txBody>
+              <a:bodyPr wrap="none" lIns="0" tIns="0" rIns="0" bIns="0" rtlCol="0">
+                <a:spAutoFit/>
+              </a:bodyPr>
+              <a:lstStyle/>
+              <a:p>
+                <a:pPr/>
+                <a14:m>
+                  <m:oMathPara xmlns:m="http://schemas.openxmlformats.org/officeDocument/2006/math">
+                    <m:oMathParaPr>
+                      <m:jc m:val="centerGroup"/>
+                    </m:oMathParaPr>
+                    <m:oMath xmlns:m="http://schemas.openxmlformats.org/officeDocument/2006/math">
+                      <m:sSubSup>
+                        <m:sSubSupPr>
+                          <m:ctrlPr>
+                            <a:rPr lang="en-US" sz="1400" i="1">
+                              <a:latin typeface="Cambria Math" panose="02040503050406030204" pitchFamily="18" charset="0"/>
+                            </a:rPr>
+                          </m:ctrlPr>
+                        </m:sSubSupPr>
+                        <m:e>
+                          <m:r>
+                            <a:rPr lang="en-US" sz="1400" i="1">
+                              <a:latin typeface="Cambria Math" panose="02040503050406030204" pitchFamily="18" charset="0"/>
+                            </a:rPr>
+                            <m:t>𝑣</m:t>
+                          </m:r>
+                        </m:e>
+                        <m:sub>
+                          <m:r>
+                            <a:rPr lang="en-US" sz="1400" i="1">
+                              <a:latin typeface="Cambria Math" panose="02040503050406030204" pitchFamily="18" charset="0"/>
+                            </a:rPr>
+                            <m:t>𝑟𝑖𝑔h𝑡</m:t>
+                          </m:r>
+                        </m:sub>
+                        <m:sup>
+                          <m:r>
+                            <a:rPr lang="en-US" sz="1400" i="1">
+                              <a:latin typeface="Cambria Math" panose="02040503050406030204" pitchFamily="18" charset="0"/>
+                            </a:rPr>
+                            <m:t>𝐶</m:t>
+                          </m:r>
+                        </m:sup>
+                      </m:sSubSup>
+                    </m:oMath>
+                  </m:oMathPara>
+                </a14:m>
+                <a:endParaRPr lang="en-US" sz="1400" dirty="0"/>
+              </a:p>
+            </p:txBody>
+          </p:sp>
+        </mc:Choice>
+        <mc:Fallback>
+          <p:sp>
+            <p:nvSpPr>
+              <p:cNvPr id="80" name="TextBox 79">
+                <a:extLst>
+                  <a:ext uri="{FF2B5EF4-FFF2-40B4-BE49-F238E27FC236}">
+                    <a16:creationId xmlns:a16="http://schemas.microsoft.com/office/drawing/2014/main" id="{C095273D-5235-4A2D-8D0C-4FFEA4DD5AFE}"/>
+                  </a:ext>
+                </a:extLst>
+              </p:cNvPr>
+              <p:cNvSpPr txBox="1">
+                <a:spLocks noRot="1" noChangeAspect="1" noMove="1" noResize="1" noEditPoints="1" noAdjustHandles="1" noChangeArrowheads="1" noChangeShapeType="1" noTextEdit="1"/>
+              </p:cNvSpPr>
+              <p:nvPr/>
+            </p:nvSpPr>
+            <p:spPr>
+              <a:xfrm>
+                <a:off x="9247940" y="3401089"/>
+                <a:ext cx="488532" cy="254365"/>
+              </a:xfrm>
+              <a:prstGeom prst="rect">
+                <a:avLst/>
+              </a:prstGeom>
+              <a:blipFill>
+                <a:blip r:embed="rId4"/>
+                <a:stretch>
+                  <a:fillRect l="-3750" r="-5000" b="-21429"/>
+                </a:stretch>
+              </a:blipFill>
+            </p:spPr>
+            <p:txBody>
+              <a:bodyPr/>
+              <a:lstStyle/>
+              <a:p>
+                <a:r>
+                  <a:rPr lang="en-US">
+                    <a:noFill/>
+                  </a:rPr>
+                  <a:t> </a:t>
+                </a:r>
+              </a:p>
+            </p:txBody>
+          </p:sp>
+        </mc:Fallback>
+      </mc:AlternateContent>
+      <mc:AlternateContent xmlns:mc="http://schemas.openxmlformats.org/markup-compatibility/2006">
+        <mc:Choice xmlns:a14="http://schemas.microsoft.com/office/drawing/2010/main" Requires="a14">
+          <p:sp>
+            <p:nvSpPr>
+              <p:cNvPr id="84" name="TextBox 83">
+                <a:extLst>
+                  <a:ext uri="{FF2B5EF4-FFF2-40B4-BE49-F238E27FC236}">
+                    <a16:creationId xmlns:a16="http://schemas.microsoft.com/office/drawing/2014/main" id="{0A79F968-9676-40CB-A650-5CE5A979C455}"/>
+                  </a:ext>
+                </a:extLst>
+              </p:cNvPr>
+              <p:cNvSpPr txBox="1"/>
+              <p:nvPr/>
+            </p:nvSpPr>
+            <p:spPr>
+              <a:xfrm>
+                <a:off x="8847534" y="3796607"/>
+                <a:ext cx="200889" cy="276999"/>
+              </a:xfrm>
+              <a:prstGeom prst="rect">
+                <a:avLst/>
+              </a:prstGeom>
+              <a:noFill/>
+            </p:spPr>
+            <p:txBody>
+              <a:bodyPr wrap="none" lIns="0" tIns="0" rIns="0" bIns="0" rtlCol="0">
+                <a:spAutoFit/>
+              </a:bodyPr>
+              <a:lstStyle/>
+              <a:p>
+                <a:pPr/>
+                <a14:m>
+                  <m:oMathPara xmlns:m="http://schemas.openxmlformats.org/officeDocument/2006/math">
+                    <m:oMathParaPr>
+                      <m:jc m:val="centerGroup"/>
+                    </m:oMathParaPr>
+                    <m:oMath xmlns:m="http://schemas.openxmlformats.org/officeDocument/2006/math">
+                      <m:r>
+                        <a:rPr lang="en-US" b="0" i="1" smtClean="0">
+                          <a:latin typeface="Cambria Math" panose="02040503050406030204" pitchFamily="18" charset="0"/>
+                        </a:rPr>
+                        <m:t>𝐶</m:t>
+                      </m:r>
+                    </m:oMath>
+                  </m:oMathPara>
+                </a14:m>
+                <a:endParaRPr lang="en-US" dirty="0"/>
+              </a:p>
+            </p:txBody>
+          </p:sp>
+        </mc:Choice>
+        <mc:Fallback>
+          <p:sp>
+            <p:nvSpPr>
+              <p:cNvPr id="84" name="TextBox 83">
+                <a:extLst>
+                  <a:ext uri="{FF2B5EF4-FFF2-40B4-BE49-F238E27FC236}">
+                    <a16:creationId xmlns:a16="http://schemas.microsoft.com/office/drawing/2014/main" id="{0A79F968-9676-40CB-A650-5CE5A979C455}"/>
+                  </a:ext>
+                </a:extLst>
+              </p:cNvPr>
+              <p:cNvSpPr txBox="1">
+                <a:spLocks noRot="1" noChangeAspect="1" noMove="1" noResize="1" noEditPoints="1" noAdjustHandles="1" noChangeArrowheads="1" noChangeShapeType="1" noTextEdit="1"/>
+              </p:cNvSpPr>
+              <p:nvPr/>
+            </p:nvSpPr>
+            <p:spPr>
+              <a:xfrm>
+                <a:off x="8847534" y="3796607"/>
+                <a:ext cx="200889" cy="276999"/>
+              </a:xfrm>
+              <a:prstGeom prst="rect">
+                <a:avLst/>
+              </a:prstGeom>
+              <a:blipFill>
+                <a:blip r:embed="rId5"/>
+                <a:stretch>
+                  <a:fillRect l="-27273" r="-24242" b="-6667"/>
+                </a:stretch>
+              </a:blipFill>
+            </p:spPr>
+            <p:txBody>
+              <a:bodyPr/>
+              <a:lstStyle/>
+              <a:p>
+                <a:r>
+                  <a:rPr lang="en-US">
+                    <a:noFill/>
+                  </a:rPr>
+                  <a:t> </a:t>
+                </a:r>
+              </a:p>
+            </p:txBody>
+          </p:sp>
+        </mc:Fallback>
+      </mc:AlternateContent>
+      <mc:AlternateContent xmlns:mc="http://schemas.openxmlformats.org/markup-compatibility/2006" xmlns:a14="http://schemas.microsoft.com/office/drawing/2010/main">
+        <mc:Choice Requires="a14">
+          <p:sp>
+            <p:nvSpPr>
+              <p:cNvPr id="85" name="TextBox 84">
+                <a:extLst>
+                  <a:ext uri="{FF2B5EF4-FFF2-40B4-BE49-F238E27FC236}">
+                    <a16:creationId xmlns:a16="http://schemas.microsoft.com/office/drawing/2014/main" id="{176F3FC3-8424-479A-B239-81F953E74CDB}"/>
+                  </a:ext>
+                </a:extLst>
+              </p:cNvPr>
+              <p:cNvSpPr txBox="1"/>
+              <p:nvPr/>
+            </p:nvSpPr>
+            <p:spPr>
+              <a:xfrm>
+                <a:off x="5693405" y="3305343"/>
+                <a:ext cx="200889" cy="276999"/>
+              </a:xfrm>
+              <a:prstGeom prst="rect">
+                <a:avLst/>
+              </a:prstGeom>
+              <a:noFill/>
+            </p:spPr>
+            <p:txBody>
+              <a:bodyPr wrap="none" lIns="0" tIns="0" rIns="0" bIns="0" rtlCol="0">
+                <a:spAutoFit/>
+              </a:bodyPr>
+              <a:lstStyle/>
+              <a:p>
+                <a:pPr/>
+                <a14:m>
+                  <m:oMathPara xmlns:m="http://schemas.openxmlformats.org/officeDocument/2006/math">
+                    <m:oMathParaPr>
+                      <m:jc m:val="centerGroup"/>
+                    </m:oMathParaPr>
+                    <m:oMath xmlns:m="http://schemas.openxmlformats.org/officeDocument/2006/math">
+                      <m:r>
+                        <a:rPr lang="en-US" b="0" i="1" smtClean="0">
+                          <a:latin typeface="Cambria Math" panose="02040503050406030204" pitchFamily="18" charset="0"/>
+                        </a:rPr>
+                        <m:t>𝐶</m:t>
+                      </m:r>
+                    </m:oMath>
+                  </m:oMathPara>
+                </a14:m>
+                <a:endParaRPr lang="en-US" dirty="0"/>
+              </a:p>
+            </p:txBody>
+          </p:sp>
+        </mc:Choice>
+        <mc:Fallback xmlns="">
+          <p:sp>
+            <p:nvSpPr>
+              <p:cNvPr id="85" name="TextBox 84">
+                <a:extLst>
+                  <a:ext uri="{FF2B5EF4-FFF2-40B4-BE49-F238E27FC236}">
+                    <a16:creationId xmlns:a16="http://schemas.microsoft.com/office/drawing/2014/main" id="{176F3FC3-8424-479A-B239-81F953E74CDB}"/>
+                  </a:ext>
+                </a:extLst>
+              </p:cNvPr>
+              <p:cNvSpPr txBox="1">
+                <a:spLocks noRot="1" noChangeAspect="1" noMove="1" noResize="1" noEditPoints="1" noAdjustHandles="1" noChangeArrowheads="1" noChangeShapeType="1" noTextEdit="1"/>
+              </p:cNvSpPr>
+              <p:nvPr/>
+            </p:nvSpPr>
+            <p:spPr>
+              <a:xfrm>
+                <a:off x="5693405" y="3305343"/>
+                <a:ext cx="200889" cy="276999"/>
+              </a:xfrm>
+              <a:prstGeom prst="rect">
+                <a:avLst/>
+              </a:prstGeom>
+              <a:blipFill>
+                <a:blip r:embed="rId8"/>
+                <a:stretch>
+                  <a:fillRect l="-30303" r="-21212" b="-6522"/>
+                </a:stretch>
+              </a:blipFill>
+            </p:spPr>
+            <p:txBody>
+              <a:bodyPr/>
+              <a:lstStyle/>
+              <a:p>
+                <a:r>
+                  <a:rPr lang="en-US">
+                    <a:noFill/>
+                  </a:rPr>
+                  <a:t> </a:t>
+                </a:r>
+              </a:p>
+            </p:txBody>
+          </p:sp>
+        </mc:Fallback>
+      </mc:AlternateContent>
+      <mc:AlternateContent xmlns:mc="http://schemas.openxmlformats.org/markup-compatibility/2006">
+        <mc:Choice xmlns:a14="http://schemas.microsoft.com/office/drawing/2010/main" Requires="a14">
+          <p:sp>
+            <p:nvSpPr>
+              <p:cNvPr id="86" name="TextBox 85">
+                <a:extLst>
+                  <a:ext uri="{FF2B5EF4-FFF2-40B4-BE49-F238E27FC236}">
+                    <a16:creationId xmlns:a16="http://schemas.microsoft.com/office/drawing/2014/main" id="{16EA1238-80A6-4B7C-8CAF-C1BC9D1AC685}"/>
+                  </a:ext>
+                </a:extLst>
+              </p:cNvPr>
+              <p:cNvSpPr txBox="1"/>
+              <p:nvPr/>
+            </p:nvSpPr>
+            <p:spPr>
+              <a:xfrm>
+                <a:off x="6216451" y="2433224"/>
+                <a:ext cx="488532" cy="254365"/>
+              </a:xfrm>
+              <a:prstGeom prst="rect">
+                <a:avLst/>
+              </a:prstGeom>
+              <a:noFill/>
+            </p:spPr>
+            <p:txBody>
+              <a:bodyPr wrap="none" lIns="0" tIns="0" rIns="0" bIns="0" rtlCol="0">
+                <a:spAutoFit/>
+              </a:bodyPr>
+              <a:lstStyle/>
+              <a:p>
+                <a:pPr/>
+                <a14:m>
+                  <m:oMathPara xmlns:m="http://schemas.openxmlformats.org/officeDocument/2006/math">
+                    <m:oMathParaPr>
+                      <m:jc m:val="centerGroup"/>
+                    </m:oMathParaPr>
+                    <m:oMath xmlns:m="http://schemas.openxmlformats.org/officeDocument/2006/math">
+                      <m:sSubSup>
+                        <m:sSubSupPr>
+                          <m:ctrlPr>
+                            <a:rPr lang="en-US" sz="1400" i="1">
+                              <a:latin typeface="Cambria Math" panose="02040503050406030204" pitchFamily="18" charset="0"/>
+                            </a:rPr>
+                          </m:ctrlPr>
+                        </m:sSubSupPr>
+                        <m:e>
+                          <m:r>
+                            <a:rPr lang="en-US" sz="1400" i="1">
+                              <a:latin typeface="Cambria Math" panose="02040503050406030204" pitchFamily="18" charset="0"/>
+                            </a:rPr>
+                            <m:t>𝑣</m:t>
+                          </m:r>
+                        </m:e>
+                        <m:sub>
+                          <m:r>
+                            <a:rPr lang="en-US" sz="1400" i="1">
+                              <a:latin typeface="Cambria Math" panose="02040503050406030204" pitchFamily="18" charset="0"/>
+                            </a:rPr>
+                            <m:t>𝑟𝑖𝑔h𝑡</m:t>
+                          </m:r>
+                        </m:sub>
+                        <m:sup>
+                          <m:r>
+                            <a:rPr lang="en-US" sz="1400" i="1">
+                              <a:latin typeface="Cambria Math" panose="02040503050406030204" pitchFamily="18" charset="0"/>
+                            </a:rPr>
+                            <m:t>𝐶</m:t>
+                          </m:r>
+                        </m:sup>
+                      </m:sSubSup>
+                    </m:oMath>
+                  </m:oMathPara>
+                </a14:m>
+                <a:endParaRPr lang="en-US" sz="1400" dirty="0"/>
+              </a:p>
+            </p:txBody>
+          </p:sp>
+        </mc:Choice>
+        <mc:Fallback>
+          <p:sp>
+            <p:nvSpPr>
+              <p:cNvPr id="86" name="TextBox 85">
+                <a:extLst>
+                  <a:ext uri="{FF2B5EF4-FFF2-40B4-BE49-F238E27FC236}">
+                    <a16:creationId xmlns:a16="http://schemas.microsoft.com/office/drawing/2014/main" id="{16EA1238-80A6-4B7C-8CAF-C1BC9D1AC685}"/>
+                  </a:ext>
+                </a:extLst>
+              </p:cNvPr>
+              <p:cNvSpPr txBox="1">
+                <a:spLocks noRot="1" noChangeAspect="1" noMove="1" noResize="1" noEditPoints="1" noAdjustHandles="1" noChangeArrowheads="1" noChangeShapeType="1" noTextEdit="1"/>
+              </p:cNvSpPr>
+              <p:nvPr/>
+            </p:nvSpPr>
+            <p:spPr>
+              <a:xfrm>
+                <a:off x="6216451" y="2433224"/>
+                <a:ext cx="488532" cy="254365"/>
+              </a:xfrm>
+              <a:prstGeom prst="rect">
+                <a:avLst/>
+              </a:prstGeom>
+              <a:blipFill>
+                <a:blip r:embed="rId9"/>
+                <a:stretch>
+                  <a:fillRect l="-5000" r="-3750" b="-23810"/>
+                </a:stretch>
+              </a:blipFill>
+            </p:spPr>
+            <p:txBody>
+              <a:bodyPr/>
+              <a:lstStyle/>
+              <a:p>
+                <a:r>
+                  <a:rPr lang="en-US">
+                    <a:noFill/>
+                  </a:rPr>
+                  <a:t> </a:t>
+                </a:r>
+              </a:p>
+            </p:txBody>
+          </p:sp>
+        </mc:Fallback>
+      </mc:AlternateContent>
+      <mc:AlternateContent xmlns:mc="http://schemas.openxmlformats.org/markup-compatibility/2006">
+        <mc:Choice xmlns:a14="http://schemas.microsoft.com/office/drawing/2010/main" Requires="a14">
+          <p:sp>
+            <p:nvSpPr>
+              <p:cNvPr id="87" name="TextBox 86">
+                <a:extLst>
+                  <a:ext uri="{FF2B5EF4-FFF2-40B4-BE49-F238E27FC236}">
+                    <a16:creationId xmlns:a16="http://schemas.microsoft.com/office/drawing/2014/main" id="{3BAB263A-9582-427F-A3E0-C08F54BFD892}"/>
+                  </a:ext>
+                </a:extLst>
+              </p:cNvPr>
+              <p:cNvSpPr txBox="1"/>
+              <p:nvPr/>
+            </p:nvSpPr>
+            <p:spPr>
+              <a:xfrm>
+                <a:off x="3087535" y="4771603"/>
+                <a:ext cx="488532" cy="254365"/>
+              </a:xfrm>
+              <a:prstGeom prst="rect">
+                <a:avLst/>
+              </a:prstGeom>
+              <a:noFill/>
+            </p:spPr>
+            <p:txBody>
+              <a:bodyPr wrap="none" lIns="0" tIns="0" rIns="0" bIns="0" rtlCol="0">
+                <a:spAutoFit/>
+              </a:bodyPr>
+              <a:lstStyle/>
+              <a:p>
+                <a:pPr/>
+                <a14:m>
+                  <m:oMathPara xmlns:m="http://schemas.openxmlformats.org/officeDocument/2006/math">
+                    <m:oMathParaPr>
+                      <m:jc m:val="centerGroup"/>
+                    </m:oMathParaPr>
+                    <m:oMath xmlns:m="http://schemas.openxmlformats.org/officeDocument/2006/math">
+                      <m:sSubSup>
+                        <m:sSubSupPr>
+                          <m:ctrlPr>
+                            <a:rPr lang="en-US" sz="1400" i="1">
+                              <a:latin typeface="Cambria Math" panose="02040503050406030204" pitchFamily="18" charset="0"/>
+                            </a:rPr>
+                          </m:ctrlPr>
+                        </m:sSubSupPr>
+                        <m:e>
+                          <m:r>
+                            <a:rPr lang="en-US" sz="1400" i="1">
+                              <a:latin typeface="Cambria Math" panose="02040503050406030204" pitchFamily="18" charset="0"/>
+                            </a:rPr>
+                            <m:t>𝑣</m:t>
+                          </m:r>
+                        </m:e>
+                        <m:sub>
+                          <m:r>
+                            <a:rPr lang="en-US" sz="1400" i="1">
+                              <a:latin typeface="Cambria Math" panose="02040503050406030204" pitchFamily="18" charset="0"/>
+                            </a:rPr>
+                            <m:t>𝑟𝑖𝑔h𝑡</m:t>
+                          </m:r>
+                        </m:sub>
+                        <m:sup>
+                          <m:r>
+                            <a:rPr lang="en-US" sz="1400" i="1">
+                              <a:latin typeface="Cambria Math" panose="02040503050406030204" pitchFamily="18" charset="0"/>
+                            </a:rPr>
+                            <m:t>𝐶</m:t>
+                          </m:r>
+                        </m:sup>
+                      </m:sSubSup>
+                    </m:oMath>
+                  </m:oMathPara>
+                </a14:m>
+                <a:endParaRPr lang="en-US" sz="1400" dirty="0"/>
+              </a:p>
+            </p:txBody>
+          </p:sp>
+        </mc:Choice>
+        <mc:Fallback>
+          <p:sp>
+            <p:nvSpPr>
+              <p:cNvPr id="87" name="TextBox 86">
+                <a:extLst>
+                  <a:ext uri="{FF2B5EF4-FFF2-40B4-BE49-F238E27FC236}">
+                    <a16:creationId xmlns:a16="http://schemas.microsoft.com/office/drawing/2014/main" id="{3BAB263A-9582-427F-A3E0-C08F54BFD892}"/>
+                  </a:ext>
+                </a:extLst>
+              </p:cNvPr>
+              <p:cNvSpPr txBox="1">
+                <a:spLocks noRot="1" noChangeAspect="1" noMove="1" noResize="1" noEditPoints="1" noAdjustHandles="1" noChangeArrowheads="1" noChangeShapeType="1" noTextEdit="1"/>
+              </p:cNvSpPr>
+              <p:nvPr/>
+            </p:nvSpPr>
+            <p:spPr>
+              <a:xfrm>
+                <a:off x="3087535" y="4771603"/>
+                <a:ext cx="488532" cy="254365"/>
+              </a:xfrm>
+              <a:prstGeom prst="rect">
+                <a:avLst/>
+              </a:prstGeom>
+              <a:blipFill>
+                <a:blip r:embed="rId10"/>
+                <a:stretch>
+                  <a:fillRect l="-3704" r="-3704" b="-24390"/>
+                </a:stretch>
+              </a:blipFill>
+            </p:spPr>
+            <p:txBody>
+              <a:bodyPr/>
+              <a:lstStyle/>
+              <a:p>
+                <a:r>
+                  <a:rPr lang="en-US">
+                    <a:noFill/>
+                  </a:rPr>
+                  <a:t> </a:t>
+                </a:r>
+              </a:p>
+            </p:txBody>
+          </p:sp>
+        </mc:Fallback>
+      </mc:AlternateContent>
+      <mc:AlternateContent xmlns:mc="http://schemas.openxmlformats.org/markup-compatibility/2006">
+        <mc:Choice xmlns:a14="http://schemas.microsoft.com/office/drawing/2010/main" Requires="a14">
+          <p:sp>
+            <p:nvSpPr>
+              <p:cNvPr id="90" name="TextBox 89">
+                <a:extLst>
+                  <a:ext uri="{FF2B5EF4-FFF2-40B4-BE49-F238E27FC236}">
+                    <a16:creationId xmlns:a16="http://schemas.microsoft.com/office/drawing/2014/main" id="{BB1B1AAC-E766-4C24-BA32-00CC6DCCC491}"/>
+                  </a:ext>
+                </a:extLst>
+              </p:cNvPr>
+              <p:cNvSpPr txBox="1"/>
+              <p:nvPr/>
+            </p:nvSpPr>
+            <p:spPr>
+              <a:xfrm>
+                <a:off x="8961806" y="2377792"/>
+                <a:ext cx="350031" cy="243272"/>
+              </a:xfrm>
+              <a:prstGeom prst="rect">
+                <a:avLst/>
+              </a:prstGeom>
+              <a:noFill/>
+            </p:spPr>
+            <p:txBody>
+              <a:bodyPr wrap="none" lIns="0" tIns="0" rIns="0" bIns="0" rtlCol="0">
+                <a:spAutoFit/>
+              </a:bodyPr>
+              <a:lstStyle/>
+              <a:p>
+                <a:pPr/>
+                <a14:m>
+                  <m:oMathPara xmlns:m="http://schemas.openxmlformats.org/officeDocument/2006/math">
+                    <m:oMathParaPr>
+                      <m:jc m:val="centerGroup"/>
+                    </m:oMathParaPr>
+                    <m:oMath xmlns:m="http://schemas.openxmlformats.org/officeDocument/2006/math">
+                      <m:sSubSup>
+                        <m:sSubSupPr>
+                          <m:ctrlPr>
+                            <a:rPr lang="en-US" sz="1400" i="1">
+                              <a:latin typeface="Cambria Math" panose="02040503050406030204" pitchFamily="18" charset="0"/>
+                            </a:rPr>
+                          </m:ctrlPr>
+                        </m:sSubSupPr>
+                        <m:e>
+                          <m:r>
+                            <a:rPr lang="en-US" sz="1400" i="1">
+                              <a:latin typeface="Cambria Math" panose="02040503050406030204" pitchFamily="18" charset="0"/>
+                            </a:rPr>
+                            <m:t>𝑒</m:t>
+                          </m:r>
+                        </m:e>
+                        <m:sub>
+                          <m:r>
+                            <a:rPr lang="en-US" sz="1400" i="1">
+                              <a:latin typeface="Cambria Math" panose="02040503050406030204" pitchFamily="18" charset="0"/>
+                            </a:rPr>
+                            <m:t>𝑡𝑜𝑝</m:t>
+                          </m:r>
+                        </m:sub>
+                        <m:sup>
+                          <m:r>
+                            <a:rPr lang="en-US" sz="1400" i="1">
+                              <a:latin typeface="Cambria Math" panose="02040503050406030204" pitchFamily="18" charset="0"/>
+                            </a:rPr>
+                            <m:t>𝐶</m:t>
+                          </m:r>
+                        </m:sup>
+                      </m:sSubSup>
+                    </m:oMath>
+                  </m:oMathPara>
+                </a14:m>
+                <a:endParaRPr lang="en-US" sz="1400" dirty="0"/>
+              </a:p>
+            </p:txBody>
+          </p:sp>
+        </mc:Choice>
+        <mc:Fallback>
+          <p:sp>
+            <p:nvSpPr>
+              <p:cNvPr id="90" name="TextBox 89">
+                <a:extLst>
+                  <a:ext uri="{FF2B5EF4-FFF2-40B4-BE49-F238E27FC236}">
+                    <a16:creationId xmlns:a16="http://schemas.microsoft.com/office/drawing/2014/main" id="{BB1B1AAC-E766-4C24-BA32-00CC6DCCC491}"/>
+                  </a:ext>
+                </a:extLst>
+              </p:cNvPr>
+              <p:cNvSpPr txBox="1">
+                <a:spLocks noRot="1" noChangeAspect="1" noMove="1" noResize="1" noEditPoints="1" noAdjustHandles="1" noChangeArrowheads="1" noChangeShapeType="1" noTextEdit="1"/>
+              </p:cNvSpPr>
+              <p:nvPr/>
+            </p:nvSpPr>
+            <p:spPr>
+              <a:xfrm>
+                <a:off x="8961806" y="2377792"/>
+                <a:ext cx="350031" cy="243272"/>
+              </a:xfrm>
+              <a:prstGeom prst="rect">
+                <a:avLst/>
+              </a:prstGeom>
+              <a:blipFill>
+                <a:blip r:embed="rId11"/>
+                <a:stretch>
+                  <a:fillRect l="-6897" r="-3448" b="-22500"/>
+                </a:stretch>
+              </a:blipFill>
+            </p:spPr>
+            <p:txBody>
+              <a:bodyPr/>
+              <a:lstStyle/>
+              <a:p>
+                <a:r>
+                  <a:rPr lang="en-US">
+                    <a:noFill/>
+                  </a:rPr>
+                  <a:t> </a:t>
+                </a:r>
+              </a:p>
+            </p:txBody>
+          </p:sp>
+        </mc:Fallback>
+      </mc:AlternateContent>
+      <mc:AlternateContent xmlns:mc="http://schemas.openxmlformats.org/markup-compatibility/2006">
+        <mc:Choice xmlns:a14="http://schemas.microsoft.com/office/drawing/2010/main" Requires="a14">
+          <p:sp>
+            <p:nvSpPr>
+              <p:cNvPr id="91" name="TextBox 90">
+                <a:extLst>
+                  <a:ext uri="{FF2B5EF4-FFF2-40B4-BE49-F238E27FC236}">
+                    <a16:creationId xmlns:a16="http://schemas.microsoft.com/office/drawing/2014/main" id="{23BDEAC4-6CC5-4389-A070-2EFC4407EB6B}"/>
+                  </a:ext>
+                </a:extLst>
+              </p:cNvPr>
+              <p:cNvSpPr txBox="1"/>
+              <p:nvPr/>
+            </p:nvSpPr>
+            <p:spPr>
+              <a:xfrm>
+                <a:off x="8784383" y="4374371"/>
+                <a:ext cx="603948" cy="226665"/>
+              </a:xfrm>
+              <a:prstGeom prst="rect">
+                <a:avLst/>
+              </a:prstGeom>
+              <a:noFill/>
+            </p:spPr>
+            <p:txBody>
+              <a:bodyPr wrap="none" lIns="0" tIns="0" rIns="0" bIns="0" rtlCol="0">
+                <a:spAutoFit/>
+              </a:bodyPr>
+              <a:lstStyle/>
+              <a:p>
+                <a:pPr/>
+                <a14:m>
+                  <m:oMathPara xmlns:m="http://schemas.openxmlformats.org/officeDocument/2006/math">
+                    <m:oMathParaPr>
+                      <m:jc m:val="centerGroup"/>
+                    </m:oMathParaPr>
+                    <m:oMath xmlns:m="http://schemas.openxmlformats.org/officeDocument/2006/math">
+                      <m:sSubSup>
+                        <m:sSubSupPr>
+                          <m:ctrlPr>
+                            <a:rPr lang="en-US" sz="1400" i="1">
+                              <a:latin typeface="Cambria Math" panose="02040503050406030204" pitchFamily="18" charset="0"/>
+                            </a:rPr>
+                          </m:ctrlPr>
+                        </m:sSubSupPr>
+                        <m:e>
+                          <m:r>
+                            <a:rPr lang="en-US" sz="1400" i="1">
+                              <a:latin typeface="Cambria Math" panose="02040503050406030204" pitchFamily="18" charset="0"/>
+                            </a:rPr>
+                            <m:t>𝑒</m:t>
+                          </m:r>
+                        </m:e>
+                        <m:sub>
+                          <m:r>
+                            <a:rPr lang="en-US" sz="1400" i="1">
+                              <a:latin typeface="Cambria Math" panose="02040503050406030204" pitchFamily="18" charset="0"/>
+                            </a:rPr>
+                            <m:t>𝑏𝑜𝑡𝑡𝑜𝑚</m:t>
+                          </m:r>
+                        </m:sub>
+                        <m:sup>
+                          <m:r>
+                            <a:rPr lang="en-US" sz="1400" i="1">
+                              <a:latin typeface="Cambria Math" panose="02040503050406030204" pitchFamily="18" charset="0"/>
+                            </a:rPr>
+                            <m:t>𝐶</m:t>
+                          </m:r>
+                        </m:sup>
+                      </m:sSubSup>
+                    </m:oMath>
+                  </m:oMathPara>
+                </a14:m>
+                <a:endParaRPr lang="en-US" sz="1400" dirty="0"/>
+              </a:p>
+            </p:txBody>
+          </p:sp>
+        </mc:Choice>
+        <mc:Fallback>
+          <p:sp>
+            <p:nvSpPr>
+              <p:cNvPr id="91" name="TextBox 90">
+                <a:extLst>
+                  <a:ext uri="{FF2B5EF4-FFF2-40B4-BE49-F238E27FC236}">
+                    <a16:creationId xmlns:a16="http://schemas.microsoft.com/office/drawing/2014/main" id="{23BDEAC4-6CC5-4389-A070-2EFC4407EB6B}"/>
+                  </a:ext>
+                </a:extLst>
+              </p:cNvPr>
+              <p:cNvSpPr txBox="1">
+                <a:spLocks noRot="1" noChangeAspect="1" noMove="1" noResize="1" noEditPoints="1" noAdjustHandles="1" noChangeArrowheads="1" noChangeShapeType="1" noTextEdit="1"/>
+              </p:cNvSpPr>
+              <p:nvPr/>
+            </p:nvSpPr>
+            <p:spPr>
+              <a:xfrm>
+                <a:off x="8784383" y="4374371"/>
+                <a:ext cx="603948" cy="226665"/>
+              </a:xfrm>
+              <a:prstGeom prst="rect">
+                <a:avLst/>
+              </a:prstGeom>
+              <a:blipFill>
+                <a:blip r:embed="rId12"/>
+                <a:stretch>
+                  <a:fillRect l="-3030" t="-2703" r="-2020" b="-16216"/>
+                </a:stretch>
+              </a:blipFill>
+            </p:spPr>
+            <p:txBody>
+              <a:bodyPr/>
+              <a:lstStyle/>
+              <a:p>
+                <a:r>
+                  <a:rPr lang="en-US">
+                    <a:noFill/>
+                  </a:rPr>
+                  <a:t> </a:t>
+                </a:r>
+              </a:p>
+            </p:txBody>
+          </p:sp>
+        </mc:Fallback>
+      </mc:AlternateContent>
+      <mc:AlternateContent xmlns:mc="http://schemas.openxmlformats.org/markup-compatibility/2006">
+        <mc:Choice xmlns:a14="http://schemas.microsoft.com/office/drawing/2010/main" Requires="a14">
+          <p:sp>
+            <p:nvSpPr>
+              <p:cNvPr id="92" name="TextBox 91">
+                <a:extLst>
+                  <a:ext uri="{FF2B5EF4-FFF2-40B4-BE49-F238E27FC236}">
+                    <a16:creationId xmlns:a16="http://schemas.microsoft.com/office/drawing/2014/main" id="{B0EBCF23-2730-4431-91C8-8F78BDE17804}"/>
+                  </a:ext>
+                </a:extLst>
+              </p:cNvPr>
+              <p:cNvSpPr txBox="1"/>
+              <p:nvPr/>
+            </p:nvSpPr>
+            <p:spPr>
+              <a:xfrm>
+                <a:off x="5598950" y="2369127"/>
+                <a:ext cx="350031" cy="243272"/>
+              </a:xfrm>
+              <a:prstGeom prst="rect">
+                <a:avLst/>
+              </a:prstGeom>
+              <a:noFill/>
+            </p:spPr>
+            <p:txBody>
+              <a:bodyPr wrap="none" lIns="0" tIns="0" rIns="0" bIns="0" rtlCol="0">
+                <a:spAutoFit/>
+              </a:bodyPr>
+              <a:lstStyle/>
+              <a:p>
+                <a:pPr/>
+                <a14:m>
+                  <m:oMathPara xmlns:m="http://schemas.openxmlformats.org/officeDocument/2006/math">
+                    <m:oMathParaPr>
+                      <m:jc m:val="centerGroup"/>
+                    </m:oMathParaPr>
+                    <m:oMath xmlns:m="http://schemas.openxmlformats.org/officeDocument/2006/math">
+                      <m:sSubSup>
+                        <m:sSubSupPr>
+                          <m:ctrlPr>
+                            <a:rPr lang="en-US" sz="1400" i="1">
+                              <a:latin typeface="Cambria Math" panose="02040503050406030204" pitchFamily="18" charset="0"/>
+                            </a:rPr>
+                          </m:ctrlPr>
+                        </m:sSubSupPr>
+                        <m:e>
+                          <m:r>
+                            <a:rPr lang="en-US" sz="1400" i="1">
+                              <a:latin typeface="Cambria Math" panose="02040503050406030204" pitchFamily="18" charset="0"/>
+                            </a:rPr>
+                            <m:t>𝑒</m:t>
+                          </m:r>
+                        </m:e>
+                        <m:sub>
+                          <m:r>
+                            <a:rPr lang="en-US" sz="1400" i="1">
+                              <a:latin typeface="Cambria Math" panose="02040503050406030204" pitchFamily="18" charset="0"/>
+                            </a:rPr>
+                            <m:t>𝑡𝑜𝑝</m:t>
+                          </m:r>
+                        </m:sub>
+                        <m:sup>
+                          <m:r>
+                            <a:rPr lang="en-US" sz="1400" i="1">
+                              <a:latin typeface="Cambria Math" panose="02040503050406030204" pitchFamily="18" charset="0"/>
+                            </a:rPr>
+                            <m:t>𝐶</m:t>
+                          </m:r>
+                        </m:sup>
+                      </m:sSubSup>
+                    </m:oMath>
+                  </m:oMathPara>
+                </a14:m>
+                <a:endParaRPr lang="en-US" sz="1400" dirty="0"/>
+              </a:p>
+            </p:txBody>
+          </p:sp>
+        </mc:Choice>
+        <mc:Fallback>
+          <p:sp>
+            <p:nvSpPr>
+              <p:cNvPr id="92" name="TextBox 91">
+                <a:extLst>
+                  <a:ext uri="{FF2B5EF4-FFF2-40B4-BE49-F238E27FC236}">
+                    <a16:creationId xmlns:a16="http://schemas.microsoft.com/office/drawing/2014/main" id="{B0EBCF23-2730-4431-91C8-8F78BDE17804}"/>
+                  </a:ext>
+                </a:extLst>
+              </p:cNvPr>
+              <p:cNvSpPr txBox="1">
+                <a:spLocks noRot="1" noChangeAspect="1" noMove="1" noResize="1" noEditPoints="1" noAdjustHandles="1" noChangeArrowheads="1" noChangeShapeType="1" noTextEdit="1"/>
+              </p:cNvSpPr>
+              <p:nvPr/>
+            </p:nvSpPr>
+            <p:spPr>
+              <a:xfrm>
+                <a:off x="5598950" y="2369127"/>
+                <a:ext cx="350031" cy="243272"/>
+              </a:xfrm>
+              <a:prstGeom prst="rect">
+                <a:avLst/>
+              </a:prstGeom>
+              <a:blipFill>
+                <a:blip r:embed="rId11"/>
+                <a:stretch>
+                  <a:fillRect l="-6897" r="-3448" b="-22500"/>
+                </a:stretch>
+              </a:blipFill>
+            </p:spPr>
+            <p:txBody>
+              <a:bodyPr/>
+              <a:lstStyle/>
+              <a:p>
+                <a:r>
+                  <a:rPr lang="en-US">
+                    <a:noFill/>
+                  </a:rPr>
+                  <a:t> </a:t>
+                </a:r>
+              </a:p>
+            </p:txBody>
+          </p:sp>
+        </mc:Fallback>
+      </mc:AlternateContent>
+      <mc:AlternateContent xmlns:mc="http://schemas.openxmlformats.org/markup-compatibility/2006">
+        <mc:Choice xmlns:a14="http://schemas.microsoft.com/office/drawing/2010/main" Requires="a14">
+          <p:sp>
+            <p:nvSpPr>
+              <p:cNvPr id="93" name="TextBox 92">
+                <a:extLst>
+                  <a:ext uri="{FF2B5EF4-FFF2-40B4-BE49-F238E27FC236}">
+                    <a16:creationId xmlns:a16="http://schemas.microsoft.com/office/drawing/2014/main" id="{50AD07F1-C6E8-49FF-9AB6-0FB404507BA8}"/>
+                  </a:ext>
+                </a:extLst>
+              </p:cNvPr>
+              <p:cNvSpPr txBox="1"/>
+              <p:nvPr/>
+            </p:nvSpPr>
+            <p:spPr>
+              <a:xfrm>
+                <a:off x="2271544" y="2335988"/>
+                <a:ext cx="350031" cy="243272"/>
+              </a:xfrm>
+              <a:prstGeom prst="rect">
+                <a:avLst/>
+              </a:prstGeom>
+              <a:noFill/>
+            </p:spPr>
+            <p:txBody>
+              <a:bodyPr wrap="none" lIns="0" tIns="0" rIns="0" bIns="0" rtlCol="0">
+                <a:spAutoFit/>
+              </a:bodyPr>
+              <a:lstStyle/>
+              <a:p>
+                <a:pPr/>
+                <a14:m>
+                  <m:oMathPara xmlns:m="http://schemas.openxmlformats.org/officeDocument/2006/math">
+                    <m:oMathParaPr>
+                      <m:jc m:val="centerGroup"/>
+                    </m:oMathParaPr>
+                    <m:oMath xmlns:m="http://schemas.openxmlformats.org/officeDocument/2006/math">
+                      <m:sSubSup>
+                        <m:sSubSupPr>
+                          <m:ctrlPr>
+                            <a:rPr lang="en-US" sz="1400" i="1">
+                              <a:latin typeface="Cambria Math" panose="02040503050406030204" pitchFamily="18" charset="0"/>
+                            </a:rPr>
+                          </m:ctrlPr>
+                        </m:sSubSupPr>
+                        <m:e>
+                          <m:r>
+                            <a:rPr lang="en-US" sz="1400" i="1">
+                              <a:latin typeface="Cambria Math" panose="02040503050406030204" pitchFamily="18" charset="0"/>
+                            </a:rPr>
+                            <m:t>𝑒</m:t>
+                          </m:r>
+                        </m:e>
+                        <m:sub>
+                          <m:r>
+                            <a:rPr lang="en-US" sz="1400" i="1">
+                              <a:latin typeface="Cambria Math" panose="02040503050406030204" pitchFamily="18" charset="0"/>
+                            </a:rPr>
+                            <m:t>𝑡𝑜𝑝</m:t>
+                          </m:r>
+                        </m:sub>
+                        <m:sup>
+                          <m:r>
+                            <a:rPr lang="en-US" sz="1400" i="1">
+                              <a:latin typeface="Cambria Math" panose="02040503050406030204" pitchFamily="18" charset="0"/>
+                            </a:rPr>
+                            <m:t>𝐶</m:t>
+                          </m:r>
+                        </m:sup>
+                      </m:sSubSup>
+                    </m:oMath>
+                  </m:oMathPara>
+                </a14:m>
+                <a:endParaRPr lang="en-US" sz="1400" dirty="0"/>
+              </a:p>
+            </p:txBody>
+          </p:sp>
+        </mc:Choice>
+        <mc:Fallback>
+          <p:sp>
+            <p:nvSpPr>
+              <p:cNvPr id="93" name="TextBox 92">
+                <a:extLst>
+                  <a:ext uri="{FF2B5EF4-FFF2-40B4-BE49-F238E27FC236}">
+                    <a16:creationId xmlns:a16="http://schemas.microsoft.com/office/drawing/2014/main" id="{50AD07F1-C6E8-49FF-9AB6-0FB404507BA8}"/>
+                  </a:ext>
+                </a:extLst>
+              </p:cNvPr>
+              <p:cNvSpPr txBox="1">
+                <a:spLocks noRot="1" noChangeAspect="1" noMove="1" noResize="1" noEditPoints="1" noAdjustHandles="1" noChangeArrowheads="1" noChangeShapeType="1" noTextEdit="1"/>
+              </p:cNvSpPr>
+              <p:nvPr/>
+            </p:nvSpPr>
+            <p:spPr>
+              <a:xfrm>
+                <a:off x="2271544" y="2335988"/>
+                <a:ext cx="350031" cy="243272"/>
+              </a:xfrm>
+              <a:prstGeom prst="rect">
+                <a:avLst/>
+              </a:prstGeom>
+              <a:blipFill>
+                <a:blip r:embed="rId13"/>
+                <a:stretch>
+                  <a:fillRect l="-8772" r="-5263" b="-22500"/>
+                </a:stretch>
+              </a:blipFill>
+            </p:spPr>
+            <p:txBody>
+              <a:bodyPr/>
+              <a:lstStyle/>
+              <a:p>
+                <a:r>
+                  <a:rPr lang="en-US">
+                    <a:noFill/>
+                  </a:rPr>
+                  <a:t> </a:t>
+                </a:r>
+              </a:p>
+            </p:txBody>
+          </p:sp>
+        </mc:Fallback>
+      </mc:AlternateContent>
+      <mc:AlternateContent xmlns:mc="http://schemas.openxmlformats.org/markup-compatibility/2006">
+        <mc:Choice xmlns:a14="http://schemas.microsoft.com/office/drawing/2010/main" Requires="a14">
+          <p:sp>
+            <p:nvSpPr>
+              <p:cNvPr id="94" name="TextBox 93">
+                <a:extLst>
+                  <a:ext uri="{FF2B5EF4-FFF2-40B4-BE49-F238E27FC236}">
+                    <a16:creationId xmlns:a16="http://schemas.microsoft.com/office/drawing/2014/main" id="{6E61B1EB-0BBF-45B8-B691-FEF7473E30D6}"/>
+                  </a:ext>
+                </a:extLst>
+              </p:cNvPr>
+              <p:cNvSpPr txBox="1"/>
+              <p:nvPr/>
+            </p:nvSpPr>
+            <p:spPr>
+              <a:xfrm>
+                <a:off x="5435222" y="4389213"/>
+                <a:ext cx="603947" cy="226665"/>
+              </a:xfrm>
+              <a:prstGeom prst="rect">
+                <a:avLst/>
+              </a:prstGeom>
+              <a:noFill/>
+            </p:spPr>
+            <p:txBody>
+              <a:bodyPr wrap="none" lIns="0" tIns="0" rIns="0" bIns="0" rtlCol="0">
+                <a:spAutoFit/>
+              </a:bodyPr>
+              <a:lstStyle/>
+              <a:p>
+                <a:pPr/>
+                <a14:m>
+                  <m:oMathPara xmlns:m="http://schemas.openxmlformats.org/officeDocument/2006/math">
+                    <m:oMathParaPr>
+                      <m:jc m:val="centerGroup"/>
+                    </m:oMathParaPr>
+                    <m:oMath xmlns:m="http://schemas.openxmlformats.org/officeDocument/2006/math">
+                      <m:sSubSup>
+                        <m:sSubSupPr>
+                          <m:ctrlPr>
+                            <a:rPr lang="en-US" sz="1400" i="1">
+                              <a:latin typeface="Cambria Math" panose="02040503050406030204" pitchFamily="18" charset="0"/>
+                            </a:rPr>
+                          </m:ctrlPr>
+                        </m:sSubSupPr>
+                        <m:e>
+                          <m:r>
+                            <a:rPr lang="en-US" sz="1400" i="1">
+                              <a:latin typeface="Cambria Math" panose="02040503050406030204" pitchFamily="18" charset="0"/>
+                            </a:rPr>
+                            <m:t>𝑒</m:t>
+                          </m:r>
+                        </m:e>
+                        <m:sub>
+                          <m:r>
+                            <a:rPr lang="en-US" sz="1400" i="1">
+                              <a:latin typeface="Cambria Math" panose="02040503050406030204" pitchFamily="18" charset="0"/>
+                            </a:rPr>
+                            <m:t>𝑏𝑜𝑡𝑡𝑜𝑚</m:t>
+                          </m:r>
+                        </m:sub>
+                        <m:sup>
+                          <m:r>
+                            <a:rPr lang="en-US" sz="1400" i="1">
+                              <a:latin typeface="Cambria Math" panose="02040503050406030204" pitchFamily="18" charset="0"/>
+                            </a:rPr>
+                            <m:t>𝐶</m:t>
+                          </m:r>
+                        </m:sup>
+                      </m:sSubSup>
+                    </m:oMath>
+                  </m:oMathPara>
+                </a14:m>
+                <a:endParaRPr lang="en-US" sz="1400" dirty="0"/>
+              </a:p>
+            </p:txBody>
+          </p:sp>
+        </mc:Choice>
+        <mc:Fallback>
+          <p:sp>
+            <p:nvSpPr>
+              <p:cNvPr id="94" name="TextBox 93">
+                <a:extLst>
+                  <a:ext uri="{FF2B5EF4-FFF2-40B4-BE49-F238E27FC236}">
+                    <a16:creationId xmlns:a16="http://schemas.microsoft.com/office/drawing/2014/main" id="{6E61B1EB-0BBF-45B8-B691-FEF7473E30D6}"/>
+                  </a:ext>
+                </a:extLst>
+              </p:cNvPr>
+              <p:cNvSpPr txBox="1">
+                <a:spLocks noRot="1" noChangeAspect="1" noMove="1" noResize="1" noEditPoints="1" noAdjustHandles="1" noChangeArrowheads="1" noChangeShapeType="1" noTextEdit="1"/>
+              </p:cNvSpPr>
+              <p:nvPr/>
+            </p:nvSpPr>
+            <p:spPr>
+              <a:xfrm>
+                <a:off x="5435222" y="4389213"/>
+                <a:ext cx="603947" cy="226665"/>
+              </a:xfrm>
+              <a:prstGeom prst="rect">
+                <a:avLst/>
+              </a:prstGeom>
+              <a:blipFill>
+                <a:blip r:embed="rId14"/>
+                <a:stretch>
+                  <a:fillRect l="-4040" t="-2703" r="-1010" b="-18919"/>
+                </a:stretch>
+              </a:blipFill>
+            </p:spPr>
+            <p:txBody>
+              <a:bodyPr/>
+              <a:lstStyle/>
+              <a:p>
+                <a:r>
+                  <a:rPr lang="en-US">
+                    <a:noFill/>
+                  </a:rPr>
+                  <a:t> </a:t>
+                </a:r>
+              </a:p>
+            </p:txBody>
+          </p:sp>
+        </mc:Fallback>
+      </mc:AlternateContent>
+      <mc:AlternateContent xmlns:mc="http://schemas.openxmlformats.org/markup-compatibility/2006">
+        <mc:Choice xmlns:a14="http://schemas.microsoft.com/office/drawing/2010/main" Requires="a14">
+          <p:sp>
+            <p:nvSpPr>
+              <p:cNvPr id="95" name="TextBox 94">
+                <a:extLst>
+                  <a:ext uri="{FF2B5EF4-FFF2-40B4-BE49-F238E27FC236}">
+                    <a16:creationId xmlns:a16="http://schemas.microsoft.com/office/drawing/2014/main" id="{DBAB2DF9-42C7-496A-8BCC-38B7544A1A47}"/>
+                  </a:ext>
+                </a:extLst>
+              </p:cNvPr>
+              <p:cNvSpPr txBox="1"/>
+              <p:nvPr/>
+            </p:nvSpPr>
+            <p:spPr>
+              <a:xfrm>
+                <a:off x="1984843" y="4482093"/>
+                <a:ext cx="603947" cy="226665"/>
+              </a:xfrm>
+              <a:prstGeom prst="rect">
+                <a:avLst/>
+              </a:prstGeom>
+              <a:noFill/>
+            </p:spPr>
+            <p:txBody>
+              <a:bodyPr wrap="none" lIns="0" tIns="0" rIns="0" bIns="0" rtlCol="0">
+                <a:spAutoFit/>
+              </a:bodyPr>
+              <a:lstStyle/>
+              <a:p>
+                <a:pPr/>
+                <a14:m>
+                  <m:oMathPara xmlns:m="http://schemas.openxmlformats.org/officeDocument/2006/math">
+                    <m:oMathParaPr>
+                      <m:jc m:val="centerGroup"/>
+                    </m:oMathParaPr>
+                    <m:oMath xmlns:m="http://schemas.openxmlformats.org/officeDocument/2006/math">
+                      <m:sSubSup>
+                        <m:sSubSupPr>
+                          <m:ctrlPr>
+                            <a:rPr lang="en-US" sz="1400" i="1">
+                              <a:latin typeface="Cambria Math" panose="02040503050406030204" pitchFamily="18" charset="0"/>
+                            </a:rPr>
+                          </m:ctrlPr>
+                        </m:sSubSupPr>
+                        <m:e>
+                          <m:r>
+                            <a:rPr lang="en-US" sz="1400" i="1">
+                              <a:latin typeface="Cambria Math" panose="02040503050406030204" pitchFamily="18" charset="0"/>
+                            </a:rPr>
+                            <m:t>𝑒</m:t>
+                          </m:r>
+                        </m:e>
+                        <m:sub>
+                          <m:r>
+                            <a:rPr lang="en-US" sz="1400" i="1">
+                              <a:latin typeface="Cambria Math" panose="02040503050406030204" pitchFamily="18" charset="0"/>
+                            </a:rPr>
+                            <m:t>𝑏𝑜𝑡𝑡𝑜𝑚</m:t>
+                          </m:r>
+                        </m:sub>
+                        <m:sup>
+                          <m:r>
+                            <a:rPr lang="en-US" sz="1400" i="1">
+                              <a:latin typeface="Cambria Math" panose="02040503050406030204" pitchFamily="18" charset="0"/>
+                            </a:rPr>
+                            <m:t>𝐶</m:t>
+                          </m:r>
+                        </m:sup>
+                      </m:sSubSup>
+                    </m:oMath>
+                  </m:oMathPara>
+                </a14:m>
+                <a:endParaRPr lang="en-US" sz="1400" dirty="0"/>
+              </a:p>
+            </p:txBody>
+          </p:sp>
+        </mc:Choice>
+        <mc:Fallback>
+          <p:sp>
+            <p:nvSpPr>
+              <p:cNvPr id="95" name="TextBox 94">
+                <a:extLst>
+                  <a:ext uri="{FF2B5EF4-FFF2-40B4-BE49-F238E27FC236}">
+                    <a16:creationId xmlns:a16="http://schemas.microsoft.com/office/drawing/2014/main" id="{DBAB2DF9-42C7-496A-8BCC-38B7544A1A47}"/>
+                  </a:ext>
+                </a:extLst>
+              </p:cNvPr>
+              <p:cNvSpPr txBox="1">
+                <a:spLocks noRot="1" noChangeAspect="1" noMove="1" noResize="1" noEditPoints="1" noAdjustHandles="1" noChangeArrowheads="1" noChangeShapeType="1" noTextEdit="1"/>
+              </p:cNvSpPr>
+              <p:nvPr/>
+            </p:nvSpPr>
+            <p:spPr>
+              <a:xfrm>
+                <a:off x="1984843" y="4482093"/>
+                <a:ext cx="603947" cy="226665"/>
+              </a:xfrm>
+              <a:prstGeom prst="rect">
+                <a:avLst/>
+              </a:prstGeom>
+              <a:blipFill>
+                <a:blip r:embed="rId14"/>
+                <a:stretch>
+                  <a:fillRect l="-4040" t="-2703" r="-1010" b="-18919"/>
+                </a:stretch>
+              </a:blipFill>
+            </p:spPr>
+            <p:txBody>
+              <a:bodyPr/>
+              <a:lstStyle/>
+              <a:p>
+                <a:r>
+                  <a:rPr lang="en-US">
+                    <a:noFill/>
+                  </a:rPr>
+                  <a:t> </a:t>
+                </a:r>
+              </a:p>
+            </p:txBody>
+          </p:sp>
+        </mc:Fallback>
+      </mc:AlternateContent>
+    </p:spTree>
+    <p:extLst>
+      <p:ext uri="{BB962C8B-B14F-4D97-AF65-F5344CB8AC3E}">
+        <p14:creationId xmlns:p14="http://schemas.microsoft.com/office/powerpoint/2010/main" val="1445226883"/>
+      </p:ext>
+    </p:extLst>
+  </p:cSld>
+  <p:clrMapOvr>
+    <a:masterClrMapping/>
+  </p:clrMapOvr>
+</p:sld>
+</file>
+
+<file path=ppt/slides/slide4.xml><?xml version="1.0" encoding="utf-8"?>
+<p:sld xmlns:a="http://schemas.openxmlformats.org/drawingml/2006/main" xmlns:r="http://schemas.openxmlformats.org/officeDocument/2006/relationships" xmlns:p="http://schemas.openxmlformats.org/presentationml/2006/main">
+  <p:cSld>
+    <p:spTree>
+      <p:nvGrpSpPr>
+        <p:cNvPr id="1" name=""/>
+        <p:cNvGrpSpPr/>
+        <p:nvPr/>
+      </p:nvGrpSpPr>
+      <p:grpSpPr>
+        <a:xfrm>
+          <a:off x="0" y="0"/>
+          <a:ext cx="0" cy="0"/>
+          <a:chOff x="0" y="0"/>
+          <a:chExt cx="0" cy="0"/>
+        </a:xfrm>
+      </p:grpSpPr>
+      <p:cxnSp>
+        <p:nvCxnSpPr>
+          <p:cNvPr id="32" name="Straight Connector 31">
+            <a:extLst>
+              <a:ext uri="{FF2B5EF4-FFF2-40B4-BE49-F238E27FC236}">
+                <a16:creationId xmlns:a16="http://schemas.microsoft.com/office/drawing/2014/main" id="{21475790-AD7F-43E6-A4E2-BDF275908A3F}"/>
+              </a:ext>
+            </a:extLst>
+          </p:cNvPr>
+          <p:cNvCxnSpPr>
+            <a:cxnSpLocks/>
+          </p:cNvCxnSpPr>
+          <p:nvPr/>
+        </p:nvCxnSpPr>
+        <p:spPr>
+          <a:xfrm>
+            <a:off x="2755178" y="2112571"/>
+            <a:ext cx="1655414" cy="884712"/>
+          </a:xfrm>
+          <a:prstGeom prst="line">
+            <a:avLst/>
+          </a:prstGeom>
+        </p:spPr>
+        <p:style>
+          <a:lnRef idx="1">
+            <a:schemeClr val="dk1"/>
+          </a:lnRef>
+          <a:fillRef idx="0">
+            <a:schemeClr val="dk1"/>
+          </a:fillRef>
+          <a:effectRef idx="0">
+            <a:schemeClr val="dk1"/>
+          </a:effectRef>
+          <a:fontRef idx="minor">
+            <a:schemeClr val="tx1"/>
+          </a:fontRef>
+        </p:style>
+      </p:cxnSp>
+      <p:cxnSp>
+        <p:nvCxnSpPr>
+          <p:cNvPr id="33" name="Straight Connector 32">
+            <a:extLst>
+              <a:ext uri="{FF2B5EF4-FFF2-40B4-BE49-F238E27FC236}">
+                <a16:creationId xmlns:a16="http://schemas.microsoft.com/office/drawing/2014/main" id="{4448AE4B-DCB5-4FBE-9FEB-E75689985A84}"/>
+              </a:ext>
+            </a:extLst>
+          </p:cNvPr>
+          <p:cNvCxnSpPr>
+            <a:cxnSpLocks/>
+          </p:cNvCxnSpPr>
+          <p:nvPr/>
+        </p:nvCxnSpPr>
+        <p:spPr>
+          <a:xfrm flipV="1">
+            <a:off x="3104306" y="495589"/>
+            <a:ext cx="2053885" cy="387886"/>
+          </a:xfrm>
+          <a:prstGeom prst="line">
+            <a:avLst/>
+          </a:prstGeom>
+        </p:spPr>
+        <p:style>
+          <a:lnRef idx="1">
+            <a:schemeClr val="dk1"/>
+          </a:lnRef>
+          <a:fillRef idx="0">
+            <a:schemeClr val="dk1"/>
+          </a:fillRef>
+          <a:effectRef idx="0">
+            <a:schemeClr val="dk1"/>
+          </a:effectRef>
+          <a:fontRef idx="minor">
+            <a:schemeClr val="tx1"/>
+          </a:fontRef>
+        </p:style>
+      </p:cxnSp>
+      <p:cxnSp>
+        <p:nvCxnSpPr>
+          <p:cNvPr id="34" name="Straight Connector 33">
+            <a:extLst>
+              <a:ext uri="{FF2B5EF4-FFF2-40B4-BE49-F238E27FC236}">
+                <a16:creationId xmlns:a16="http://schemas.microsoft.com/office/drawing/2014/main" id="{44AE70F3-A823-431B-81B9-1FA01518AD4E}"/>
+              </a:ext>
+            </a:extLst>
+          </p:cNvPr>
+          <p:cNvCxnSpPr/>
+          <p:nvPr/>
+        </p:nvCxnSpPr>
+        <p:spPr>
+          <a:xfrm>
+            <a:off x="3104306" y="883474"/>
+            <a:ext cx="0" cy="1425040"/>
+          </a:xfrm>
+          <a:prstGeom prst="line">
+            <a:avLst/>
+          </a:prstGeom>
+          <a:ln>
+            <a:prstDash val="dash"/>
+          </a:ln>
+        </p:spPr>
+        <p:style>
+          <a:lnRef idx="1">
+            <a:schemeClr val="dk1"/>
+          </a:lnRef>
+          <a:fillRef idx="0">
+            <a:schemeClr val="dk1"/>
+          </a:fillRef>
+          <a:effectRef idx="0">
+            <a:schemeClr val="dk1"/>
+          </a:effectRef>
+          <a:fontRef idx="minor">
+            <a:schemeClr val="tx1"/>
+          </a:fontRef>
+        </p:style>
+      </p:cxnSp>
+      <p:cxnSp>
+        <p:nvCxnSpPr>
+          <p:cNvPr id="35" name="Straight Connector 34">
+            <a:extLst>
+              <a:ext uri="{FF2B5EF4-FFF2-40B4-BE49-F238E27FC236}">
+                <a16:creationId xmlns:a16="http://schemas.microsoft.com/office/drawing/2014/main" id="{CBFFE212-15CD-405E-8D8B-7BF35064E6FD}"/>
+              </a:ext>
+            </a:extLst>
+          </p:cNvPr>
+          <p:cNvCxnSpPr>
+            <a:cxnSpLocks/>
+          </p:cNvCxnSpPr>
+          <p:nvPr/>
+        </p:nvCxnSpPr>
+        <p:spPr>
+          <a:xfrm>
+            <a:off x="4410592" y="645968"/>
+            <a:ext cx="0" cy="2351315"/>
+          </a:xfrm>
+          <a:prstGeom prst="line">
+            <a:avLst/>
+          </a:prstGeom>
+          <a:ln>
+            <a:prstDash val="dash"/>
+          </a:ln>
+        </p:spPr>
+        <p:style>
+          <a:lnRef idx="1">
+            <a:schemeClr val="dk1"/>
+          </a:lnRef>
+          <a:fillRef idx="0">
+            <a:schemeClr val="dk1"/>
+          </a:fillRef>
+          <a:effectRef idx="0">
+            <a:schemeClr val="dk1"/>
+          </a:effectRef>
+          <a:fontRef idx="minor">
+            <a:schemeClr val="tx1"/>
+          </a:fontRef>
+        </p:style>
+      </p:cxnSp>
+      <mc:AlternateContent xmlns:mc="http://schemas.openxmlformats.org/markup-compatibility/2006">
+        <mc:Choice xmlns:a14="http://schemas.microsoft.com/office/drawing/2010/main" Requires="a14">
+          <p:sp>
+            <p:nvSpPr>
+              <p:cNvPr id="36" name="TextBox 35">
+                <a:extLst>
+                  <a:ext uri="{FF2B5EF4-FFF2-40B4-BE49-F238E27FC236}">
+                    <a16:creationId xmlns:a16="http://schemas.microsoft.com/office/drawing/2014/main" id="{1E5CDD96-9A05-4BA4-949C-606AB596A417}"/>
+                  </a:ext>
+                </a:extLst>
+              </p:cNvPr>
+              <p:cNvSpPr txBox="1"/>
+              <p:nvPr/>
+            </p:nvSpPr>
+            <p:spPr>
+              <a:xfrm>
+                <a:off x="3663436" y="1457492"/>
+                <a:ext cx="200889" cy="276999"/>
+              </a:xfrm>
+              <a:prstGeom prst="rect">
+                <a:avLst/>
+              </a:prstGeom>
+              <a:noFill/>
+            </p:spPr>
+            <p:txBody>
+              <a:bodyPr wrap="none" lIns="0" tIns="0" rIns="0" bIns="0" rtlCol="0">
+                <a:spAutoFit/>
+              </a:bodyPr>
+              <a:lstStyle/>
+              <a:p>
+                <a:pPr/>
+                <a14:m>
+                  <m:oMathPara xmlns:m="http://schemas.openxmlformats.org/officeDocument/2006/math">
+                    <m:oMathParaPr>
+                      <m:jc m:val="centerGroup"/>
+                    </m:oMathParaPr>
+                    <m:oMath xmlns:m="http://schemas.openxmlformats.org/officeDocument/2006/math">
+                      <m:r>
+                        <a:rPr lang="en-US" b="0" i="1" smtClean="0">
+                          <a:latin typeface="Cambria Math" panose="02040503050406030204" pitchFamily="18" charset="0"/>
+                        </a:rPr>
+                        <m:t>𝐶</m:t>
+                      </m:r>
+                    </m:oMath>
+                  </m:oMathPara>
+                </a14:m>
+                <a:endParaRPr lang="en-US" dirty="0"/>
+              </a:p>
+            </p:txBody>
+          </p:sp>
+        </mc:Choice>
+        <mc:Fallback>
+          <p:sp>
+            <p:nvSpPr>
+              <p:cNvPr id="36" name="TextBox 35">
+                <a:extLst>
+                  <a:ext uri="{FF2B5EF4-FFF2-40B4-BE49-F238E27FC236}">
+                    <a16:creationId xmlns:a16="http://schemas.microsoft.com/office/drawing/2014/main" id="{1E5CDD96-9A05-4BA4-949C-606AB596A417}"/>
+                  </a:ext>
+                </a:extLst>
+              </p:cNvPr>
+              <p:cNvSpPr txBox="1">
+                <a:spLocks noRot="1" noChangeAspect="1" noMove="1" noResize="1" noEditPoints="1" noAdjustHandles="1" noChangeArrowheads="1" noChangeShapeType="1" noTextEdit="1"/>
+              </p:cNvSpPr>
+              <p:nvPr/>
+            </p:nvSpPr>
+            <p:spPr>
+              <a:xfrm>
+                <a:off x="3663436" y="1457492"/>
+                <a:ext cx="200889" cy="276999"/>
+              </a:xfrm>
+              <a:prstGeom prst="rect">
+                <a:avLst/>
+              </a:prstGeom>
+              <a:blipFill>
+                <a:blip r:embed="rId2"/>
+                <a:stretch>
+                  <a:fillRect l="-30303" r="-21212" b="-6522"/>
+                </a:stretch>
+              </a:blipFill>
+            </p:spPr>
+            <p:txBody>
+              <a:bodyPr/>
+              <a:lstStyle/>
+              <a:p>
+                <a:r>
+                  <a:rPr lang="en-US">
+                    <a:noFill/>
+                  </a:rPr>
+                  <a:t> </a:t>
+                </a:r>
+              </a:p>
+            </p:txBody>
+          </p:sp>
+        </mc:Fallback>
+      </mc:AlternateContent>
+      <mc:AlternateContent xmlns:mc="http://schemas.openxmlformats.org/markup-compatibility/2006">
+        <mc:Choice xmlns:a14="http://schemas.microsoft.com/office/drawing/2010/main" Requires="a14">
+          <p:sp>
+            <p:nvSpPr>
+              <p:cNvPr id="43" name="TextBox 42">
+                <a:extLst>
+                  <a:ext uri="{FF2B5EF4-FFF2-40B4-BE49-F238E27FC236}">
+                    <a16:creationId xmlns:a16="http://schemas.microsoft.com/office/drawing/2014/main" id="{6DB4A9B4-5716-46F6-9561-CAB2D2179218}"/>
+                  </a:ext>
+                </a:extLst>
+              </p:cNvPr>
+              <p:cNvSpPr txBox="1"/>
+              <p:nvPr/>
+            </p:nvSpPr>
+            <p:spPr>
+              <a:xfrm>
+                <a:off x="3582676" y="488138"/>
+                <a:ext cx="350031" cy="243272"/>
+              </a:xfrm>
+              <a:prstGeom prst="rect">
+                <a:avLst/>
+              </a:prstGeom>
+              <a:noFill/>
+            </p:spPr>
+            <p:txBody>
+              <a:bodyPr wrap="none" lIns="0" tIns="0" rIns="0" bIns="0" rtlCol="0">
+                <a:spAutoFit/>
+              </a:bodyPr>
+              <a:lstStyle/>
+              <a:p>
+                <a:pPr/>
+                <a14:m>
+                  <m:oMathPara xmlns:m="http://schemas.openxmlformats.org/officeDocument/2006/math">
+                    <m:oMathParaPr>
+                      <m:jc m:val="centerGroup"/>
+                    </m:oMathParaPr>
+                    <m:oMath xmlns:m="http://schemas.openxmlformats.org/officeDocument/2006/math">
+                      <m:sSubSup>
+                        <m:sSubSupPr>
+                          <m:ctrlPr>
+                            <a:rPr lang="en-US" sz="1400" b="0" i="1" smtClean="0">
+                              <a:latin typeface="Cambria Math" panose="02040503050406030204" pitchFamily="18" charset="0"/>
+                            </a:rPr>
+                          </m:ctrlPr>
+                        </m:sSubSupPr>
+                        <m:e>
+                          <m:r>
+                            <a:rPr lang="en-US" sz="1400" b="0" i="1" smtClean="0">
+                              <a:latin typeface="Cambria Math" panose="02040503050406030204" pitchFamily="18" charset="0"/>
+                            </a:rPr>
+                            <m:t>𝑒</m:t>
+                          </m:r>
+                        </m:e>
+                        <m:sub>
+                          <m:r>
+                            <a:rPr lang="en-US" sz="1400" b="0" i="1" smtClean="0">
+                              <a:latin typeface="Cambria Math" panose="02040503050406030204" pitchFamily="18" charset="0"/>
+                            </a:rPr>
+                            <m:t>𝑡𝑜𝑝</m:t>
+                          </m:r>
+                        </m:sub>
+                        <m:sup>
+                          <m:r>
+                            <a:rPr lang="en-US" sz="1400" b="0" i="1" smtClean="0">
+                              <a:latin typeface="Cambria Math" panose="02040503050406030204" pitchFamily="18" charset="0"/>
+                            </a:rPr>
+                            <m:t>𝐶</m:t>
+                          </m:r>
+                        </m:sup>
+                      </m:sSubSup>
+                    </m:oMath>
+                  </m:oMathPara>
+                </a14:m>
+                <a:endParaRPr lang="en-US" sz="1400" dirty="0"/>
+              </a:p>
+            </p:txBody>
+          </p:sp>
+        </mc:Choice>
+        <mc:Fallback>
+          <p:sp>
+            <p:nvSpPr>
+              <p:cNvPr id="43" name="TextBox 42">
+                <a:extLst>
+                  <a:ext uri="{FF2B5EF4-FFF2-40B4-BE49-F238E27FC236}">
+                    <a16:creationId xmlns:a16="http://schemas.microsoft.com/office/drawing/2014/main" id="{6DB4A9B4-5716-46F6-9561-CAB2D2179218}"/>
+                  </a:ext>
+                </a:extLst>
+              </p:cNvPr>
+              <p:cNvSpPr txBox="1">
+                <a:spLocks noRot="1" noChangeAspect="1" noMove="1" noResize="1" noEditPoints="1" noAdjustHandles="1" noChangeArrowheads="1" noChangeShapeType="1" noTextEdit="1"/>
+              </p:cNvSpPr>
+              <p:nvPr/>
+            </p:nvSpPr>
+            <p:spPr>
+              <a:xfrm>
+                <a:off x="3582676" y="488138"/>
+                <a:ext cx="350031" cy="243272"/>
+              </a:xfrm>
+              <a:prstGeom prst="rect">
+                <a:avLst/>
+              </a:prstGeom>
+              <a:blipFill>
+                <a:blip r:embed="rId3"/>
+                <a:stretch>
+                  <a:fillRect l="-8772" r="-5263" b="-22500"/>
+                </a:stretch>
+              </a:blipFill>
+            </p:spPr>
+            <p:txBody>
+              <a:bodyPr/>
+              <a:lstStyle/>
+              <a:p>
+                <a:r>
+                  <a:rPr lang="en-US">
+                    <a:noFill/>
+                  </a:rPr>
+                  <a:t> </a:t>
+                </a:r>
+              </a:p>
+            </p:txBody>
+          </p:sp>
+        </mc:Fallback>
+      </mc:AlternateContent>
+      <mc:AlternateContent xmlns:mc="http://schemas.openxmlformats.org/markup-compatibility/2006">
+        <mc:Choice xmlns:a14="http://schemas.microsoft.com/office/drawing/2010/main" Requires="a14">
+          <p:sp>
+            <p:nvSpPr>
+              <p:cNvPr id="45" name="TextBox 44">
+                <a:extLst>
+                  <a:ext uri="{FF2B5EF4-FFF2-40B4-BE49-F238E27FC236}">
+                    <a16:creationId xmlns:a16="http://schemas.microsoft.com/office/drawing/2014/main" id="{99A0EF3B-EA58-41B0-A1C6-DF930164CD16}"/>
+                  </a:ext>
+                </a:extLst>
+              </p:cNvPr>
+              <p:cNvSpPr txBox="1"/>
+              <p:nvPr/>
+            </p:nvSpPr>
+            <p:spPr>
+              <a:xfrm>
+                <a:off x="3295975" y="2634243"/>
+                <a:ext cx="603947" cy="226665"/>
+              </a:xfrm>
+              <a:prstGeom prst="rect">
+                <a:avLst/>
+              </a:prstGeom>
+              <a:noFill/>
+            </p:spPr>
+            <p:txBody>
+              <a:bodyPr wrap="none" lIns="0" tIns="0" rIns="0" bIns="0" rtlCol="0">
+                <a:spAutoFit/>
+              </a:bodyPr>
+              <a:lstStyle/>
+              <a:p>
+                <a:pPr/>
+                <a14:m>
+                  <m:oMathPara xmlns:m="http://schemas.openxmlformats.org/officeDocument/2006/math">
+                    <m:oMathParaPr>
+                      <m:jc m:val="centerGroup"/>
+                    </m:oMathParaPr>
+                    <m:oMath xmlns:m="http://schemas.openxmlformats.org/officeDocument/2006/math">
+                      <m:sSubSup>
+                        <m:sSubSupPr>
+                          <m:ctrlPr>
+                            <a:rPr lang="en-US" sz="1400" i="1">
+                              <a:latin typeface="Cambria Math" panose="02040503050406030204" pitchFamily="18" charset="0"/>
+                            </a:rPr>
+                          </m:ctrlPr>
+                        </m:sSubSupPr>
+                        <m:e>
+                          <m:r>
+                            <a:rPr lang="en-US" sz="1400" i="1">
+                              <a:latin typeface="Cambria Math" panose="02040503050406030204" pitchFamily="18" charset="0"/>
+                            </a:rPr>
+                            <m:t>𝑒</m:t>
+                          </m:r>
+                        </m:e>
+                        <m:sub>
+                          <m:r>
+                            <a:rPr lang="en-US" sz="1400" i="1">
+                              <a:latin typeface="Cambria Math" panose="02040503050406030204" pitchFamily="18" charset="0"/>
+                            </a:rPr>
+                            <m:t>𝑏𝑜𝑡𝑡𝑜𝑚</m:t>
+                          </m:r>
+                        </m:sub>
+                        <m:sup>
+                          <m:r>
+                            <a:rPr lang="en-US" sz="1400" i="1">
+                              <a:latin typeface="Cambria Math" panose="02040503050406030204" pitchFamily="18" charset="0"/>
+                            </a:rPr>
+                            <m:t>𝐶</m:t>
+                          </m:r>
+                        </m:sup>
+                      </m:sSubSup>
+                    </m:oMath>
+                  </m:oMathPara>
+                </a14:m>
+                <a:endParaRPr lang="en-US" sz="1400" dirty="0"/>
+              </a:p>
+            </p:txBody>
+          </p:sp>
+        </mc:Choice>
+        <mc:Fallback>
+          <p:sp>
+            <p:nvSpPr>
+              <p:cNvPr id="45" name="TextBox 44">
+                <a:extLst>
+                  <a:ext uri="{FF2B5EF4-FFF2-40B4-BE49-F238E27FC236}">
+                    <a16:creationId xmlns:a16="http://schemas.microsoft.com/office/drawing/2014/main" id="{99A0EF3B-EA58-41B0-A1C6-DF930164CD16}"/>
+                  </a:ext>
+                </a:extLst>
+              </p:cNvPr>
+              <p:cNvSpPr txBox="1">
+                <a:spLocks noRot="1" noChangeAspect="1" noMove="1" noResize="1" noEditPoints="1" noAdjustHandles="1" noChangeArrowheads="1" noChangeShapeType="1" noTextEdit="1"/>
+              </p:cNvSpPr>
+              <p:nvPr/>
+            </p:nvSpPr>
+            <p:spPr>
+              <a:xfrm>
+                <a:off x="3295975" y="2634243"/>
+                <a:ext cx="603947" cy="226665"/>
+              </a:xfrm>
+              <a:prstGeom prst="rect">
+                <a:avLst/>
+              </a:prstGeom>
+              <a:blipFill>
+                <a:blip r:embed="rId4"/>
+                <a:stretch>
+                  <a:fillRect l="-4040" t="-2703" r="-1010" b="-18919"/>
+                </a:stretch>
+              </a:blipFill>
+            </p:spPr>
+            <p:txBody>
+              <a:bodyPr/>
+              <a:lstStyle/>
+              <a:p>
+                <a:r>
+                  <a:rPr lang="en-US">
+                    <a:noFill/>
+                  </a:rPr>
+                  <a:t> </a:t>
+                </a:r>
+              </a:p>
+            </p:txBody>
+          </p:sp>
+        </mc:Fallback>
+      </mc:AlternateContent>
+      <p:cxnSp>
+        <p:nvCxnSpPr>
+          <p:cNvPr id="62" name="Straight Connector 61">
+            <a:extLst>
+              <a:ext uri="{FF2B5EF4-FFF2-40B4-BE49-F238E27FC236}">
+                <a16:creationId xmlns:a16="http://schemas.microsoft.com/office/drawing/2014/main" id="{9318B012-E9E1-4C47-82A7-8C903F5EE00F}"/>
+              </a:ext>
+            </a:extLst>
+          </p:cNvPr>
+          <p:cNvCxnSpPr>
+            <a:cxnSpLocks/>
+          </p:cNvCxnSpPr>
+          <p:nvPr/>
+        </p:nvCxnSpPr>
+        <p:spPr>
+          <a:xfrm>
+            <a:off x="6616877" y="1314644"/>
+            <a:ext cx="0" cy="1286494"/>
+          </a:xfrm>
+          <a:prstGeom prst="line">
+            <a:avLst/>
+          </a:prstGeom>
+          <a:ln>
+            <a:prstDash val="dash"/>
+          </a:ln>
+        </p:spPr>
+        <p:style>
+          <a:lnRef idx="1">
+            <a:schemeClr val="dk1"/>
+          </a:lnRef>
+          <a:fillRef idx="0">
+            <a:schemeClr val="dk1"/>
+          </a:fillRef>
+          <a:effectRef idx="0">
+            <a:schemeClr val="dk1"/>
+          </a:effectRef>
+          <a:fontRef idx="minor">
+            <a:schemeClr val="tx1"/>
+          </a:fontRef>
+        </p:style>
+      </p:cxnSp>
+      <p:cxnSp>
+        <p:nvCxnSpPr>
+          <p:cNvPr id="66" name="Straight Connector 65">
+            <a:extLst>
+              <a:ext uri="{FF2B5EF4-FFF2-40B4-BE49-F238E27FC236}">
+                <a16:creationId xmlns:a16="http://schemas.microsoft.com/office/drawing/2014/main" id="{73496429-2AAA-48EE-96A9-A63D3EFD7250}"/>
+              </a:ext>
+            </a:extLst>
+          </p:cNvPr>
+          <p:cNvCxnSpPr>
+            <a:cxnSpLocks/>
+          </p:cNvCxnSpPr>
+          <p:nvPr/>
+        </p:nvCxnSpPr>
+        <p:spPr>
+          <a:xfrm>
+            <a:off x="8445677" y="404038"/>
+            <a:ext cx="0" cy="2579103"/>
+          </a:xfrm>
+          <a:prstGeom prst="line">
+            <a:avLst/>
+          </a:prstGeom>
+          <a:ln>
+            <a:prstDash val="dash"/>
+          </a:ln>
+        </p:spPr>
+        <p:style>
+          <a:lnRef idx="1">
+            <a:schemeClr val="dk1"/>
+          </a:lnRef>
+          <a:fillRef idx="0">
+            <a:schemeClr val="dk1"/>
+          </a:fillRef>
+          <a:effectRef idx="0">
+            <a:schemeClr val="dk1"/>
+          </a:effectRef>
+          <a:fontRef idx="minor">
+            <a:schemeClr val="tx1"/>
+          </a:fontRef>
+        </p:style>
+      </p:cxnSp>
+      <p:cxnSp>
+        <p:nvCxnSpPr>
+          <p:cNvPr id="68" name="Straight Connector 67">
+            <a:extLst>
+              <a:ext uri="{FF2B5EF4-FFF2-40B4-BE49-F238E27FC236}">
+                <a16:creationId xmlns:a16="http://schemas.microsoft.com/office/drawing/2014/main" id="{BA381F5C-F32A-400E-BC43-965A1D5EF5B3}"/>
+              </a:ext>
+            </a:extLst>
+          </p:cNvPr>
+          <p:cNvCxnSpPr>
+            <a:cxnSpLocks/>
+          </p:cNvCxnSpPr>
+          <p:nvPr/>
+        </p:nvCxnSpPr>
+        <p:spPr>
+          <a:xfrm flipV="1">
+            <a:off x="6616876" y="344999"/>
+            <a:ext cx="1906366" cy="977325"/>
+          </a:xfrm>
+          <a:prstGeom prst="line">
+            <a:avLst/>
+          </a:prstGeom>
+        </p:spPr>
+        <p:style>
+          <a:lnRef idx="1">
+            <a:schemeClr val="dk1"/>
+          </a:lnRef>
+          <a:fillRef idx="0">
+            <a:schemeClr val="dk1"/>
+          </a:fillRef>
+          <a:effectRef idx="0">
+            <a:schemeClr val="dk1"/>
+          </a:effectRef>
+          <a:fontRef idx="minor">
+            <a:schemeClr val="tx1"/>
+          </a:fontRef>
+        </p:style>
+      </p:cxnSp>
+      <p:cxnSp>
+        <p:nvCxnSpPr>
+          <p:cNvPr id="72" name="Straight Connector 71">
+            <a:extLst>
+              <a:ext uri="{FF2B5EF4-FFF2-40B4-BE49-F238E27FC236}">
+                <a16:creationId xmlns:a16="http://schemas.microsoft.com/office/drawing/2014/main" id="{D71A00D6-1290-4060-ABC3-CF3B9C0C63C4}"/>
+              </a:ext>
+            </a:extLst>
+          </p:cNvPr>
+          <p:cNvCxnSpPr>
+            <a:cxnSpLocks/>
+          </p:cNvCxnSpPr>
+          <p:nvPr/>
+        </p:nvCxnSpPr>
+        <p:spPr>
+          <a:xfrm>
+            <a:off x="6628803" y="2584309"/>
+            <a:ext cx="1828800" cy="398832"/>
+          </a:xfrm>
+          <a:prstGeom prst="line">
+            <a:avLst/>
+          </a:prstGeom>
+        </p:spPr>
+        <p:style>
+          <a:lnRef idx="1">
+            <a:schemeClr val="dk1"/>
+          </a:lnRef>
+          <a:fillRef idx="0">
+            <a:schemeClr val="dk1"/>
+          </a:fillRef>
+          <a:effectRef idx="0">
+            <a:schemeClr val="dk1"/>
+          </a:effectRef>
+          <a:fontRef idx="minor">
+            <a:schemeClr val="tx1"/>
+          </a:fontRef>
+        </p:style>
+      </p:cxnSp>
+      <mc:AlternateContent xmlns:mc="http://schemas.openxmlformats.org/markup-compatibility/2006">
+        <mc:Choice xmlns:a14="http://schemas.microsoft.com/office/drawing/2010/main" Requires="a14">
+          <p:sp>
+            <p:nvSpPr>
+              <p:cNvPr id="73" name="TextBox 72">
+                <a:extLst>
+                  <a:ext uri="{FF2B5EF4-FFF2-40B4-BE49-F238E27FC236}">
+                    <a16:creationId xmlns:a16="http://schemas.microsoft.com/office/drawing/2014/main" id="{13A85719-A071-4C47-9FD0-E805C930C9F7}"/>
+                  </a:ext>
+                </a:extLst>
+              </p:cNvPr>
+              <p:cNvSpPr txBox="1"/>
+              <p:nvPr/>
+            </p:nvSpPr>
+            <p:spPr>
+              <a:xfrm>
+                <a:off x="7342314" y="1693589"/>
+                <a:ext cx="200889" cy="276999"/>
+              </a:xfrm>
+              <a:prstGeom prst="rect">
+                <a:avLst/>
+              </a:prstGeom>
+              <a:noFill/>
+            </p:spPr>
+            <p:txBody>
+              <a:bodyPr wrap="none" lIns="0" tIns="0" rIns="0" bIns="0" rtlCol="0">
+                <a:spAutoFit/>
+              </a:bodyPr>
+              <a:lstStyle/>
+              <a:p>
+                <a:pPr/>
+                <a14:m>
+                  <m:oMathPara xmlns:m="http://schemas.openxmlformats.org/officeDocument/2006/math">
+                    <m:oMathParaPr>
+                      <m:jc m:val="centerGroup"/>
+                    </m:oMathParaPr>
+                    <m:oMath xmlns:m="http://schemas.openxmlformats.org/officeDocument/2006/math">
+                      <m:r>
+                        <a:rPr lang="en-US" b="0" i="1" smtClean="0">
+                          <a:latin typeface="Cambria Math" panose="02040503050406030204" pitchFamily="18" charset="0"/>
+                        </a:rPr>
+                        <m:t>𝐶</m:t>
+                      </m:r>
+                    </m:oMath>
+                  </m:oMathPara>
+                </a14:m>
+                <a:endParaRPr lang="en-US" dirty="0"/>
+              </a:p>
+            </p:txBody>
+          </p:sp>
+        </mc:Choice>
+        <mc:Fallback>
+          <p:sp>
+            <p:nvSpPr>
+              <p:cNvPr id="73" name="TextBox 72">
+                <a:extLst>
+                  <a:ext uri="{FF2B5EF4-FFF2-40B4-BE49-F238E27FC236}">
+                    <a16:creationId xmlns:a16="http://schemas.microsoft.com/office/drawing/2014/main" id="{13A85719-A071-4C47-9FD0-E805C930C9F7}"/>
+                  </a:ext>
+                </a:extLst>
+              </p:cNvPr>
+              <p:cNvSpPr txBox="1">
+                <a:spLocks noRot="1" noChangeAspect="1" noMove="1" noResize="1" noEditPoints="1" noAdjustHandles="1" noChangeArrowheads="1" noChangeShapeType="1" noTextEdit="1"/>
+              </p:cNvSpPr>
+              <p:nvPr/>
+            </p:nvSpPr>
+            <p:spPr>
+              <a:xfrm>
+                <a:off x="7342314" y="1693589"/>
+                <a:ext cx="200889" cy="276999"/>
+              </a:xfrm>
+              <a:prstGeom prst="rect">
+                <a:avLst/>
+              </a:prstGeom>
+              <a:blipFill>
+                <a:blip r:embed="rId5"/>
+                <a:stretch>
+                  <a:fillRect l="-27273" r="-24242" b="-6667"/>
+                </a:stretch>
+              </a:blipFill>
+            </p:spPr>
+            <p:txBody>
+              <a:bodyPr/>
+              <a:lstStyle/>
+              <a:p>
+                <a:r>
+                  <a:rPr lang="en-US">
+                    <a:noFill/>
+                  </a:rPr>
+                  <a:t> </a:t>
+                </a:r>
+              </a:p>
+            </p:txBody>
+          </p:sp>
+        </mc:Fallback>
+      </mc:AlternateContent>
+      <mc:AlternateContent xmlns:mc="http://schemas.openxmlformats.org/markup-compatibility/2006">
+        <mc:Choice xmlns:a14="http://schemas.microsoft.com/office/drawing/2010/main" Requires="a14">
+          <p:sp>
+            <p:nvSpPr>
+              <p:cNvPr id="77" name="TextBox 76">
+                <a:extLst>
+                  <a:ext uri="{FF2B5EF4-FFF2-40B4-BE49-F238E27FC236}">
+                    <a16:creationId xmlns:a16="http://schemas.microsoft.com/office/drawing/2014/main" id="{6B4B2A9F-7BE2-45C7-87DA-59AB0A7D943B}"/>
+                  </a:ext>
+                </a:extLst>
+              </p:cNvPr>
+              <p:cNvSpPr txBox="1"/>
+              <p:nvPr/>
+            </p:nvSpPr>
+            <p:spPr>
+              <a:xfrm>
+                <a:off x="2677121" y="653966"/>
+                <a:ext cx="400366" cy="253083"/>
+              </a:xfrm>
+              <a:prstGeom prst="rect">
+                <a:avLst/>
+              </a:prstGeom>
+              <a:noFill/>
+            </p:spPr>
+            <p:txBody>
+              <a:bodyPr wrap="none" lIns="0" tIns="0" rIns="0" bIns="0" rtlCol="0">
+                <a:spAutoFit/>
+              </a:bodyPr>
+              <a:lstStyle/>
+              <a:p>
+                <a14:m>
+                  <m:oMathPara xmlns:m="http://schemas.openxmlformats.org/officeDocument/2006/math">
+                    <m:oMathParaPr>
+                      <m:jc m:val="centerGroup"/>
+                    </m:oMathParaPr>
+                    <m:oMath xmlns:m="http://schemas.openxmlformats.org/officeDocument/2006/math">
+                      <m:sSubSup>
+                        <m:sSubSupPr>
+                          <m:ctrlPr>
+                            <a:rPr lang="en-US" sz="1400" b="0" i="1" smtClean="0">
+                              <a:latin typeface="Cambria Math" panose="02040503050406030204" pitchFamily="18" charset="0"/>
+                            </a:rPr>
+                          </m:ctrlPr>
+                        </m:sSubSupPr>
+                        <m:e>
+                          <m:r>
+                            <a:rPr lang="en-US" sz="1400" i="1">
+                              <a:latin typeface="Cambria Math" panose="02040503050406030204" pitchFamily="18" charset="0"/>
+                            </a:rPr>
+                            <m:t>𝑣</m:t>
+                          </m:r>
+                        </m:e>
+                        <m:sub>
+                          <m:r>
+                            <a:rPr lang="en-US" sz="1400" b="0" i="1" smtClean="0">
+                              <a:latin typeface="Cambria Math" panose="02040503050406030204" pitchFamily="18" charset="0"/>
+                            </a:rPr>
+                            <m:t>𝑙𝑒𝑓𝑡</m:t>
+                          </m:r>
+                        </m:sub>
+                        <m:sup>
+                          <m:r>
+                            <a:rPr lang="en-US" sz="1400" b="0" i="1" smtClean="0">
+                              <a:latin typeface="Cambria Math" panose="02040503050406030204" pitchFamily="18" charset="0"/>
+                            </a:rPr>
+                            <m:t>𝐶</m:t>
+                          </m:r>
+                        </m:sup>
+                      </m:sSubSup>
+                    </m:oMath>
+                  </m:oMathPara>
+                </a14:m>
+                <a:endParaRPr lang="en-US" sz="1400" dirty="0"/>
+              </a:p>
+            </p:txBody>
+          </p:sp>
+        </mc:Choice>
+        <mc:Fallback>
+          <p:sp>
+            <p:nvSpPr>
+              <p:cNvPr id="77" name="TextBox 76">
+                <a:extLst>
+                  <a:ext uri="{FF2B5EF4-FFF2-40B4-BE49-F238E27FC236}">
+                    <a16:creationId xmlns:a16="http://schemas.microsoft.com/office/drawing/2014/main" id="{6B4B2A9F-7BE2-45C7-87DA-59AB0A7D943B}"/>
+                  </a:ext>
+                </a:extLst>
+              </p:cNvPr>
+              <p:cNvSpPr txBox="1">
+                <a:spLocks noRot="1" noChangeAspect="1" noMove="1" noResize="1" noEditPoints="1" noAdjustHandles="1" noChangeArrowheads="1" noChangeShapeType="1" noTextEdit="1"/>
+              </p:cNvSpPr>
+              <p:nvPr/>
+            </p:nvSpPr>
+            <p:spPr>
+              <a:xfrm>
+                <a:off x="2677121" y="653966"/>
+                <a:ext cx="400366" cy="253083"/>
+              </a:xfrm>
+              <a:prstGeom prst="rect">
+                <a:avLst/>
+              </a:prstGeom>
+              <a:blipFill>
+                <a:blip r:embed="rId6"/>
+                <a:stretch>
+                  <a:fillRect l="-4545" r="-6061" b="-23810"/>
+                </a:stretch>
+              </a:blipFill>
+            </p:spPr>
+            <p:txBody>
+              <a:bodyPr/>
+              <a:lstStyle/>
+              <a:p>
+                <a:r>
+                  <a:rPr lang="en-US">
+                    <a:noFill/>
+                  </a:rPr>
+                  <a:t> </a:t>
+                </a:r>
+              </a:p>
+            </p:txBody>
+          </p:sp>
+        </mc:Fallback>
+      </mc:AlternateContent>
+      <mc:AlternateContent xmlns:mc="http://schemas.openxmlformats.org/markup-compatibility/2006">
+        <mc:Choice xmlns:a14="http://schemas.microsoft.com/office/drawing/2010/main" Requires="a14">
+          <p:sp>
+            <p:nvSpPr>
+              <p:cNvPr id="88" name="TextBox 87">
+                <a:extLst>
+                  <a:ext uri="{FF2B5EF4-FFF2-40B4-BE49-F238E27FC236}">
+                    <a16:creationId xmlns:a16="http://schemas.microsoft.com/office/drawing/2014/main" id="{26B1B82B-0E76-4E39-9EB0-D6D783A4F154}"/>
+                  </a:ext>
+                </a:extLst>
+              </p:cNvPr>
+              <p:cNvSpPr txBox="1"/>
+              <p:nvPr/>
+            </p:nvSpPr>
+            <p:spPr>
+              <a:xfrm>
+                <a:off x="7165984" y="2816031"/>
+                <a:ext cx="603947" cy="226665"/>
+              </a:xfrm>
+              <a:prstGeom prst="rect">
+                <a:avLst/>
+              </a:prstGeom>
+              <a:noFill/>
+            </p:spPr>
+            <p:txBody>
+              <a:bodyPr wrap="none" lIns="0" tIns="0" rIns="0" bIns="0" rtlCol="0">
+                <a:spAutoFit/>
+              </a:bodyPr>
+              <a:lstStyle/>
+              <a:p>
+                <a:pPr/>
+                <a14:m>
+                  <m:oMathPara xmlns:m="http://schemas.openxmlformats.org/officeDocument/2006/math">
+                    <m:oMathParaPr>
+                      <m:jc m:val="centerGroup"/>
+                    </m:oMathParaPr>
+                    <m:oMath xmlns:m="http://schemas.openxmlformats.org/officeDocument/2006/math">
+                      <m:sSubSup>
+                        <m:sSubSupPr>
+                          <m:ctrlPr>
+                            <a:rPr lang="en-US" sz="1400" i="1">
+                              <a:latin typeface="Cambria Math" panose="02040503050406030204" pitchFamily="18" charset="0"/>
+                            </a:rPr>
+                          </m:ctrlPr>
+                        </m:sSubSupPr>
+                        <m:e>
+                          <m:r>
+                            <a:rPr lang="en-US" sz="1400" i="1">
+                              <a:latin typeface="Cambria Math" panose="02040503050406030204" pitchFamily="18" charset="0"/>
+                            </a:rPr>
+                            <m:t>𝑒</m:t>
+                          </m:r>
+                        </m:e>
+                        <m:sub>
+                          <m:r>
+                            <a:rPr lang="en-US" sz="1400" i="1">
+                              <a:latin typeface="Cambria Math" panose="02040503050406030204" pitchFamily="18" charset="0"/>
+                            </a:rPr>
+                            <m:t>𝑏𝑜𝑡𝑡𝑜𝑚</m:t>
+                          </m:r>
+                        </m:sub>
+                        <m:sup>
+                          <m:r>
+                            <a:rPr lang="en-US" sz="1400" i="1">
+                              <a:latin typeface="Cambria Math" panose="02040503050406030204" pitchFamily="18" charset="0"/>
+                            </a:rPr>
+                            <m:t>𝐶</m:t>
+                          </m:r>
+                        </m:sup>
+                      </m:sSubSup>
+                    </m:oMath>
+                  </m:oMathPara>
+                </a14:m>
+                <a:endParaRPr lang="en-US" sz="1400" dirty="0"/>
+              </a:p>
+            </p:txBody>
+          </p:sp>
+        </mc:Choice>
+        <mc:Fallback>
+          <p:sp>
+            <p:nvSpPr>
+              <p:cNvPr id="88" name="TextBox 87">
+                <a:extLst>
+                  <a:ext uri="{FF2B5EF4-FFF2-40B4-BE49-F238E27FC236}">
+                    <a16:creationId xmlns:a16="http://schemas.microsoft.com/office/drawing/2014/main" id="{26B1B82B-0E76-4E39-9EB0-D6D783A4F154}"/>
+                  </a:ext>
+                </a:extLst>
+              </p:cNvPr>
+              <p:cNvSpPr txBox="1">
+                <a:spLocks noRot="1" noChangeAspect="1" noMove="1" noResize="1" noEditPoints="1" noAdjustHandles="1" noChangeArrowheads="1" noChangeShapeType="1" noTextEdit="1"/>
+              </p:cNvSpPr>
+              <p:nvPr/>
+            </p:nvSpPr>
+            <p:spPr>
+              <a:xfrm>
+                <a:off x="7165984" y="2816031"/>
+                <a:ext cx="603947" cy="226665"/>
+              </a:xfrm>
+              <a:prstGeom prst="rect">
+                <a:avLst/>
+              </a:prstGeom>
+              <a:blipFill>
+                <a:blip r:embed="rId7"/>
+                <a:stretch>
+                  <a:fillRect l="-4040" t="-2703" r="-1010" b="-16216"/>
+                </a:stretch>
+              </a:blipFill>
+            </p:spPr>
+            <p:txBody>
+              <a:bodyPr/>
+              <a:lstStyle/>
+              <a:p>
+                <a:r>
+                  <a:rPr lang="en-US">
+                    <a:noFill/>
+                  </a:rPr>
+                  <a:t> </a:t>
+                </a:r>
+              </a:p>
+            </p:txBody>
+          </p:sp>
+        </mc:Fallback>
+      </mc:AlternateContent>
+      <p:cxnSp>
+        <p:nvCxnSpPr>
+          <p:cNvPr id="89" name="Straight Connector 88">
+            <a:extLst>
+              <a:ext uri="{FF2B5EF4-FFF2-40B4-BE49-F238E27FC236}">
+                <a16:creationId xmlns:a16="http://schemas.microsoft.com/office/drawing/2014/main" id="{64C5AD20-47D6-4349-8299-356ACB9491C9}"/>
+              </a:ext>
+            </a:extLst>
+          </p:cNvPr>
+          <p:cNvCxnSpPr>
+            <a:cxnSpLocks/>
+          </p:cNvCxnSpPr>
+          <p:nvPr/>
+        </p:nvCxnSpPr>
+        <p:spPr>
+          <a:xfrm>
+            <a:off x="2037561" y="5329155"/>
+            <a:ext cx="1655414" cy="884712"/>
+          </a:xfrm>
+          <a:prstGeom prst="line">
+            <a:avLst/>
+          </a:prstGeom>
+        </p:spPr>
+        <p:style>
+          <a:lnRef idx="1">
+            <a:schemeClr val="dk1"/>
+          </a:lnRef>
+          <a:fillRef idx="0">
+            <a:schemeClr val="dk1"/>
+          </a:fillRef>
+          <a:effectRef idx="0">
+            <a:schemeClr val="dk1"/>
+          </a:effectRef>
+          <a:fontRef idx="minor">
+            <a:schemeClr val="tx1"/>
+          </a:fontRef>
+        </p:style>
+      </p:cxnSp>
+      <p:cxnSp>
+        <p:nvCxnSpPr>
+          <p:cNvPr id="96" name="Straight Connector 95">
+            <a:extLst>
+              <a:ext uri="{FF2B5EF4-FFF2-40B4-BE49-F238E27FC236}">
+                <a16:creationId xmlns:a16="http://schemas.microsoft.com/office/drawing/2014/main" id="{6329B5CF-955B-498F-826F-561E82EA2B05}"/>
+              </a:ext>
+            </a:extLst>
+          </p:cNvPr>
+          <p:cNvCxnSpPr>
+            <a:cxnSpLocks/>
+          </p:cNvCxnSpPr>
+          <p:nvPr/>
+        </p:nvCxnSpPr>
+        <p:spPr>
+          <a:xfrm flipV="1">
+            <a:off x="2386689" y="3712173"/>
+            <a:ext cx="2053885" cy="387886"/>
+          </a:xfrm>
+          <a:prstGeom prst="line">
+            <a:avLst/>
+          </a:prstGeom>
+        </p:spPr>
+        <p:style>
+          <a:lnRef idx="1">
+            <a:schemeClr val="dk1"/>
+          </a:lnRef>
+          <a:fillRef idx="0">
+            <a:schemeClr val="dk1"/>
+          </a:fillRef>
+          <a:effectRef idx="0">
+            <a:schemeClr val="dk1"/>
+          </a:effectRef>
+          <a:fontRef idx="minor">
+            <a:schemeClr val="tx1"/>
+          </a:fontRef>
+        </p:style>
+      </p:cxnSp>
+      <p:cxnSp>
+        <p:nvCxnSpPr>
+          <p:cNvPr id="97" name="Straight Connector 96">
+            <a:extLst>
+              <a:ext uri="{FF2B5EF4-FFF2-40B4-BE49-F238E27FC236}">
+                <a16:creationId xmlns:a16="http://schemas.microsoft.com/office/drawing/2014/main" id="{55D0657B-69A9-4417-A8CD-149E79686F21}"/>
+              </a:ext>
+            </a:extLst>
+          </p:cNvPr>
+          <p:cNvCxnSpPr/>
+          <p:nvPr/>
+        </p:nvCxnSpPr>
+        <p:spPr>
+          <a:xfrm>
+            <a:off x="2386689" y="4100058"/>
+            <a:ext cx="0" cy="1425040"/>
+          </a:xfrm>
+          <a:prstGeom prst="line">
+            <a:avLst/>
+          </a:prstGeom>
+          <a:ln>
+            <a:prstDash val="dash"/>
+          </a:ln>
+        </p:spPr>
+        <p:style>
+          <a:lnRef idx="1">
+            <a:schemeClr val="dk1"/>
+          </a:lnRef>
+          <a:fillRef idx="0">
+            <a:schemeClr val="dk1"/>
+          </a:fillRef>
+          <a:effectRef idx="0">
+            <a:schemeClr val="dk1"/>
+          </a:effectRef>
+          <a:fontRef idx="minor">
+            <a:schemeClr val="tx1"/>
+          </a:fontRef>
+        </p:style>
+      </p:cxnSp>
+      <p:cxnSp>
+        <p:nvCxnSpPr>
+          <p:cNvPr id="98" name="Straight Connector 97">
+            <a:extLst>
+              <a:ext uri="{FF2B5EF4-FFF2-40B4-BE49-F238E27FC236}">
+                <a16:creationId xmlns:a16="http://schemas.microsoft.com/office/drawing/2014/main" id="{CEE780F5-DB0D-47E3-B037-044C0480180E}"/>
+              </a:ext>
+            </a:extLst>
+          </p:cNvPr>
+          <p:cNvCxnSpPr>
+            <a:cxnSpLocks/>
+          </p:cNvCxnSpPr>
+          <p:nvPr/>
+        </p:nvCxnSpPr>
+        <p:spPr>
+          <a:xfrm>
+            <a:off x="3692975" y="3862552"/>
+            <a:ext cx="0" cy="2351315"/>
+          </a:xfrm>
+          <a:prstGeom prst="line">
+            <a:avLst/>
+          </a:prstGeom>
+          <a:ln>
+            <a:prstDash val="dash"/>
+          </a:ln>
+        </p:spPr>
+        <p:style>
+          <a:lnRef idx="1">
+            <a:schemeClr val="dk1"/>
+          </a:lnRef>
+          <a:fillRef idx="0">
+            <a:schemeClr val="dk1"/>
+          </a:fillRef>
+          <a:effectRef idx="0">
+            <a:schemeClr val="dk1"/>
+          </a:effectRef>
+          <a:fontRef idx="minor">
+            <a:schemeClr val="tx1"/>
+          </a:fontRef>
+        </p:style>
+      </p:cxnSp>
+      <mc:AlternateContent xmlns:mc="http://schemas.openxmlformats.org/markup-compatibility/2006">
+        <mc:Choice xmlns:a14="http://schemas.microsoft.com/office/drawing/2010/main" Requires="a14">
+          <p:sp>
+            <p:nvSpPr>
+              <p:cNvPr id="99" name="TextBox 98">
+                <a:extLst>
+                  <a:ext uri="{FF2B5EF4-FFF2-40B4-BE49-F238E27FC236}">
+                    <a16:creationId xmlns:a16="http://schemas.microsoft.com/office/drawing/2014/main" id="{1AADAC94-B1E1-4728-B9C3-92135EEC747F}"/>
+                  </a:ext>
+                </a:extLst>
+              </p:cNvPr>
+              <p:cNvSpPr txBox="1"/>
+              <p:nvPr/>
+            </p:nvSpPr>
+            <p:spPr>
+              <a:xfrm>
+                <a:off x="2945819" y="4674076"/>
+                <a:ext cx="200889" cy="276999"/>
+              </a:xfrm>
+              <a:prstGeom prst="rect">
+                <a:avLst/>
+              </a:prstGeom>
+              <a:noFill/>
+            </p:spPr>
+            <p:txBody>
+              <a:bodyPr wrap="none" lIns="0" tIns="0" rIns="0" bIns="0" rtlCol="0">
+                <a:spAutoFit/>
+              </a:bodyPr>
+              <a:lstStyle/>
+              <a:p>
+                <a:pPr/>
+                <a14:m>
+                  <m:oMathPara xmlns:m="http://schemas.openxmlformats.org/officeDocument/2006/math">
+                    <m:oMathParaPr>
+                      <m:jc m:val="centerGroup"/>
+                    </m:oMathParaPr>
+                    <m:oMath xmlns:m="http://schemas.openxmlformats.org/officeDocument/2006/math">
+                      <m:r>
+                        <a:rPr lang="en-US" b="0" i="1" smtClean="0">
+                          <a:latin typeface="Cambria Math" panose="02040503050406030204" pitchFamily="18" charset="0"/>
+                        </a:rPr>
+                        <m:t>𝐶</m:t>
+                      </m:r>
+                    </m:oMath>
+                  </m:oMathPara>
+                </a14:m>
+                <a:endParaRPr lang="en-US" dirty="0"/>
+              </a:p>
+            </p:txBody>
+          </p:sp>
+        </mc:Choice>
+        <mc:Fallback>
+          <p:sp>
+            <p:nvSpPr>
+              <p:cNvPr id="99" name="TextBox 98">
+                <a:extLst>
+                  <a:ext uri="{FF2B5EF4-FFF2-40B4-BE49-F238E27FC236}">
+                    <a16:creationId xmlns:a16="http://schemas.microsoft.com/office/drawing/2014/main" id="{1AADAC94-B1E1-4728-B9C3-92135EEC747F}"/>
+                  </a:ext>
+                </a:extLst>
+              </p:cNvPr>
+              <p:cNvSpPr txBox="1">
+                <a:spLocks noRot="1" noChangeAspect="1" noMove="1" noResize="1" noEditPoints="1" noAdjustHandles="1" noChangeArrowheads="1" noChangeShapeType="1" noTextEdit="1"/>
+              </p:cNvSpPr>
+              <p:nvPr/>
+            </p:nvSpPr>
+            <p:spPr>
+              <a:xfrm>
+                <a:off x="2945819" y="4674076"/>
+                <a:ext cx="200889" cy="276999"/>
+              </a:xfrm>
+              <a:prstGeom prst="rect">
+                <a:avLst/>
+              </a:prstGeom>
+              <a:blipFill>
+                <a:blip r:embed="rId8"/>
+                <a:stretch>
+                  <a:fillRect l="-27273" r="-24242" b="-6667"/>
+                </a:stretch>
+              </a:blipFill>
+            </p:spPr>
+            <p:txBody>
+              <a:bodyPr/>
+              <a:lstStyle/>
+              <a:p>
+                <a:r>
+                  <a:rPr lang="en-US">
+                    <a:noFill/>
+                  </a:rPr>
+                  <a:t> </a:t>
+                </a:r>
+              </a:p>
+            </p:txBody>
+          </p:sp>
+        </mc:Fallback>
+      </mc:AlternateContent>
+      <mc:AlternateContent xmlns:mc="http://schemas.openxmlformats.org/markup-compatibility/2006">
+        <mc:Choice xmlns:a14="http://schemas.microsoft.com/office/drawing/2010/main" Requires="a14">
+          <p:sp>
+            <p:nvSpPr>
+              <p:cNvPr id="102" name="TextBox 101">
+                <a:extLst>
+                  <a:ext uri="{FF2B5EF4-FFF2-40B4-BE49-F238E27FC236}">
+                    <a16:creationId xmlns:a16="http://schemas.microsoft.com/office/drawing/2014/main" id="{9250654F-8E5D-4522-AA2D-45C67D80E899}"/>
+                  </a:ext>
+                </a:extLst>
+              </p:cNvPr>
+              <p:cNvSpPr txBox="1"/>
+              <p:nvPr/>
+            </p:nvSpPr>
+            <p:spPr>
+              <a:xfrm>
+                <a:off x="2578358" y="5850827"/>
+                <a:ext cx="603947" cy="226665"/>
+              </a:xfrm>
+              <a:prstGeom prst="rect">
+                <a:avLst/>
+              </a:prstGeom>
+              <a:noFill/>
+            </p:spPr>
+            <p:txBody>
+              <a:bodyPr wrap="none" lIns="0" tIns="0" rIns="0" bIns="0" rtlCol="0">
+                <a:spAutoFit/>
+              </a:bodyPr>
+              <a:lstStyle/>
+              <a:p>
+                <a:pPr/>
+                <a14:m>
+                  <m:oMathPara xmlns:m="http://schemas.openxmlformats.org/officeDocument/2006/math">
+                    <m:oMathParaPr>
+                      <m:jc m:val="centerGroup"/>
+                    </m:oMathParaPr>
+                    <m:oMath xmlns:m="http://schemas.openxmlformats.org/officeDocument/2006/math">
+                      <m:sSubSup>
+                        <m:sSubSupPr>
+                          <m:ctrlPr>
+                            <a:rPr lang="en-US" sz="1400" b="0" i="1" smtClean="0">
+                              <a:latin typeface="Cambria Math" panose="02040503050406030204" pitchFamily="18" charset="0"/>
+                            </a:rPr>
+                          </m:ctrlPr>
+                        </m:sSubSupPr>
+                        <m:e>
+                          <m:r>
+                            <a:rPr lang="en-US" sz="1400" b="0" i="1" smtClean="0">
+                              <a:latin typeface="Cambria Math" panose="02040503050406030204" pitchFamily="18" charset="0"/>
+                            </a:rPr>
+                            <m:t>𝑒</m:t>
+                          </m:r>
+                        </m:e>
+                        <m:sub>
+                          <m:r>
+                            <a:rPr lang="en-US" sz="1400" b="0" i="1" smtClean="0">
+                              <a:latin typeface="Cambria Math" panose="02040503050406030204" pitchFamily="18" charset="0"/>
+                            </a:rPr>
+                            <m:t>𝑏𝑜𝑡𝑡𝑜𝑚</m:t>
+                          </m:r>
+                        </m:sub>
+                        <m:sup>
+                          <m:r>
+                            <a:rPr lang="en-US" sz="1400" b="0" i="1" smtClean="0">
+                              <a:latin typeface="Cambria Math" panose="02040503050406030204" pitchFamily="18" charset="0"/>
+                            </a:rPr>
+                            <m:t>𝐶</m:t>
+                          </m:r>
+                        </m:sup>
+                      </m:sSubSup>
+                    </m:oMath>
+                  </m:oMathPara>
+                </a14:m>
+                <a:endParaRPr lang="en-US" sz="1400" dirty="0"/>
+              </a:p>
+            </p:txBody>
+          </p:sp>
+        </mc:Choice>
+        <mc:Fallback>
+          <p:sp>
+            <p:nvSpPr>
+              <p:cNvPr id="102" name="TextBox 101">
+                <a:extLst>
+                  <a:ext uri="{FF2B5EF4-FFF2-40B4-BE49-F238E27FC236}">
+                    <a16:creationId xmlns:a16="http://schemas.microsoft.com/office/drawing/2014/main" id="{9250654F-8E5D-4522-AA2D-45C67D80E899}"/>
+                  </a:ext>
+                </a:extLst>
+              </p:cNvPr>
+              <p:cNvSpPr txBox="1">
+                <a:spLocks noRot="1" noChangeAspect="1" noMove="1" noResize="1" noEditPoints="1" noAdjustHandles="1" noChangeArrowheads="1" noChangeShapeType="1" noTextEdit="1"/>
+              </p:cNvSpPr>
+              <p:nvPr/>
+            </p:nvSpPr>
+            <p:spPr>
+              <a:xfrm>
+                <a:off x="2578358" y="5850827"/>
+                <a:ext cx="603947" cy="226665"/>
+              </a:xfrm>
+              <a:prstGeom prst="rect">
+                <a:avLst/>
+              </a:prstGeom>
+              <a:blipFill>
+                <a:blip r:embed="rId7"/>
+                <a:stretch>
+                  <a:fillRect l="-4040" t="-2703" r="-1010" b="-16216"/>
+                </a:stretch>
+              </a:blipFill>
+            </p:spPr>
+            <p:txBody>
+              <a:bodyPr/>
+              <a:lstStyle/>
+              <a:p>
+                <a:r>
+                  <a:rPr lang="en-US">
+                    <a:noFill/>
+                  </a:rPr>
+                  <a:t> </a:t>
+                </a:r>
+              </a:p>
+            </p:txBody>
+          </p:sp>
+        </mc:Fallback>
+      </mc:AlternateContent>
+      <p:cxnSp>
+        <p:nvCxnSpPr>
+          <p:cNvPr id="103" name="Straight Connector 102">
+            <a:extLst>
+              <a:ext uri="{FF2B5EF4-FFF2-40B4-BE49-F238E27FC236}">
+                <a16:creationId xmlns:a16="http://schemas.microsoft.com/office/drawing/2014/main" id="{E7A0777D-9607-4F67-87D9-954756B71E83}"/>
+              </a:ext>
+            </a:extLst>
+          </p:cNvPr>
+          <p:cNvCxnSpPr>
+            <a:cxnSpLocks/>
+          </p:cNvCxnSpPr>
+          <p:nvPr/>
+        </p:nvCxnSpPr>
+        <p:spPr>
+          <a:xfrm>
+            <a:off x="6680819" y="4223142"/>
+            <a:ext cx="0" cy="1367922"/>
+          </a:xfrm>
+          <a:prstGeom prst="line">
+            <a:avLst/>
+          </a:prstGeom>
+          <a:ln>
+            <a:prstDash val="dash"/>
+          </a:ln>
+        </p:spPr>
+        <p:style>
+          <a:lnRef idx="1">
+            <a:schemeClr val="dk1"/>
+          </a:lnRef>
+          <a:fillRef idx="0">
+            <a:schemeClr val="dk1"/>
+          </a:fillRef>
+          <a:effectRef idx="0">
+            <a:schemeClr val="dk1"/>
+          </a:effectRef>
+          <a:fontRef idx="minor">
+            <a:schemeClr val="tx1"/>
+          </a:fontRef>
+        </p:style>
+      </p:cxnSp>
+      <p:cxnSp>
+        <p:nvCxnSpPr>
+          <p:cNvPr id="104" name="Straight Connector 103">
+            <a:extLst>
+              <a:ext uri="{FF2B5EF4-FFF2-40B4-BE49-F238E27FC236}">
+                <a16:creationId xmlns:a16="http://schemas.microsoft.com/office/drawing/2014/main" id="{EE73D18D-C76C-4EDB-B59E-F8D818CA87D4}"/>
+              </a:ext>
+            </a:extLst>
+          </p:cNvPr>
+          <p:cNvCxnSpPr>
+            <a:cxnSpLocks/>
+          </p:cNvCxnSpPr>
+          <p:nvPr/>
+        </p:nvCxnSpPr>
+        <p:spPr>
+          <a:xfrm>
+            <a:off x="8169708" y="3836769"/>
+            <a:ext cx="0" cy="2406246"/>
+          </a:xfrm>
+          <a:prstGeom prst="line">
+            <a:avLst/>
+          </a:prstGeom>
+          <a:ln>
+            <a:prstDash val="dash"/>
+          </a:ln>
+        </p:spPr>
+        <p:style>
+          <a:lnRef idx="1">
+            <a:schemeClr val="dk1"/>
+          </a:lnRef>
+          <a:fillRef idx="0">
+            <a:schemeClr val="dk1"/>
+          </a:fillRef>
+          <a:effectRef idx="0">
+            <a:schemeClr val="dk1"/>
+          </a:effectRef>
+          <a:fontRef idx="minor">
+            <a:schemeClr val="tx1"/>
+          </a:fontRef>
+        </p:style>
+      </p:cxnSp>
+      <p:cxnSp>
+        <p:nvCxnSpPr>
+          <p:cNvPr id="105" name="Straight Connector 104">
+            <a:extLst>
+              <a:ext uri="{FF2B5EF4-FFF2-40B4-BE49-F238E27FC236}">
+                <a16:creationId xmlns:a16="http://schemas.microsoft.com/office/drawing/2014/main" id="{42D8CA1E-7248-4372-B86D-9171E9A06964}"/>
+              </a:ext>
+            </a:extLst>
+          </p:cNvPr>
+          <p:cNvCxnSpPr>
+            <a:cxnSpLocks/>
+          </p:cNvCxnSpPr>
+          <p:nvPr/>
+        </p:nvCxnSpPr>
+        <p:spPr>
+          <a:xfrm flipV="1">
+            <a:off x="6680818" y="3674073"/>
+            <a:ext cx="2028640" cy="556750"/>
+          </a:xfrm>
+          <a:prstGeom prst="line">
+            <a:avLst/>
+          </a:prstGeom>
+        </p:spPr>
+        <p:style>
+          <a:lnRef idx="1">
+            <a:schemeClr val="dk1"/>
+          </a:lnRef>
+          <a:fillRef idx="0">
+            <a:schemeClr val="dk1"/>
+          </a:fillRef>
+          <a:effectRef idx="0">
+            <a:schemeClr val="dk1"/>
+          </a:effectRef>
+          <a:fontRef idx="minor">
+            <a:schemeClr val="tx1"/>
+          </a:fontRef>
+        </p:style>
+      </p:cxnSp>
+      <p:cxnSp>
+        <p:nvCxnSpPr>
+          <p:cNvPr id="106" name="Straight Connector 105">
+            <a:extLst>
+              <a:ext uri="{FF2B5EF4-FFF2-40B4-BE49-F238E27FC236}">
+                <a16:creationId xmlns:a16="http://schemas.microsoft.com/office/drawing/2014/main" id="{4D367907-F7AC-4B90-B0BA-E6A3315CAE60}"/>
+              </a:ext>
+            </a:extLst>
+          </p:cNvPr>
+          <p:cNvCxnSpPr>
+            <a:cxnSpLocks/>
+          </p:cNvCxnSpPr>
+          <p:nvPr/>
+        </p:nvCxnSpPr>
+        <p:spPr>
+          <a:xfrm>
+            <a:off x="6436618" y="5485851"/>
+            <a:ext cx="1733090" cy="757164"/>
+          </a:xfrm>
+          <a:prstGeom prst="line">
+            <a:avLst/>
+          </a:prstGeom>
+        </p:spPr>
+        <p:style>
+          <a:lnRef idx="1">
+            <a:schemeClr val="dk1"/>
+          </a:lnRef>
+          <a:fillRef idx="0">
+            <a:schemeClr val="dk1"/>
+          </a:fillRef>
+          <a:effectRef idx="0">
+            <a:schemeClr val="dk1"/>
+          </a:effectRef>
+          <a:fontRef idx="minor">
+            <a:schemeClr val="tx1"/>
+          </a:fontRef>
+        </p:style>
+      </p:cxnSp>
+      <mc:AlternateContent xmlns:mc="http://schemas.openxmlformats.org/markup-compatibility/2006">
+        <mc:Choice xmlns:a14="http://schemas.microsoft.com/office/drawing/2010/main" Requires="a14">
+          <p:sp>
+            <p:nvSpPr>
+              <p:cNvPr id="107" name="TextBox 106">
+                <a:extLst>
+                  <a:ext uri="{FF2B5EF4-FFF2-40B4-BE49-F238E27FC236}">
+                    <a16:creationId xmlns:a16="http://schemas.microsoft.com/office/drawing/2014/main" id="{3962480A-BFBA-492C-BFE0-E50A0AFF8684}"/>
+                  </a:ext>
+                </a:extLst>
+              </p:cNvPr>
+              <p:cNvSpPr txBox="1"/>
+              <p:nvPr/>
+            </p:nvSpPr>
+            <p:spPr>
+              <a:xfrm>
+                <a:off x="7323639" y="4801797"/>
+                <a:ext cx="200889" cy="276999"/>
+              </a:xfrm>
+              <a:prstGeom prst="rect">
+                <a:avLst/>
+              </a:prstGeom>
+              <a:noFill/>
+            </p:spPr>
+            <p:txBody>
+              <a:bodyPr wrap="none" lIns="0" tIns="0" rIns="0" bIns="0" rtlCol="0">
+                <a:spAutoFit/>
+              </a:bodyPr>
+              <a:lstStyle/>
+              <a:p>
+                <a:pPr/>
+                <a14:m>
+                  <m:oMathPara xmlns:m="http://schemas.openxmlformats.org/officeDocument/2006/math">
+                    <m:oMathParaPr>
+                      <m:jc m:val="centerGroup"/>
+                    </m:oMathParaPr>
+                    <m:oMath xmlns:m="http://schemas.openxmlformats.org/officeDocument/2006/math">
+                      <m:r>
+                        <a:rPr lang="en-US" b="0" i="1" smtClean="0">
+                          <a:latin typeface="Cambria Math" panose="02040503050406030204" pitchFamily="18" charset="0"/>
+                        </a:rPr>
+                        <m:t>𝐶</m:t>
+                      </m:r>
+                    </m:oMath>
+                  </m:oMathPara>
+                </a14:m>
+                <a:endParaRPr lang="en-US" dirty="0"/>
+              </a:p>
+            </p:txBody>
+          </p:sp>
+        </mc:Choice>
+        <mc:Fallback>
+          <p:sp>
+            <p:nvSpPr>
+              <p:cNvPr id="107" name="TextBox 106">
+                <a:extLst>
+                  <a:ext uri="{FF2B5EF4-FFF2-40B4-BE49-F238E27FC236}">
+                    <a16:creationId xmlns:a16="http://schemas.microsoft.com/office/drawing/2014/main" id="{3962480A-BFBA-492C-BFE0-E50A0AFF8684}"/>
+                  </a:ext>
+                </a:extLst>
+              </p:cNvPr>
+              <p:cNvSpPr txBox="1">
+                <a:spLocks noRot="1" noChangeAspect="1" noMove="1" noResize="1" noEditPoints="1" noAdjustHandles="1" noChangeArrowheads="1" noChangeShapeType="1" noTextEdit="1"/>
+              </p:cNvSpPr>
+              <p:nvPr/>
+            </p:nvSpPr>
+            <p:spPr>
+              <a:xfrm>
+                <a:off x="7323639" y="4801797"/>
+                <a:ext cx="200889" cy="276999"/>
+              </a:xfrm>
+              <a:prstGeom prst="rect">
+                <a:avLst/>
+              </a:prstGeom>
+              <a:blipFill>
+                <a:blip r:embed="rId9"/>
+                <a:stretch>
+                  <a:fillRect l="-27273" r="-24242" b="-6667"/>
+                </a:stretch>
+              </a:blipFill>
+            </p:spPr>
+            <p:txBody>
+              <a:bodyPr/>
+              <a:lstStyle/>
+              <a:p>
+                <a:r>
+                  <a:rPr lang="en-US">
+                    <a:noFill/>
+                  </a:rPr>
+                  <a:t> </a:t>
+                </a:r>
+              </a:p>
+            </p:txBody>
+          </p:sp>
+        </mc:Fallback>
+      </mc:AlternateContent>
+      <mc:AlternateContent xmlns:mc="http://schemas.openxmlformats.org/markup-compatibility/2006">
+        <mc:Choice xmlns:a14="http://schemas.microsoft.com/office/drawing/2010/main" Requires="a14">
+          <p:sp>
+            <p:nvSpPr>
+              <p:cNvPr id="113" name="TextBox 112">
+                <a:extLst>
+                  <a:ext uri="{FF2B5EF4-FFF2-40B4-BE49-F238E27FC236}">
+                    <a16:creationId xmlns:a16="http://schemas.microsoft.com/office/drawing/2014/main" id="{35ED3075-1786-46B0-AA74-074EA1BE2D5D}"/>
+                  </a:ext>
+                </a:extLst>
+              </p:cNvPr>
+              <p:cNvSpPr txBox="1"/>
+              <p:nvPr/>
+            </p:nvSpPr>
+            <p:spPr>
+              <a:xfrm>
+                <a:off x="6948464" y="5859672"/>
+                <a:ext cx="603947" cy="226665"/>
+              </a:xfrm>
+              <a:prstGeom prst="rect">
+                <a:avLst/>
+              </a:prstGeom>
+              <a:noFill/>
+            </p:spPr>
+            <p:txBody>
+              <a:bodyPr wrap="none" lIns="0" tIns="0" rIns="0" bIns="0" rtlCol="0">
+                <a:spAutoFit/>
+              </a:bodyPr>
+              <a:lstStyle/>
+              <a:p>
+                <a:pPr/>
+                <a14:m>
+                  <m:oMathPara xmlns:m="http://schemas.openxmlformats.org/officeDocument/2006/math">
+                    <m:oMathParaPr>
+                      <m:jc m:val="centerGroup"/>
+                    </m:oMathParaPr>
+                    <m:oMath xmlns:m="http://schemas.openxmlformats.org/officeDocument/2006/math">
+                      <m:sSubSup>
+                        <m:sSubSupPr>
+                          <m:ctrlPr>
+                            <a:rPr lang="en-US" sz="1400" i="1">
+                              <a:latin typeface="Cambria Math" panose="02040503050406030204" pitchFamily="18" charset="0"/>
+                            </a:rPr>
+                          </m:ctrlPr>
+                        </m:sSubSupPr>
+                        <m:e>
+                          <m:r>
+                            <a:rPr lang="en-US" sz="1400" i="1">
+                              <a:latin typeface="Cambria Math" panose="02040503050406030204" pitchFamily="18" charset="0"/>
+                            </a:rPr>
+                            <m:t>𝑒</m:t>
+                          </m:r>
+                        </m:e>
+                        <m:sub>
+                          <m:r>
+                            <a:rPr lang="en-US" sz="1400" i="1">
+                              <a:latin typeface="Cambria Math" panose="02040503050406030204" pitchFamily="18" charset="0"/>
+                            </a:rPr>
+                            <m:t>𝑏𝑜𝑡𝑡𝑜𝑚</m:t>
+                          </m:r>
+                        </m:sub>
+                        <m:sup>
+                          <m:r>
+                            <a:rPr lang="en-US" sz="1400" i="1">
+                              <a:latin typeface="Cambria Math" panose="02040503050406030204" pitchFamily="18" charset="0"/>
+                            </a:rPr>
+                            <m:t>𝐶</m:t>
+                          </m:r>
+                        </m:sup>
+                      </m:sSubSup>
+                    </m:oMath>
+                  </m:oMathPara>
+                </a14:m>
+                <a:endParaRPr lang="en-US" sz="1400" dirty="0"/>
+              </a:p>
+            </p:txBody>
+          </p:sp>
+        </mc:Choice>
+        <mc:Fallback>
+          <p:sp>
+            <p:nvSpPr>
+              <p:cNvPr id="113" name="TextBox 112">
+                <a:extLst>
+                  <a:ext uri="{FF2B5EF4-FFF2-40B4-BE49-F238E27FC236}">
+                    <a16:creationId xmlns:a16="http://schemas.microsoft.com/office/drawing/2014/main" id="{35ED3075-1786-46B0-AA74-074EA1BE2D5D}"/>
+                  </a:ext>
+                </a:extLst>
+              </p:cNvPr>
+              <p:cNvSpPr txBox="1">
+                <a:spLocks noRot="1" noChangeAspect="1" noMove="1" noResize="1" noEditPoints="1" noAdjustHandles="1" noChangeArrowheads="1" noChangeShapeType="1" noTextEdit="1"/>
+              </p:cNvSpPr>
+              <p:nvPr/>
+            </p:nvSpPr>
+            <p:spPr>
+              <a:xfrm>
+                <a:off x="6948464" y="5859672"/>
+                <a:ext cx="603947" cy="226665"/>
+              </a:xfrm>
+              <a:prstGeom prst="rect">
+                <a:avLst/>
+              </a:prstGeom>
+              <a:blipFill>
+                <a:blip r:embed="rId4"/>
+                <a:stretch>
+                  <a:fillRect l="-4040" t="-2703" r="-1010" b="-18919"/>
+                </a:stretch>
+              </a:blipFill>
+            </p:spPr>
+            <p:txBody>
+              <a:bodyPr/>
+              <a:lstStyle/>
+              <a:p>
+                <a:r>
+                  <a:rPr lang="en-US">
+                    <a:noFill/>
+                  </a:rPr>
+                  <a:t> </a:t>
+                </a:r>
+              </a:p>
+            </p:txBody>
+          </p:sp>
+        </mc:Fallback>
+      </mc:AlternateContent>
+      <p:cxnSp>
+        <p:nvCxnSpPr>
+          <p:cNvPr id="114" name="Straight Connector 113">
+            <a:extLst>
+              <a:ext uri="{FF2B5EF4-FFF2-40B4-BE49-F238E27FC236}">
+                <a16:creationId xmlns:a16="http://schemas.microsoft.com/office/drawing/2014/main" id="{CDE30554-DD59-4872-80F5-CB385114586D}"/>
+              </a:ext>
+            </a:extLst>
+          </p:cNvPr>
+          <p:cNvCxnSpPr>
+            <a:cxnSpLocks/>
+          </p:cNvCxnSpPr>
+          <p:nvPr/>
+        </p:nvCxnSpPr>
+        <p:spPr>
+          <a:xfrm flipV="1">
+            <a:off x="3810078" y="4804112"/>
+            <a:ext cx="745625" cy="98236"/>
+          </a:xfrm>
+          <a:prstGeom prst="line">
+            <a:avLst/>
+          </a:prstGeom>
+        </p:spPr>
+        <p:style>
+          <a:lnRef idx="1">
+            <a:schemeClr val="dk1"/>
+          </a:lnRef>
+          <a:fillRef idx="0">
+            <a:schemeClr val="dk1"/>
+          </a:fillRef>
+          <a:effectRef idx="0">
+            <a:schemeClr val="dk1"/>
+          </a:effectRef>
+          <a:fontRef idx="minor">
+            <a:schemeClr val="tx1"/>
+          </a:fontRef>
+        </p:style>
+      </p:cxnSp>
+      <p:cxnSp>
+        <p:nvCxnSpPr>
+          <p:cNvPr id="115" name="Straight Connector 114">
+            <a:extLst>
+              <a:ext uri="{FF2B5EF4-FFF2-40B4-BE49-F238E27FC236}">
+                <a16:creationId xmlns:a16="http://schemas.microsoft.com/office/drawing/2014/main" id="{DE69FB72-7D33-4643-A4D4-5D054D611667}"/>
+              </a:ext>
+            </a:extLst>
+          </p:cNvPr>
+          <p:cNvCxnSpPr>
+            <a:cxnSpLocks/>
+          </p:cNvCxnSpPr>
+          <p:nvPr/>
+        </p:nvCxnSpPr>
+        <p:spPr>
+          <a:xfrm>
+            <a:off x="3810078" y="4902346"/>
+            <a:ext cx="745625" cy="223768"/>
+          </a:xfrm>
+          <a:prstGeom prst="line">
+            <a:avLst/>
+          </a:prstGeom>
+        </p:spPr>
+        <p:style>
+          <a:lnRef idx="1">
+            <a:schemeClr val="dk1"/>
+          </a:lnRef>
+          <a:fillRef idx="0">
+            <a:schemeClr val="dk1"/>
+          </a:fillRef>
+          <a:effectRef idx="0">
+            <a:schemeClr val="dk1"/>
+          </a:effectRef>
+          <a:fontRef idx="minor">
+            <a:schemeClr val="tx1"/>
+          </a:fontRef>
+        </p:style>
+      </p:cxnSp>
+      <p:cxnSp>
+        <p:nvCxnSpPr>
+          <p:cNvPr id="117" name="Straight Connector 116">
+            <a:extLst>
+              <a:ext uri="{FF2B5EF4-FFF2-40B4-BE49-F238E27FC236}">
+                <a16:creationId xmlns:a16="http://schemas.microsoft.com/office/drawing/2014/main" id="{105690A1-7764-4DD6-9213-6ECB0B62A63D}"/>
+              </a:ext>
+            </a:extLst>
+          </p:cNvPr>
+          <p:cNvCxnSpPr>
+            <a:cxnSpLocks/>
+          </p:cNvCxnSpPr>
+          <p:nvPr/>
+        </p:nvCxnSpPr>
+        <p:spPr>
+          <a:xfrm flipV="1">
+            <a:off x="8169708" y="4769097"/>
+            <a:ext cx="745625" cy="140141"/>
+          </a:xfrm>
+          <a:prstGeom prst="line">
+            <a:avLst/>
+          </a:prstGeom>
+        </p:spPr>
+        <p:style>
+          <a:lnRef idx="1">
+            <a:schemeClr val="dk1"/>
+          </a:lnRef>
+          <a:fillRef idx="0">
+            <a:schemeClr val="dk1"/>
+          </a:fillRef>
+          <a:effectRef idx="0">
+            <a:schemeClr val="dk1"/>
+          </a:effectRef>
+          <a:fontRef idx="minor">
+            <a:schemeClr val="tx1"/>
+          </a:fontRef>
+        </p:style>
+      </p:cxnSp>
+      <p:cxnSp>
+        <p:nvCxnSpPr>
+          <p:cNvPr id="118" name="Straight Connector 117">
+            <a:extLst>
+              <a:ext uri="{FF2B5EF4-FFF2-40B4-BE49-F238E27FC236}">
+                <a16:creationId xmlns:a16="http://schemas.microsoft.com/office/drawing/2014/main" id="{DE4BD797-B627-4B7C-A87F-338029462AC5}"/>
+              </a:ext>
+            </a:extLst>
+          </p:cNvPr>
+          <p:cNvCxnSpPr>
+            <a:cxnSpLocks/>
+          </p:cNvCxnSpPr>
+          <p:nvPr/>
+        </p:nvCxnSpPr>
+        <p:spPr>
+          <a:xfrm>
+            <a:off x="8169708" y="4909235"/>
+            <a:ext cx="745625" cy="161350"/>
+          </a:xfrm>
+          <a:prstGeom prst="line">
+            <a:avLst/>
+          </a:prstGeom>
+        </p:spPr>
+        <p:style>
+          <a:lnRef idx="1">
+            <a:schemeClr val="dk1"/>
+          </a:lnRef>
+          <a:fillRef idx="0">
+            <a:schemeClr val="dk1"/>
+          </a:fillRef>
+          <a:effectRef idx="0">
+            <a:schemeClr val="dk1"/>
+          </a:effectRef>
+          <a:fontRef idx="minor">
+            <a:schemeClr val="tx1"/>
+          </a:fontRef>
+        </p:style>
+      </p:cxnSp>
+      <p:cxnSp>
+        <p:nvCxnSpPr>
+          <p:cNvPr id="119" name="Straight Connector 118">
+            <a:extLst>
+              <a:ext uri="{FF2B5EF4-FFF2-40B4-BE49-F238E27FC236}">
+                <a16:creationId xmlns:a16="http://schemas.microsoft.com/office/drawing/2014/main" id="{879C91B4-67A6-4934-AB9A-4169F368A2EF}"/>
+              </a:ext>
+            </a:extLst>
+          </p:cNvPr>
+          <p:cNvCxnSpPr>
+            <a:cxnSpLocks/>
+          </p:cNvCxnSpPr>
+          <p:nvPr/>
+        </p:nvCxnSpPr>
+        <p:spPr>
+          <a:xfrm flipH="1" flipV="1">
+            <a:off x="4440574" y="3712173"/>
+            <a:ext cx="115129" cy="1091939"/>
+          </a:xfrm>
+          <a:prstGeom prst="line">
+            <a:avLst/>
+          </a:prstGeom>
+        </p:spPr>
+        <p:style>
+          <a:lnRef idx="1">
+            <a:schemeClr val="dk1"/>
+          </a:lnRef>
+          <a:fillRef idx="0">
+            <a:schemeClr val="dk1"/>
+          </a:fillRef>
+          <a:effectRef idx="0">
+            <a:schemeClr val="dk1"/>
+          </a:effectRef>
+          <a:fontRef idx="minor">
+            <a:schemeClr val="tx1"/>
+          </a:fontRef>
+        </p:style>
+      </p:cxnSp>
+      <p:cxnSp>
+        <p:nvCxnSpPr>
+          <p:cNvPr id="120" name="Straight Connector 119">
+            <a:extLst>
+              <a:ext uri="{FF2B5EF4-FFF2-40B4-BE49-F238E27FC236}">
+                <a16:creationId xmlns:a16="http://schemas.microsoft.com/office/drawing/2014/main" id="{DEAEF306-8189-4DCA-A1B4-FE1656293A43}"/>
+              </a:ext>
+            </a:extLst>
+          </p:cNvPr>
+          <p:cNvCxnSpPr>
+            <a:cxnSpLocks/>
+          </p:cNvCxnSpPr>
+          <p:nvPr/>
+        </p:nvCxnSpPr>
+        <p:spPr>
+          <a:xfrm flipV="1">
+            <a:off x="3684941" y="5126114"/>
+            <a:ext cx="867661" cy="1087753"/>
+          </a:xfrm>
+          <a:prstGeom prst="line">
+            <a:avLst/>
+          </a:prstGeom>
+        </p:spPr>
+        <p:style>
+          <a:lnRef idx="1">
+            <a:schemeClr val="dk1"/>
+          </a:lnRef>
+          <a:fillRef idx="0">
+            <a:schemeClr val="dk1"/>
+          </a:fillRef>
+          <a:effectRef idx="0">
+            <a:schemeClr val="dk1"/>
+          </a:effectRef>
+          <a:fontRef idx="minor">
+            <a:schemeClr val="tx1"/>
+          </a:fontRef>
+        </p:style>
+      </p:cxnSp>
+      <p:cxnSp>
+        <p:nvCxnSpPr>
+          <p:cNvPr id="125" name="Straight Connector 124">
+            <a:extLst>
+              <a:ext uri="{FF2B5EF4-FFF2-40B4-BE49-F238E27FC236}">
+                <a16:creationId xmlns:a16="http://schemas.microsoft.com/office/drawing/2014/main" id="{79A8182D-4E44-4F28-8354-6EFD4E7F4D25}"/>
+              </a:ext>
+            </a:extLst>
+          </p:cNvPr>
+          <p:cNvCxnSpPr>
+            <a:cxnSpLocks/>
+          </p:cNvCxnSpPr>
+          <p:nvPr/>
+        </p:nvCxnSpPr>
+        <p:spPr>
+          <a:xfrm flipH="1" flipV="1">
+            <a:off x="8709458" y="3666623"/>
+            <a:ext cx="205875" cy="1099389"/>
+          </a:xfrm>
+          <a:prstGeom prst="line">
+            <a:avLst/>
+          </a:prstGeom>
+        </p:spPr>
+        <p:style>
+          <a:lnRef idx="1">
+            <a:schemeClr val="dk1"/>
+          </a:lnRef>
+          <a:fillRef idx="0">
+            <a:schemeClr val="dk1"/>
+          </a:fillRef>
+          <a:effectRef idx="0">
+            <a:schemeClr val="dk1"/>
+          </a:effectRef>
+          <a:fontRef idx="minor">
+            <a:schemeClr val="tx1"/>
+          </a:fontRef>
+        </p:style>
+      </p:cxnSp>
+      <p:cxnSp>
+        <p:nvCxnSpPr>
+          <p:cNvPr id="128" name="Straight Connector 127">
+            <a:extLst>
+              <a:ext uri="{FF2B5EF4-FFF2-40B4-BE49-F238E27FC236}">
+                <a16:creationId xmlns:a16="http://schemas.microsoft.com/office/drawing/2014/main" id="{0B553018-0DF0-4861-9401-43A78CD7076A}"/>
+              </a:ext>
+            </a:extLst>
+          </p:cNvPr>
+          <p:cNvCxnSpPr>
+            <a:cxnSpLocks/>
+          </p:cNvCxnSpPr>
+          <p:nvPr/>
+        </p:nvCxnSpPr>
+        <p:spPr>
+          <a:xfrm flipH="1">
+            <a:off x="8164844" y="5070585"/>
+            <a:ext cx="750489" cy="1172920"/>
+          </a:xfrm>
+          <a:prstGeom prst="line">
+            <a:avLst/>
+          </a:prstGeom>
+        </p:spPr>
+        <p:style>
+          <a:lnRef idx="1">
+            <a:schemeClr val="dk1"/>
+          </a:lnRef>
+          <a:fillRef idx="0">
+            <a:schemeClr val="dk1"/>
+          </a:fillRef>
+          <a:effectRef idx="0">
+            <a:schemeClr val="dk1"/>
+          </a:effectRef>
+          <a:fontRef idx="minor">
+            <a:schemeClr val="tx1"/>
+          </a:fontRef>
+        </p:style>
+      </p:cxnSp>
+      <p:sp>
+        <p:nvSpPr>
+          <p:cNvPr id="131" name="Arrow: Right 130">
+            <a:extLst>
+              <a:ext uri="{FF2B5EF4-FFF2-40B4-BE49-F238E27FC236}">
+                <a16:creationId xmlns:a16="http://schemas.microsoft.com/office/drawing/2014/main" id="{B05D89CA-0E7F-4CCB-AD5E-13CF65AEBE9D}"/>
+              </a:ext>
+            </a:extLst>
+          </p:cNvPr>
+          <p:cNvSpPr/>
+          <p:nvPr/>
+        </p:nvSpPr>
+        <p:spPr>
+          <a:xfrm>
+            <a:off x="4993632" y="1786773"/>
+            <a:ext cx="1120030" cy="299569"/>
+          </a:xfrm>
+          <a:prstGeom prst="rightArrow">
+            <a:avLst/>
+          </a:prstGeom>
+          <a:noFill/>
+        </p:spPr>
+        <p:style>
+          <a:lnRef idx="2">
+            <a:schemeClr val="dk1">
+              <a:shade val="50000"/>
+            </a:schemeClr>
+          </a:lnRef>
+          <a:fillRef idx="1">
+            <a:schemeClr val="dk1"/>
+          </a:fillRef>
+          <a:effectRef idx="0">
+            <a:schemeClr val="dk1"/>
+          </a:effectRef>
+          <a:fontRef idx="minor">
+            <a:schemeClr val="lt1"/>
+          </a:fontRef>
+        </p:style>
+        <p:txBody>
+          <a:bodyPr rtlCol="0" anchor="ctr"/>
+          <a:lstStyle/>
+          <a:p>
+            <a:pPr algn="ctr"/>
+            <a:endParaRPr lang="en-US" sz="1000" dirty="0">
+              <a:solidFill>
+                <a:schemeClr val="tx1"/>
+              </a:solidFill>
+            </a:endParaRPr>
+          </a:p>
+        </p:txBody>
+      </p:sp>
+      <p:sp>
+        <p:nvSpPr>
+          <p:cNvPr id="132" name="Arrow: Right 131">
+            <a:extLst>
+              <a:ext uri="{FF2B5EF4-FFF2-40B4-BE49-F238E27FC236}">
+                <a16:creationId xmlns:a16="http://schemas.microsoft.com/office/drawing/2014/main" id="{4A57F266-B848-4250-82D6-E94D92BED9CF}"/>
+              </a:ext>
+            </a:extLst>
+          </p:cNvPr>
+          <p:cNvSpPr/>
+          <p:nvPr/>
+        </p:nvSpPr>
+        <p:spPr>
+          <a:xfrm>
+            <a:off x="4951167" y="4771016"/>
+            <a:ext cx="1120030" cy="299569"/>
+          </a:xfrm>
+          <a:prstGeom prst="rightArrow">
+            <a:avLst/>
+          </a:prstGeom>
+          <a:noFill/>
+        </p:spPr>
+        <p:style>
+          <a:lnRef idx="2">
+            <a:schemeClr val="dk1">
+              <a:shade val="50000"/>
+            </a:schemeClr>
+          </a:lnRef>
+          <a:fillRef idx="1">
+            <a:schemeClr val="dk1"/>
+          </a:fillRef>
+          <a:effectRef idx="0">
+            <a:schemeClr val="dk1"/>
+          </a:effectRef>
+          <a:fontRef idx="minor">
+            <a:schemeClr val="lt1"/>
+          </a:fontRef>
+        </p:style>
+        <p:txBody>
+          <a:bodyPr rtlCol="0" anchor="ctr"/>
+          <a:lstStyle/>
+          <a:p>
+            <a:pPr algn="ctr"/>
+            <a:endParaRPr lang="en-US" sz="1000" dirty="0">
+              <a:solidFill>
+                <a:schemeClr val="tx1"/>
+              </a:solidFill>
+            </a:endParaRPr>
+          </a:p>
+        </p:txBody>
+      </p:sp>
+      <mc:AlternateContent xmlns:mc="http://schemas.openxmlformats.org/markup-compatibility/2006">
+        <mc:Choice xmlns:a14="http://schemas.microsoft.com/office/drawing/2010/main" Requires="a14">
+          <p:sp>
+            <p:nvSpPr>
+              <p:cNvPr id="133" name="TextBox 132">
+                <a:extLst>
+                  <a:ext uri="{FF2B5EF4-FFF2-40B4-BE49-F238E27FC236}">
+                    <a16:creationId xmlns:a16="http://schemas.microsoft.com/office/drawing/2014/main" id="{52BEA335-6CA9-4760-A887-666693C8DBA4}"/>
+                  </a:ext>
+                </a:extLst>
+              </p:cNvPr>
+              <p:cNvSpPr txBox="1"/>
+              <p:nvPr/>
+            </p:nvSpPr>
+            <p:spPr>
+              <a:xfrm>
+                <a:off x="1960878" y="3862552"/>
+                <a:ext cx="400366" cy="253083"/>
+              </a:xfrm>
+              <a:prstGeom prst="rect">
+                <a:avLst/>
+              </a:prstGeom>
+              <a:noFill/>
+            </p:spPr>
+            <p:txBody>
+              <a:bodyPr wrap="none" lIns="0" tIns="0" rIns="0" bIns="0" rtlCol="0">
+                <a:spAutoFit/>
+              </a:bodyPr>
+              <a:lstStyle/>
+              <a:p>
+                <a14:m>
+                  <m:oMathPara xmlns:m="http://schemas.openxmlformats.org/officeDocument/2006/math">
+                    <m:oMathParaPr>
+                      <m:jc m:val="centerGroup"/>
+                    </m:oMathParaPr>
+                    <m:oMath xmlns:m="http://schemas.openxmlformats.org/officeDocument/2006/math">
+                      <m:sSubSup>
+                        <m:sSubSupPr>
+                          <m:ctrlPr>
+                            <a:rPr lang="en-US" sz="1400" b="0" i="1" smtClean="0">
+                              <a:latin typeface="Cambria Math" panose="02040503050406030204" pitchFamily="18" charset="0"/>
+                            </a:rPr>
+                          </m:ctrlPr>
+                        </m:sSubSupPr>
+                        <m:e>
+                          <m:r>
+                            <a:rPr lang="en-US" sz="1400" i="1">
+                              <a:latin typeface="Cambria Math" panose="02040503050406030204" pitchFamily="18" charset="0"/>
+                            </a:rPr>
+                            <m:t>𝑣</m:t>
+                          </m:r>
+                        </m:e>
+                        <m:sub>
+                          <m:r>
+                            <a:rPr lang="en-US" sz="1400" b="0" i="1" smtClean="0">
+                              <a:latin typeface="Cambria Math" panose="02040503050406030204" pitchFamily="18" charset="0"/>
+                            </a:rPr>
+                            <m:t>𝑙𝑒𝑓𝑡</m:t>
+                          </m:r>
+                        </m:sub>
+                        <m:sup>
+                          <m:r>
+                            <a:rPr lang="en-US" sz="1400" b="0" i="1" smtClean="0">
+                              <a:latin typeface="Cambria Math" panose="02040503050406030204" pitchFamily="18" charset="0"/>
+                            </a:rPr>
+                            <m:t>𝐶</m:t>
+                          </m:r>
+                        </m:sup>
+                      </m:sSubSup>
+                    </m:oMath>
+                  </m:oMathPara>
+                </a14:m>
+                <a:endParaRPr lang="en-US" sz="1400" dirty="0"/>
+              </a:p>
+            </p:txBody>
+          </p:sp>
+        </mc:Choice>
+        <mc:Fallback>
+          <p:sp>
+            <p:nvSpPr>
+              <p:cNvPr id="133" name="TextBox 132">
+                <a:extLst>
+                  <a:ext uri="{FF2B5EF4-FFF2-40B4-BE49-F238E27FC236}">
+                    <a16:creationId xmlns:a16="http://schemas.microsoft.com/office/drawing/2014/main" id="{52BEA335-6CA9-4760-A887-666693C8DBA4}"/>
+                  </a:ext>
+                </a:extLst>
+              </p:cNvPr>
+              <p:cNvSpPr txBox="1">
+                <a:spLocks noRot="1" noChangeAspect="1" noMove="1" noResize="1" noEditPoints="1" noAdjustHandles="1" noChangeArrowheads="1" noChangeShapeType="1" noTextEdit="1"/>
+              </p:cNvSpPr>
+              <p:nvPr/>
+            </p:nvSpPr>
+            <p:spPr>
+              <a:xfrm>
+                <a:off x="1960878" y="3862552"/>
+                <a:ext cx="400366" cy="253083"/>
+              </a:xfrm>
+              <a:prstGeom prst="rect">
+                <a:avLst/>
+              </a:prstGeom>
+              <a:blipFill>
+                <a:blip r:embed="rId10"/>
+                <a:stretch>
+                  <a:fillRect l="-6154" r="-6154" b="-24390"/>
+                </a:stretch>
+              </a:blipFill>
+            </p:spPr>
+            <p:txBody>
+              <a:bodyPr/>
+              <a:lstStyle/>
+              <a:p>
+                <a:r>
+                  <a:rPr lang="en-US">
+                    <a:noFill/>
+                  </a:rPr>
+                  <a:t> </a:t>
+                </a:r>
+              </a:p>
+            </p:txBody>
+          </p:sp>
+        </mc:Fallback>
+      </mc:AlternateContent>
+      <mc:AlternateContent xmlns:mc="http://schemas.openxmlformats.org/markup-compatibility/2006">
+        <mc:Choice xmlns:a14="http://schemas.microsoft.com/office/drawing/2010/main" Requires="a14">
+          <p:sp>
+            <p:nvSpPr>
+              <p:cNvPr id="134" name="TextBox 133">
+                <a:extLst>
+                  <a:ext uri="{FF2B5EF4-FFF2-40B4-BE49-F238E27FC236}">
+                    <a16:creationId xmlns:a16="http://schemas.microsoft.com/office/drawing/2014/main" id="{C2210439-0AA3-4FA0-A4F4-871FB6632F85}"/>
+                  </a:ext>
+                </a:extLst>
+              </p:cNvPr>
+              <p:cNvSpPr txBox="1"/>
+              <p:nvPr/>
+            </p:nvSpPr>
+            <p:spPr>
+              <a:xfrm>
+                <a:off x="6181854" y="1061561"/>
+                <a:ext cx="400366" cy="253083"/>
+              </a:xfrm>
+              <a:prstGeom prst="rect">
+                <a:avLst/>
+              </a:prstGeom>
+              <a:noFill/>
+            </p:spPr>
+            <p:txBody>
+              <a:bodyPr wrap="none" lIns="0" tIns="0" rIns="0" bIns="0" rtlCol="0">
+                <a:spAutoFit/>
+              </a:bodyPr>
+              <a:lstStyle/>
+              <a:p>
+                <a14:m>
+                  <m:oMathPara xmlns:m="http://schemas.openxmlformats.org/officeDocument/2006/math">
+                    <m:oMathParaPr>
+                      <m:jc m:val="centerGroup"/>
+                    </m:oMathParaPr>
+                    <m:oMath xmlns:m="http://schemas.openxmlformats.org/officeDocument/2006/math">
+                      <m:sSubSup>
+                        <m:sSubSupPr>
+                          <m:ctrlPr>
+                            <a:rPr lang="en-US" sz="1400" b="0" i="1" smtClean="0">
+                              <a:latin typeface="Cambria Math" panose="02040503050406030204" pitchFamily="18" charset="0"/>
+                            </a:rPr>
+                          </m:ctrlPr>
+                        </m:sSubSupPr>
+                        <m:e>
+                          <m:r>
+                            <a:rPr lang="en-US" sz="1400" i="1">
+                              <a:latin typeface="Cambria Math" panose="02040503050406030204" pitchFamily="18" charset="0"/>
+                            </a:rPr>
+                            <m:t>𝑣</m:t>
+                          </m:r>
+                        </m:e>
+                        <m:sub>
+                          <m:r>
+                            <a:rPr lang="en-US" sz="1400" b="0" i="1" smtClean="0">
+                              <a:latin typeface="Cambria Math" panose="02040503050406030204" pitchFamily="18" charset="0"/>
+                            </a:rPr>
+                            <m:t>𝑙𝑒𝑓𝑡</m:t>
+                          </m:r>
+                        </m:sub>
+                        <m:sup>
+                          <m:r>
+                            <a:rPr lang="en-US" sz="1400" b="0" i="1" smtClean="0">
+                              <a:latin typeface="Cambria Math" panose="02040503050406030204" pitchFamily="18" charset="0"/>
+                            </a:rPr>
+                            <m:t>𝐶</m:t>
+                          </m:r>
+                        </m:sup>
+                      </m:sSubSup>
+                    </m:oMath>
+                  </m:oMathPara>
+                </a14:m>
+                <a:endParaRPr lang="en-US" sz="1400" dirty="0"/>
+              </a:p>
+            </p:txBody>
+          </p:sp>
+        </mc:Choice>
+        <mc:Fallback>
+          <p:sp>
+            <p:nvSpPr>
+              <p:cNvPr id="134" name="TextBox 133">
+                <a:extLst>
+                  <a:ext uri="{FF2B5EF4-FFF2-40B4-BE49-F238E27FC236}">
+                    <a16:creationId xmlns:a16="http://schemas.microsoft.com/office/drawing/2014/main" id="{C2210439-0AA3-4FA0-A4F4-871FB6632F85}"/>
+                  </a:ext>
+                </a:extLst>
+              </p:cNvPr>
+              <p:cNvSpPr txBox="1">
+                <a:spLocks noRot="1" noChangeAspect="1" noMove="1" noResize="1" noEditPoints="1" noAdjustHandles="1" noChangeArrowheads="1" noChangeShapeType="1" noTextEdit="1"/>
+              </p:cNvSpPr>
+              <p:nvPr/>
+            </p:nvSpPr>
+            <p:spPr>
+              <a:xfrm>
+                <a:off x="6181854" y="1061561"/>
+                <a:ext cx="400366" cy="253083"/>
+              </a:xfrm>
+              <a:prstGeom prst="rect">
+                <a:avLst/>
+              </a:prstGeom>
+              <a:blipFill>
+                <a:blip r:embed="rId6"/>
+                <a:stretch>
+                  <a:fillRect l="-4545" r="-6061" b="-23810"/>
+                </a:stretch>
+              </a:blipFill>
+            </p:spPr>
+            <p:txBody>
+              <a:bodyPr/>
+              <a:lstStyle/>
+              <a:p>
+                <a:r>
+                  <a:rPr lang="en-US">
+                    <a:noFill/>
+                  </a:rPr>
+                  <a:t> </a:t>
+                </a:r>
+              </a:p>
+            </p:txBody>
+          </p:sp>
+        </mc:Fallback>
+      </mc:AlternateContent>
+      <mc:AlternateContent xmlns:mc="http://schemas.openxmlformats.org/markup-compatibility/2006">
+        <mc:Choice xmlns:a14="http://schemas.microsoft.com/office/drawing/2010/main" Requires="a14">
+          <p:sp>
+            <p:nvSpPr>
+              <p:cNvPr id="135" name="TextBox 134">
+                <a:extLst>
+                  <a:ext uri="{FF2B5EF4-FFF2-40B4-BE49-F238E27FC236}">
+                    <a16:creationId xmlns:a16="http://schemas.microsoft.com/office/drawing/2014/main" id="{92DA7D2B-AFEF-43C6-A07B-6EF0ADB90883}"/>
+                  </a:ext>
+                </a:extLst>
+              </p:cNvPr>
+              <p:cNvSpPr txBox="1"/>
+              <p:nvPr/>
+            </p:nvSpPr>
+            <p:spPr>
+              <a:xfrm>
+                <a:off x="6151986" y="3940717"/>
+                <a:ext cx="400366" cy="253083"/>
+              </a:xfrm>
+              <a:prstGeom prst="rect">
+                <a:avLst/>
+              </a:prstGeom>
+              <a:noFill/>
+            </p:spPr>
+            <p:txBody>
+              <a:bodyPr wrap="none" lIns="0" tIns="0" rIns="0" bIns="0" rtlCol="0">
+                <a:spAutoFit/>
+              </a:bodyPr>
+              <a:lstStyle/>
+              <a:p>
+                <a14:m>
+                  <m:oMathPara xmlns:m="http://schemas.openxmlformats.org/officeDocument/2006/math">
+                    <m:oMathParaPr>
+                      <m:jc m:val="centerGroup"/>
+                    </m:oMathParaPr>
+                    <m:oMath xmlns:m="http://schemas.openxmlformats.org/officeDocument/2006/math">
+                      <m:sSubSup>
+                        <m:sSubSupPr>
+                          <m:ctrlPr>
+                            <a:rPr lang="en-US" sz="1400" b="0" i="1" smtClean="0">
+                              <a:latin typeface="Cambria Math" panose="02040503050406030204" pitchFamily="18" charset="0"/>
+                            </a:rPr>
+                          </m:ctrlPr>
+                        </m:sSubSupPr>
+                        <m:e>
+                          <m:r>
+                            <a:rPr lang="en-US" sz="1400" i="1">
+                              <a:latin typeface="Cambria Math" panose="02040503050406030204" pitchFamily="18" charset="0"/>
+                            </a:rPr>
+                            <m:t>𝑣</m:t>
+                          </m:r>
+                        </m:e>
+                        <m:sub>
+                          <m:r>
+                            <a:rPr lang="en-US" sz="1400" b="0" i="1" smtClean="0">
+                              <a:latin typeface="Cambria Math" panose="02040503050406030204" pitchFamily="18" charset="0"/>
+                            </a:rPr>
+                            <m:t>𝑙𝑒𝑓𝑡</m:t>
+                          </m:r>
+                        </m:sub>
+                        <m:sup>
+                          <m:r>
+                            <a:rPr lang="en-US" sz="1400" b="0" i="1" smtClean="0">
+                              <a:latin typeface="Cambria Math" panose="02040503050406030204" pitchFamily="18" charset="0"/>
+                            </a:rPr>
+                            <m:t>𝐶</m:t>
+                          </m:r>
+                        </m:sup>
+                      </m:sSubSup>
+                    </m:oMath>
+                  </m:oMathPara>
+                </a14:m>
+                <a:endParaRPr lang="en-US" sz="1400" dirty="0"/>
+              </a:p>
+            </p:txBody>
+          </p:sp>
+        </mc:Choice>
+        <mc:Fallback>
+          <p:sp>
+            <p:nvSpPr>
+              <p:cNvPr id="135" name="TextBox 134">
+                <a:extLst>
+                  <a:ext uri="{FF2B5EF4-FFF2-40B4-BE49-F238E27FC236}">
+                    <a16:creationId xmlns:a16="http://schemas.microsoft.com/office/drawing/2014/main" id="{92DA7D2B-AFEF-43C6-A07B-6EF0ADB90883}"/>
+                  </a:ext>
+                </a:extLst>
+              </p:cNvPr>
+              <p:cNvSpPr txBox="1">
+                <a:spLocks noRot="1" noChangeAspect="1" noMove="1" noResize="1" noEditPoints="1" noAdjustHandles="1" noChangeArrowheads="1" noChangeShapeType="1" noTextEdit="1"/>
+              </p:cNvSpPr>
+              <p:nvPr/>
+            </p:nvSpPr>
+            <p:spPr>
+              <a:xfrm>
+                <a:off x="6151986" y="3940717"/>
+                <a:ext cx="400366" cy="253083"/>
+              </a:xfrm>
+              <a:prstGeom prst="rect">
+                <a:avLst/>
+              </a:prstGeom>
+              <a:blipFill>
+                <a:blip r:embed="rId6"/>
+                <a:stretch>
+                  <a:fillRect l="-4545" r="-6061" b="-23810"/>
+                </a:stretch>
+              </a:blipFill>
+            </p:spPr>
+            <p:txBody>
+              <a:bodyPr/>
+              <a:lstStyle/>
+              <a:p>
+                <a:r>
+                  <a:rPr lang="en-US">
+                    <a:noFill/>
+                  </a:rPr>
+                  <a:t> </a:t>
+                </a:r>
+              </a:p>
+            </p:txBody>
+          </p:sp>
+        </mc:Fallback>
+      </mc:AlternateContent>
+      <mc:AlternateContent xmlns:mc="http://schemas.openxmlformats.org/markup-compatibility/2006">
+        <mc:Choice xmlns:a14="http://schemas.microsoft.com/office/drawing/2010/main" Requires="a14">
+          <p:sp>
+            <p:nvSpPr>
+              <p:cNvPr id="136" name="TextBox 135">
+                <a:extLst>
+                  <a:ext uri="{FF2B5EF4-FFF2-40B4-BE49-F238E27FC236}">
+                    <a16:creationId xmlns:a16="http://schemas.microsoft.com/office/drawing/2014/main" id="{41BA329F-63A3-4D44-AF58-1ECA31420D46}"/>
+                  </a:ext>
+                </a:extLst>
+              </p:cNvPr>
+              <p:cNvSpPr txBox="1"/>
+              <p:nvPr/>
+            </p:nvSpPr>
+            <p:spPr>
+              <a:xfrm>
+                <a:off x="8323863" y="2999827"/>
+                <a:ext cx="488532" cy="254365"/>
+              </a:xfrm>
+              <a:prstGeom prst="rect">
+                <a:avLst/>
+              </a:prstGeom>
+              <a:noFill/>
+            </p:spPr>
+            <p:txBody>
+              <a:bodyPr wrap="none" lIns="0" tIns="0" rIns="0" bIns="0" rtlCol="0">
+                <a:spAutoFit/>
+              </a:bodyPr>
+              <a:lstStyle/>
+              <a:p>
+                <a14:m>
+                  <m:oMathPara xmlns:m="http://schemas.openxmlformats.org/officeDocument/2006/math">
+                    <m:oMathParaPr>
+                      <m:jc m:val="centerGroup"/>
+                    </m:oMathParaPr>
+                    <m:oMath xmlns:m="http://schemas.openxmlformats.org/officeDocument/2006/math">
+                      <m:sSubSup>
+                        <m:sSubSupPr>
+                          <m:ctrlPr>
+                            <a:rPr lang="en-US" sz="1400" b="0" i="1" smtClean="0">
+                              <a:latin typeface="Cambria Math" panose="02040503050406030204" pitchFamily="18" charset="0"/>
+                            </a:rPr>
+                          </m:ctrlPr>
+                        </m:sSubSupPr>
+                        <m:e>
+                          <m:r>
+                            <a:rPr lang="en-US" sz="1400" i="1">
+                              <a:latin typeface="Cambria Math" panose="02040503050406030204" pitchFamily="18" charset="0"/>
+                            </a:rPr>
+                            <m:t>𝑣</m:t>
+                          </m:r>
+                        </m:e>
+                        <m:sub>
+                          <m:r>
+                            <a:rPr lang="en-US" sz="1400" b="0" i="1" smtClean="0">
+                              <a:latin typeface="Cambria Math" panose="02040503050406030204" pitchFamily="18" charset="0"/>
+                            </a:rPr>
+                            <m:t>𝑟𝑖𝑔h𝑡</m:t>
+                          </m:r>
+                        </m:sub>
+                        <m:sup>
+                          <m:r>
+                            <a:rPr lang="en-US" sz="1400" b="0" i="1" smtClean="0">
+                              <a:latin typeface="Cambria Math" panose="02040503050406030204" pitchFamily="18" charset="0"/>
+                            </a:rPr>
+                            <m:t>𝐶</m:t>
+                          </m:r>
+                        </m:sup>
+                      </m:sSubSup>
+                    </m:oMath>
+                  </m:oMathPara>
+                </a14:m>
+                <a:endParaRPr lang="en-US" sz="1400" dirty="0"/>
+              </a:p>
+            </p:txBody>
+          </p:sp>
+        </mc:Choice>
+        <mc:Fallback>
+          <p:sp>
+            <p:nvSpPr>
+              <p:cNvPr id="136" name="TextBox 135">
+                <a:extLst>
+                  <a:ext uri="{FF2B5EF4-FFF2-40B4-BE49-F238E27FC236}">
+                    <a16:creationId xmlns:a16="http://schemas.microsoft.com/office/drawing/2014/main" id="{41BA329F-63A3-4D44-AF58-1ECA31420D46}"/>
+                  </a:ext>
+                </a:extLst>
+              </p:cNvPr>
+              <p:cNvSpPr txBox="1">
+                <a:spLocks noRot="1" noChangeAspect="1" noMove="1" noResize="1" noEditPoints="1" noAdjustHandles="1" noChangeArrowheads="1" noChangeShapeType="1" noTextEdit="1"/>
+              </p:cNvSpPr>
+              <p:nvPr/>
+            </p:nvSpPr>
+            <p:spPr>
+              <a:xfrm>
+                <a:off x="8323863" y="2999827"/>
+                <a:ext cx="488532" cy="254365"/>
+              </a:xfrm>
+              <a:prstGeom prst="rect">
+                <a:avLst/>
+              </a:prstGeom>
+              <a:blipFill>
+                <a:blip r:embed="rId11"/>
+                <a:stretch>
+                  <a:fillRect l="-3704" r="-3704" b="-23810"/>
+                </a:stretch>
+              </a:blipFill>
+            </p:spPr>
+            <p:txBody>
+              <a:bodyPr/>
+              <a:lstStyle/>
+              <a:p>
+                <a:r>
+                  <a:rPr lang="en-US">
+                    <a:noFill/>
+                  </a:rPr>
+                  <a:t> </a:t>
+                </a:r>
+              </a:p>
+            </p:txBody>
+          </p:sp>
+        </mc:Fallback>
+      </mc:AlternateContent>
+      <mc:AlternateContent xmlns:mc="http://schemas.openxmlformats.org/markup-compatibility/2006">
+        <mc:Choice xmlns:a14="http://schemas.microsoft.com/office/drawing/2010/main" Requires="a14">
+          <p:sp>
+            <p:nvSpPr>
+              <p:cNvPr id="137" name="TextBox 136">
+                <a:extLst>
+                  <a:ext uri="{FF2B5EF4-FFF2-40B4-BE49-F238E27FC236}">
+                    <a16:creationId xmlns:a16="http://schemas.microsoft.com/office/drawing/2014/main" id="{22924845-A187-40F0-8785-1D780683C2B9}"/>
+                  </a:ext>
+                </a:extLst>
+              </p:cNvPr>
+              <p:cNvSpPr txBox="1"/>
+              <p:nvPr/>
+            </p:nvSpPr>
+            <p:spPr>
+              <a:xfrm>
+                <a:off x="8010512" y="6245783"/>
+                <a:ext cx="488532" cy="254365"/>
+              </a:xfrm>
+              <a:prstGeom prst="rect">
+                <a:avLst/>
+              </a:prstGeom>
+              <a:noFill/>
+            </p:spPr>
+            <p:txBody>
+              <a:bodyPr wrap="none" lIns="0" tIns="0" rIns="0" bIns="0" rtlCol="0">
+                <a:spAutoFit/>
+              </a:bodyPr>
+              <a:lstStyle/>
+              <a:p>
+                <a14:m>
+                  <m:oMathPara xmlns:m="http://schemas.openxmlformats.org/officeDocument/2006/math">
+                    <m:oMathParaPr>
+                      <m:jc m:val="centerGroup"/>
+                    </m:oMathParaPr>
+                    <m:oMath xmlns:m="http://schemas.openxmlformats.org/officeDocument/2006/math">
+                      <m:sSubSup>
+                        <m:sSubSupPr>
+                          <m:ctrlPr>
+                            <a:rPr lang="en-US" sz="1400" b="0" i="1" smtClean="0">
+                              <a:latin typeface="Cambria Math" panose="02040503050406030204" pitchFamily="18" charset="0"/>
+                            </a:rPr>
+                          </m:ctrlPr>
+                        </m:sSubSupPr>
+                        <m:e>
+                          <m:r>
+                            <a:rPr lang="en-US" sz="1400" i="1">
+                              <a:latin typeface="Cambria Math" panose="02040503050406030204" pitchFamily="18" charset="0"/>
+                            </a:rPr>
+                            <m:t>𝑣</m:t>
+                          </m:r>
+                        </m:e>
+                        <m:sub>
+                          <m:r>
+                            <a:rPr lang="en-US" sz="1400" b="0" i="1" smtClean="0">
+                              <a:latin typeface="Cambria Math" panose="02040503050406030204" pitchFamily="18" charset="0"/>
+                            </a:rPr>
+                            <m:t>𝑟𝑖𝑔h𝑡</m:t>
+                          </m:r>
+                        </m:sub>
+                        <m:sup>
+                          <m:r>
+                            <a:rPr lang="en-US" sz="1400" b="0" i="1" smtClean="0">
+                              <a:latin typeface="Cambria Math" panose="02040503050406030204" pitchFamily="18" charset="0"/>
+                            </a:rPr>
+                            <m:t>𝐶</m:t>
+                          </m:r>
+                        </m:sup>
+                      </m:sSubSup>
+                    </m:oMath>
+                  </m:oMathPara>
+                </a14:m>
+                <a:endParaRPr lang="en-US" sz="1400" dirty="0"/>
+              </a:p>
+            </p:txBody>
+          </p:sp>
+        </mc:Choice>
+        <mc:Fallback>
+          <p:sp>
+            <p:nvSpPr>
+              <p:cNvPr id="137" name="TextBox 136">
+                <a:extLst>
+                  <a:ext uri="{FF2B5EF4-FFF2-40B4-BE49-F238E27FC236}">
+                    <a16:creationId xmlns:a16="http://schemas.microsoft.com/office/drawing/2014/main" id="{22924845-A187-40F0-8785-1D780683C2B9}"/>
+                  </a:ext>
+                </a:extLst>
+              </p:cNvPr>
+              <p:cNvSpPr txBox="1">
+                <a:spLocks noRot="1" noChangeAspect="1" noMove="1" noResize="1" noEditPoints="1" noAdjustHandles="1" noChangeArrowheads="1" noChangeShapeType="1" noTextEdit="1"/>
+              </p:cNvSpPr>
+              <p:nvPr/>
+            </p:nvSpPr>
+            <p:spPr>
+              <a:xfrm>
+                <a:off x="8010512" y="6245783"/>
+                <a:ext cx="488532" cy="254365"/>
+              </a:xfrm>
+              <a:prstGeom prst="rect">
+                <a:avLst/>
+              </a:prstGeom>
+              <a:blipFill>
+                <a:blip r:embed="rId12"/>
+                <a:stretch>
+                  <a:fillRect l="-3750" r="-5000" b="-24390"/>
+                </a:stretch>
+              </a:blipFill>
+            </p:spPr>
+            <p:txBody>
+              <a:bodyPr/>
+              <a:lstStyle/>
+              <a:p>
+                <a:r>
+                  <a:rPr lang="en-US">
+                    <a:noFill/>
+                  </a:rPr>
+                  <a:t> </a:t>
+                </a:r>
+              </a:p>
+            </p:txBody>
+          </p:sp>
+        </mc:Fallback>
+      </mc:AlternateContent>
+      <mc:AlternateContent xmlns:mc="http://schemas.openxmlformats.org/markup-compatibility/2006">
+        <mc:Choice xmlns:a14="http://schemas.microsoft.com/office/drawing/2010/main" Requires="a14">
+          <p:sp>
+            <p:nvSpPr>
+              <p:cNvPr id="138" name="TextBox 137">
+                <a:extLst>
+                  <a:ext uri="{FF2B5EF4-FFF2-40B4-BE49-F238E27FC236}">
+                    <a16:creationId xmlns:a16="http://schemas.microsoft.com/office/drawing/2014/main" id="{F90304D3-F918-46CA-AE87-174BFB182FF0}"/>
+                  </a:ext>
+                </a:extLst>
+              </p:cNvPr>
+              <p:cNvSpPr txBox="1"/>
+              <p:nvPr/>
+            </p:nvSpPr>
+            <p:spPr>
+              <a:xfrm>
+                <a:off x="3589840" y="6213867"/>
+                <a:ext cx="488532" cy="254365"/>
+              </a:xfrm>
+              <a:prstGeom prst="rect">
+                <a:avLst/>
+              </a:prstGeom>
+              <a:noFill/>
+            </p:spPr>
+            <p:txBody>
+              <a:bodyPr wrap="none" lIns="0" tIns="0" rIns="0" bIns="0" rtlCol="0">
+                <a:spAutoFit/>
+              </a:bodyPr>
+              <a:lstStyle/>
+              <a:p>
+                <a14:m>
+                  <m:oMathPara xmlns:m="http://schemas.openxmlformats.org/officeDocument/2006/math">
+                    <m:oMathParaPr>
+                      <m:jc m:val="centerGroup"/>
+                    </m:oMathParaPr>
+                    <m:oMath xmlns:m="http://schemas.openxmlformats.org/officeDocument/2006/math">
+                      <m:sSubSup>
+                        <m:sSubSupPr>
+                          <m:ctrlPr>
+                            <a:rPr lang="en-US" sz="1400" b="0" i="1" smtClean="0">
+                              <a:latin typeface="Cambria Math" panose="02040503050406030204" pitchFamily="18" charset="0"/>
+                            </a:rPr>
+                          </m:ctrlPr>
+                        </m:sSubSupPr>
+                        <m:e>
+                          <m:r>
+                            <a:rPr lang="en-US" sz="1400" i="1">
+                              <a:latin typeface="Cambria Math" panose="02040503050406030204" pitchFamily="18" charset="0"/>
+                            </a:rPr>
+                            <m:t>𝑣</m:t>
+                          </m:r>
+                        </m:e>
+                        <m:sub>
+                          <m:r>
+                            <a:rPr lang="en-US" sz="1400" b="0" i="1" smtClean="0">
+                              <a:latin typeface="Cambria Math" panose="02040503050406030204" pitchFamily="18" charset="0"/>
+                            </a:rPr>
+                            <m:t>𝑟𝑖𝑔h𝑡</m:t>
+                          </m:r>
+                        </m:sub>
+                        <m:sup>
+                          <m:r>
+                            <a:rPr lang="en-US" sz="1400" b="0" i="1" smtClean="0">
+                              <a:latin typeface="Cambria Math" panose="02040503050406030204" pitchFamily="18" charset="0"/>
+                            </a:rPr>
+                            <m:t>𝐶</m:t>
+                          </m:r>
+                        </m:sup>
+                      </m:sSubSup>
+                    </m:oMath>
+                  </m:oMathPara>
+                </a14:m>
+                <a:endParaRPr lang="en-US" sz="1400" dirty="0"/>
+              </a:p>
+            </p:txBody>
+          </p:sp>
+        </mc:Choice>
+        <mc:Fallback>
+          <p:sp>
+            <p:nvSpPr>
+              <p:cNvPr id="138" name="TextBox 137">
+                <a:extLst>
+                  <a:ext uri="{FF2B5EF4-FFF2-40B4-BE49-F238E27FC236}">
+                    <a16:creationId xmlns:a16="http://schemas.microsoft.com/office/drawing/2014/main" id="{F90304D3-F918-46CA-AE87-174BFB182FF0}"/>
+                  </a:ext>
+                </a:extLst>
+              </p:cNvPr>
+              <p:cNvSpPr txBox="1">
+                <a:spLocks noRot="1" noChangeAspect="1" noMove="1" noResize="1" noEditPoints="1" noAdjustHandles="1" noChangeArrowheads="1" noChangeShapeType="1" noTextEdit="1"/>
+              </p:cNvSpPr>
+              <p:nvPr/>
+            </p:nvSpPr>
+            <p:spPr>
+              <a:xfrm>
+                <a:off x="3589840" y="6213867"/>
+                <a:ext cx="488532" cy="254365"/>
+              </a:xfrm>
+              <a:prstGeom prst="rect">
+                <a:avLst/>
+              </a:prstGeom>
+              <a:blipFill>
+                <a:blip r:embed="rId13"/>
+                <a:stretch>
+                  <a:fillRect l="-5000" r="-3750" b="-23810"/>
+                </a:stretch>
+              </a:blipFill>
+            </p:spPr>
+            <p:txBody>
+              <a:bodyPr/>
+              <a:lstStyle/>
+              <a:p>
+                <a:r>
+                  <a:rPr lang="en-US">
+                    <a:noFill/>
+                  </a:rPr>
+                  <a:t> </a:t>
+                </a:r>
+              </a:p>
+            </p:txBody>
+          </p:sp>
+        </mc:Fallback>
+      </mc:AlternateContent>
+      <mc:AlternateContent xmlns:mc="http://schemas.openxmlformats.org/markup-compatibility/2006">
+        <mc:Choice xmlns:a14="http://schemas.microsoft.com/office/drawing/2010/main" Requires="a14">
+          <p:sp>
+            <p:nvSpPr>
+              <p:cNvPr id="139" name="TextBox 138">
+                <a:extLst>
+                  <a:ext uri="{FF2B5EF4-FFF2-40B4-BE49-F238E27FC236}">
+                    <a16:creationId xmlns:a16="http://schemas.microsoft.com/office/drawing/2014/main" id="{8F7E3F5C-2AF1-477E-B1D6-30F496C35F44}"/>
+                  </a:ext>
+                </a:extLst>
+              </p:cNvPr>
+              <p:cNvSpPr txBox="1"/>
+              <p:nvPr/>
+            </p:nvSpPr>
+            <p:spPr>
+              <a:xfrm>
+                <a:off x="4328972" y="2982288"/>
+                <a:ext cx="488532" cy="254365"/>
+              </a:xfrm>
+              <a:prstGeom prst="rect">
+                <a:avLst/>
+              </a:prstGeom>
+              <a:noFill/>
+            </p:spPr>
+            <p:txBody>
+              <a:bodyPr wrap="none" lIns="0" tIns="0" rIns="0" bIns="0" rtlCol="0">
+                <a:spAutoFit/>
+              </a:bodyPr>
+              <a:lstStyle/>
+              <a:p>
+                <a14:m>
+                  <m:oMathPara xmlns:m="http://schemas.openxmlformats.org/officeDocument/2006/math">
+                    <m:oMathParaPr>
+                      <m:jc m:val="centerGroup"/>
+                    </m:oMathParaPr>
+                    <m:oMath xmlns:m="http://schemas.openxmlformats.org/officeDocument/2006/math">
+                      <m:sSubSup>
+                        <m:sSubSupPr>
+                          <m:ctrlPr>
+                            <a:rPr lang="en-US" sz="1400" b="0" i="1" smtClean="0">
+                              <a:latin typeface="Cambria Math" panose="02040503050406030204" pitchFamily="18" charset="0"/>
+                            </a:rPr>
+                          </m:ctrlPr>
+                        </m:sSubSupPr>
+                        <m:e>
+                          <m:r>
+                            <a:rPr lang="en-US" sz="1400" i="1">
+                              <a:latin typeface="Cambria Math" panose="02040503050406030204" pitchFamily="18" charset="0"/>
+                            </a:rPr>
+                            <m:t>𝑣</m:t>
+                          </m:r>
+                        </m:e>
+                        <m:sub>
+                          <m:r>
+                            <a:rPr lang="en-US" sz="1400" b="0" i="1" smtClean="0">
+                              <a:latin typeface="Cambria Math" panose="02040503050406030204" pitchFamily="18" charset="0"/>
+                            </a:rPr>
+                            <m:t>𝑟𝑖𝑔h𝑡</m:t>
+                          </m:r>
+                        </m:sub>
+                        <m:sup>
+                          <m:r>
+                            <a:rPr lang="en-US" sz="1400" b="0" i="1" smtClean="0">
+                              <a:latin typeface="Cambria Math" panose="02040503050406030204" pitchFamily="18" charset="0"/>
+                            </a:rPr>
+                            <m:t>𝐶</m:t>
+                          </m:r>
+                        </m:sup>
+                      </m:sSubSup>
+                    </m:oMath>
+                  </m:oMathPara>
+                </a14:m>
+                <a:endParaRPr lang="en-US" sz="1400" dirty="0"/>
+              </a:p>
+            </p:txBody>
+          </p:sp>
+        </mc:Choice>
+        <mc:Fallback>
+          <p:sp>
+            <p:nvSpPr>
+              <p:cNvPr id="139" name="TextBox 138">
+                <a:extLst>
+                  <a:ext uri="{FF2B5EF4-FFF2-40B4-BE49-F238E27FC236}">
+                    <a16:creationId xmlns:a16="http://schemas.microsoft.com/office/drawing/2014/main" id="{8F7E3F5C-2AF1-477E-B1D6-30F496C35F44}"/>
+                  </a:ext>
+                </a:extLst>
+              </p:cNvPr>
+              <p:cNvSpPr txBox="1">
+                <a:spLocks noRot="1" noChangeAspect="1" noMove="1" noResize="1" noEditPoints="1" noAdjustHandles="1" noChangeArrowheads="1" noChangeShapeType="1" noTextEdit="1"/>
+              </p:cNvSpPr>
+              <p:nvPr/>
+            </p:nvSpPr>
+            <p:spPr>
+              <a:xfrm>
+                <a:off x="4328972" y="2982288"/>
+                <a:ext cx="488532" cy="254365"/>
+              </a:xfrm>
+              <a:prstGeom prst="rect">
+                <a:avLst/>
+              </a:prstGeom>
+              <a:blipFill>
+                <a:blip r:embed="rId11"/>
+                <a:stretch>
+                  <a:fillRect l="-3750" r="-5000" b="-23810"/>
+                </a:stretch>
+              </a:blipFill>
+            </p:spPr>
+            <p:txBody>
+              <a:bodyPr/>
+              <a:lstStyle/>
+              <a:p>
+                <a:r>
+                  <a:rPr lang="en-US">
+                    <a:noFill/>
+                  </a:rPr>
+                  <a:t> </a:t>
+                </a:r>
+              </a:p>
+            </p:txBody>
+          </p:sp>
+        </mc:Fallback>
+      </mc:AlternateContent>
+      <mc:AlternateContent xmlns:mc="http://schemas.openxmlformats.org/markup-compatibility/2006">
+        <mc:Choice xmlns:a14="http://schemas.microsoft.com/office/drawing/2010/main" Requires="a14">
+          <p:sp>
+            <p:nvSpPr>
+              <p:cNvPr id="140" name="TextBox 139">
+                <a:extLst>
+                  <a:ext uri="{FF2B5EF4-FFF2-40B4-BE49-F238E27FC236}">
+                    <a16:creationId xmlns:a16="http://schemas.microsoft.com/office/drawing/2014/main" id="{2E820AAB-7723-482D-829C-AA7FBC31E110}"/>
+                  </a:ext>
+                </a:extLst>
+              </p:cNvPr>
+              <p:cNvSpPr txBox="1"/>
+              <p:nvPr/>
+            </p:nvSpPr>
+            <p:spPr>
+              <a:xfrm>
+                <a:off x="7165913" y="590389"/>
+                <a:ext cx="350031" cy="243272"/>
+              </a:xfrm>
+              <a:prstGeom prst="rect">
+                <a:avLst/>
+              </a:prstGeom>
+              <a:noFill/>
+            </p:spPr>
+            <p:txBody>
+              <a:bodyPr wrap="none" lIns="0" tIns="0" rIns="0" bIns="0" rtlCol="0">
+                <a:spAutoFit/>
+              </a:bodyPr>
+              <a:lstStyle/>
+              <a:p>
+                <a:pPr/>
+                <a14:m>
+                  <m:oMathPara xmlns:m="http://schemas.openxmlformats.org/officeDocument/2006/math">
+                    <m:oMathParaPr>
+                      <m:jc m:val="centerGroup"/>
+                    </m:oMathParaPr>
+                    <m:oMath xmlns:m="http://schemas.openxmlformats.org/officeDocument/2006/math">
+                      <m:sSubSup>
+                        <m:sSubSupPr>
+                          <m:ctrlPr>
+                            <a:rPr lang="en-US" sz="1400" b="0" i="1" smtClean="0">
+                              <a:latin typeface="Cambria Math" panose="02040503050406030204" pitchFamily="18" charset="0"/>
+                            </a:rPr>
+                          </m:ctrlPr>
+                        </m:sSubSupPr>
+                        <m:e>
+                          <m:r>
+                            <a:rPr lang="en-US" sz="1400" b="0" i="1" smtClean="0">
+                              <a:latin typeface="Cambria Math" panose="02040503050406030204" pitchFamily="18" charset="0"/>
+                            </a:rPr>
+                            <m:t>𝑒</m:t>
+                          </m:r>
+                        </m:e>
+                        <m:sub>
+                          <m:r>
+                            <a:rPr lang="en-US" sz="1400" b="0" i="1" smtClean="0">
+                              <a:latin typeface="Cambria Math" panose="02040503050406030204" pitchFamily="18" charset="0"/>
+                            </a:rPr>
+                            <m:t>𝑡𝑜𝑝</m:t>
+                          </m:r>
+                        </m:sub>
+                        <m:sup>
+                          <m:r>
+                            <a:rPr lang="en-US" sz="1400" b="0" i="1" smtClean="0">
+                              <a:latin typeface="Cambria Math" panose="02040503050406030204" pitchFamily="18" charset="0"/>
+                            </a:rPr>
+                            <m:t>𝐶</m:t>
+                          </m:r>
+                        </m:sup>
+                      </m:sSubSup>
+                    </m:oMath>
+                  </m:oMathPara>
+                </a14:m>
+                <a:endParaRPr lang="en-US" sz="1400" dirty="0"/>
+              </a:p>
+            </p:txBody>
+          </p:sp>
+        </mc:Choice>
+        <mc:Fallback>
+          <p:sp>
+            <p:nvSpPr>
+              <p:cNvPr id="140" name="TextBox 139">
+                <a:extLst>
+                  <a:ext uri="{FF2B5EF4-FFF2-40B4-BE49-F238E27FC236}">
+                    <a16:creationId xmlns:a16="http://schemas.microsoft.com/office/drawing/2014/main" id="{2E820AAB-7723-482D-829C-AA7FBC31E110}"/>
+                  </a:ext>
+                </a:extLst>
+              </p:cNvPr>
+              <p:cNvSpPr txBox="1">
+                <a:spLocks noRot="1" noChangeAspect="1" noMove="1" noResize="1" noEditPoints="1" noAdjustHandles="1" noChangeArrowheads="1" noChangeShapeType="1" noTextEdit="1"/>
+              </p:cNvSpPr>
+              <p:nvPr/>
+            </p:nvSpPr>
+            <p:spPr>
+              <a:xfrm>
+                <a:off x="7165913" y="590389"/>
+                <a:ext cx="350031" cy="243272"/>
+              </a:xfrm>
+              <a:prstGeom prst="rect">
+                <a:avLst/>
+              </a:prstGeom>
+              <a:blipFill>
+                <a:blip r:embed="rId3"/>
+                <a:stretch>
+                  <a:fillRect l="-8772" r="-5263" b="-22500"/>
+                </a:stretch>
+              </a:blipFill>
+            </p:spPr>
+            <p:txBody>
+              <a:bodyPr/>
+              <a:lstStyle/>
+              <a:p>
+                <a:r>
+                  <a:rPr lang="en-US">
+                    <a:noFill/>
+                  </a:rPr>
+                  <a:t> </a:t>
+                </a:r>
+              </a:p>
+            </p:txBody>
+          </p:sp>
+        </mc:Fallback>
+      </mc:AlternateContent>
+      <mc:AlternateContent xmlns:mc="http://schemas.openxmlformats.org/markup-compatibility/2006">
+        <mc:Choice xmlns:a14="http://schemas.microsoft.com/office/drawing/2010/main" Requires="a14">
+          <p:sp>
+            <p:nvSpPr>
+              <p:cNvPr id="141" name="TextBox 140">
+                <a:extLst>
+                  <a:ext uri="{FF2B5EF4-FFF2-40B4-BE49-F238E27FC236}">
+                    <a16:creationId xmlns:a16="http://schemas.microsoft.com/office/drawing/2014/main" id="{0BEC8287-EC9F-4302-835E-8F045021647B}"/>
+                  </a:ext>
+                </a:extLst>
+              </p:cNvPr>
+              <p:cNvSpPr txBox="1"/>
+              <p:nvPr/>
+            </p:nvSpPr>
+            <p:spPr>
+              <a:xfrm>
+                <a:off x="7214756" y="3722407"/>
+                <a:ext cx="350031" cy="243272"/>
+              </a:xfrm>
+              <a:prstGeom prst="rect">
+                <a:avLst/>
+              </a:prstGeom>
+              <a:noFill/>
+            </p:spPr>
+            <p:txBody>
+              <a:bodyPr wrap="none" lIns="0" tIns="0" rIns="0" bIns="0" rtlCol="0">
+                <a:spAutoFit/>
+              </a:bodyPr>
+              <a:lstStyle/>
+              <a:p>
+                <a:pPr/>
+                <a14:m>
+                  <m:oMathPara xmlns:m="http://schemas.openxmlformats.org/officeDocument/2006/math">
+                    <m:oMathParaPr>
+                      <m:jc m:val="centerGroup"/>
+                    </m:oMathParaPr>
+                    <m:oMath xmlns:m="http://schemas.openxmlformats.org/officeDocument/2006/math">
+                      <m:sSubSup>
+                        <m:sSubSupPr>
+                          <m:ctrlPr>
+                            <a:rPr lang="en-US" sz="1400" b="0" i="1" smtClean="0">
+                              <a:latin typeface="Cambria Math" panose="02040503050406030204" pitchFamily="18" charset="0"/>
+                            </a:rPr>
+                          </m:ctrlPr>
+                        </m:sSubSupPr>
+                        <m:e>
+                          <m:r>
+                            <a:rPr lang="en-US" sz="1400" b="0" i="1" smtClean="0">
+                              <a:latin typeface="Cambria Math" panose="02040503050406030204" pitchFamily="18" charset="0"/>
+                            </a:rPr>
+                            <m:t>𝑒</m:t>
+                          </m:r>
+                        </m:e>
+                        <m:sub>
+                          <m:r>
+                            <a:rPr lang="en-US" sz="1400" b="0" i="1" smtClean="0">
+                              <a:latin typeface="Cambria Math" panose="02040503050406030204" pitchFamily="18" charset="0"/>
+                            </a:rPr>
+                            <m:t>𝑡𝑜𝑝</m:t>
+                          </m:r>
+                        </m:sub>
+                        <m:sup>
+                          <m:r>
+                            <a:rPr lang="en-US" sz="1400" b="0" i="1" smtClean="0">
+                              <a:latin typeface="Cambria Math" panose="02040503050406030204" pitchFamily="18" charset="0"/>
+                            </a:rPr>
+                            <m:t>𝐶</m:t>
+                          </m:r>
+                        </m:sup>
+                      </m:sSubSup>
+                    </m:oMath>
+                  </m:oMathPara>
+                </a14:m>
+                <a:endParaRPr lang="en-US" sz="1400" dirty="0"/>
+              </a:p>
+            </p:txBody>
+          </p:sp>
+        </mc:Choice>
+        <mc:Fallback>
+          <p:sp>
+            <p:nvSpPr>
+              <p:cNvPr id="141" name="TextBox 140">
+                <a:extLst>
+                  <a:ext uri="{FF2B5EF4-FFF2-40B4-BE49-F238E27FC236}">
+                    <a16:creationId xmlns:a16="http://schemas.microsoft.com/office/drawing/2014/main" id="{0BEC8287-EC9F-4302-835E-8F045021647B}"/>
+                  </a:ext>
+                </a:extLst>
+              </p:cNvPr>
+              <p:cNvSpPr txBox="1">
+                <a:spLocks noRot="1" noChangeAspect="1" noMove="1" noResize="1" noEditPoints="1" noAdjustHandles="1" noChangeArrowheads="1" noChangeShapeType="1" noTextEdit="1"/>
+              </p:cNvSpPr>
+              <p:nvPr/>
+            </p:nvSpPr>
+            <p:spPr>
+              <a:xfrm>
+                <a:off x="7214756" y="3722407"/>
+                <a:ext cx="350031" cy="243272"/>
+              </a:xfrm>
+              <a:prstGeom prst="rect">
+                <a:avLst/>
+              </a:prstGeom>
+              <a:blipFill>
+                <a:blip r:embed="rId3"/>
+                <a:stretch>
+                  <a:fillRect l="-8772" r="-5263" b="-22500"/>
+                </a:stretch>
+              </a:blipFill>
+            </p:spPr>
+            <p:txBody>
+              <a:bodyPr/>
+              <a:lstStyle/>
+              <a:p>
+                <a:r>
+                  <a:rPr lang="en-US">
+                    <a:noFill/>
+                  </a:rPr>
+                  <a:t> </a:t>
+                </a:r>
+              </a:p>
+            </p:txBody>
+          </p:sp>
+        </mc:Fallback>
+      </mc:AlternateContent>
+      <mc:AlternateContent xmlns:mc="http://schemas.openxmlformats.org/markup-compatibility/2006">
+        <mc:Choice xmlns:a14="http://schemas.microsoft.com/office/drawing/2010/main" Requires="a14">
+          <p:sp>
+            <p:nvSpPr>
+              <p:cNvPr id="142" name="TextBox 141">
+                <a:extLst>
+                  <a:ext uri="{FF2B5EF4-FFF2-40B4-BE49-F238E27FC236}">
+                    <a16:creationId xmlns:a16="http://schemas.microsoft.com/office/drawing/2014/main" id="{1C2CC719-EBEC-498D-989D-64B04FED7521}"/>
+                  </a:ext>
+                </a:extLst>
+              </p:cNvPr>
+              <p:cNvSpPr txBox="1"/>
+              <p:nvPr/>
+            </p:nvSpPr>
+            <p:spPr>
+              <a:xfrm>
+                <a:off x="2884017" y="3694620"/>
+                <a:ext cx="350031" cy="243272"/>
+              </a:xfrm>
+              <a:prstGeom prst="rect">
+                <a:avLst/>
+              </a:prstGeom>
+              <a:noFill/>
+            </p:spPr>
+            <p:txBody>
+              <a:bodyPr wrap="none" lIns="0" tIns="0" rIns="0" bIns="0" rtlCol="0">
+                <a:spAutoFit/>
+              </a:bodyPr>
+              <a:lstStyle/>
+              <a:p>
+                <a:pPr/>
+                <a14:m>
+                  <m:oMathPara xmlns:m="http://schemas.openxmlformats.org/officeDocument/2006/math">
+                    <m:oMathParaPr>
+                      <m:jc m:val="centerGroup"/>
+                    </m:oMathParaPr>
+                    <m:oMath xmlns:m="http://schemas.openxmlformats.org/officeDocument/2006/math">
+                      <m:sSubSup>
+                        <m:sSubSupPr>
+                          <m:ctrlPr>
+                            <a:rPr lang="en-US" sz="1400" b="0" i="1" smtClean="0">
+                              <a:latin typeface="Cambria Math" panose="02040503050406030204" pitchFamily="18" charset="0"/>
+                            </a:rPr>
+                          </m:ctrlPr>
+                        </m:sSubSupPr>
+                        <m:e>
+                          <m:r>
+                            <a:rPr lang="en-US" sz="1400" b="0" i="1" smtClean="0">
+                              <a:latin typeface="Cambria Math" panose="02040503050406030204" pitchFamily="18" charset="0"/>
+                            </a:rPr>
+                            <m:t>𝑒</m:t>
+                          </m:r>
+                        </m:e>
+                        <m:sub>
+                          <m:r>
+                            <a:rPr lang="en-US" sz="1400" b="0" i="1" smtClean="0">
+                              <a:latin typeface="Cambria Math" panose="02040503050406030204" pitchFamily="18" charset="0"/>
+                            </a:rPr>
+                            <m:t>𝑡𝑜𝑝</m:t>
+                          </m:r>
+                        </m:sub>
+                        <m:sup>
+                          <m:r>
+                            <a:rPr lang="en-US" sz="1400" b="0" i="1" smtClean="0">
+                              <a:latin typeface="Cambria Math" panose="02040503050406030204" pitchFamily="18" charset="0"/>
+                            </a:rPr>
+                            <m:t>𝐶</m:t>
+                          </m:r>
+                        </m:sup>
+                      </m:sSubSup>
+                    </m:oMath>
+                  </m:oMathPara>
+                </a14:m>
+                <a:endParaRPr lang="en-US" sz="1400" dirty="0"/>
+              </a:p>
+            </p:txBody>
+          </p:sp>
+        </mc:Choice>
+        <mc:Fallback>
+          <p:sp>
+            <p:nvSpPr>
+              <p:cNvPr id="142" name="TextBox 141">
+                <a:extLst>
+                  <a:ext uri="{FF2B5EF4-FFF2-40B4-BE49-F238E27FC236}">
+                    <a16:creationId xmlns:a16="http://schemas.microsoft.com/office/drawing/2014/main" id="{1C2CC719-EBEC-498D-989D-64B04FED7521}"/>
+                  </a:ext>
+                </a:extLst>
+              </p:cNvPr>
+              <p:cNvSpPr txBox="1">
+                <a:spLocks noRot="1" noChangeAspect="1" noMove="1" noResize="1" noEditPoints="1" noAdjustHandles="1" noChangeArrowheads="1" noChangeShapeType="1" noTextEdit="1"/>
+              </p:cNvSpPr>
+              <p:nvPr/>
+            </p:nvSpPr>
+            <p:spPr>
+              <a:xfrm>
+                <a:off x="2884017" y="3694620"/>
+                <a:ext cx="350031" cy="243272"/>
+              </a:xfrm>
+              <a:prstGeom prst="rect">
+                <a:avLst/>
+              </a:prstGeom>
+              <a:blipFill>
+                <a:blip r:embed="rId14"/>
+                <a:stretch>
+                  <a:fillRect l="-6897" r="-3448" b="-22500"/>
+                </a:stretch>
+              </a:blipFill>
+            </p:spPr>
+            <p:txBody>
+              <a:bodyPr/>
+              <a:lstStyle/>
+              <a:p>
+                <a:r>
+                  <a:rPr lang="en-US">
+                    <a:noFill/>
+                  </a:rPr>
+                  <a:t> </a:t>
+                </a:r>
+              </a:p>
+            </p:txBody>
+          </p:sp>
+        </mc:Fallback>
+      </mc:AlternateContent>
+    </p:spTree>
+    <p:extLst>
+      <p:ext uri="{BB962C8B-B14F-4D97-AF65-F5344CB8AC3E}">
+        <p14:creationId xmlns:p14="http://schemas.microsoft.com/office/powerpoint/2010/main" val="1749074402"/>
       </p:ext>
     </p:extLst>
   </p:cSld>
